--- a/정보처리기사/정보처리기사.pptx
+++ b/정보처리기사/정보처리기사.pptx
@@ -5,10 +5,10 @@
     <p:sldMasterId id="2147483648" r:id="rId1"/>
   </p:sldMasterIdLst>
   <p:notesMasterIdLst>
-    <p:notesMasterId r:id="rId28"/>
+    <p:notesMasterId r:id="rId36"/>
   </p:notesMasterIdLst>
   <p:handoutMasterIdLst>
-    <p:handoutMasterId r:id="rId29"/>
+    <p:handoutMasterId r:id="rId37"/>
   </p:handoutMasterIdLst>
   <p:sldIdLst>
     <p:sldId id="259" r:id="rId2"/>
@@ -37,6 +37,14 @@
     <p:sldId id="283" r:id="rId25"/>
     <p:sldId id="284" r:id="rId26"/>
     <p:sldId id="285" r:id="rId27"/>
+    <p:sldId id="286" r:id="rId28"/>
+    <p:sldId id="287" r:id="rId29"/>
+    <p:sldId id="288" r:id="rId30"/>
+    <p:sldId id="289" r:id="rId31"/>
+    <p:sldId id="290" r:id="rId32"/>
+    <p:sldId id="291" r:id="rId33"/>
+    <p:sldId id="292" r:id="rId34"/>
+    <p:sldId id="293" r:id="rId35"/>
   </p:sldIdLst>
   <p:sldSz cx="12192000" cy="6858000"/>
   <p:notesSz cx="9144000" cy="6858000"/>
@@ -142,6 +150,10 @@
           <p14:sldIdLst>
             <p14:sldId id="259"/>
             <p14:sldId id="264"/>
+          </p14:sldIdLst>
+        </p14:section>
+        <p14:section name="Agenda" id="{E7E70023-D0FC-4978-A8EA-0C2F3EF3E017}">
+          <p14:sldIdLst>
             <p14:sldId id="258"/>
           </p14:sldIdLst>
         </p14:section>
@@ -188,6 +200,22 @@
             <p14:sldId id="285"/>
           </p14:sldIdLst>
         </p14:section>
+        <p14:section name="애플리케이션 설계 - 공통 모듈 설계" id="{46B1B89E-F79C-485F-972E-BE500691E0F8}">
+          <p14:sldIdLst>
+            <p14:sldId id="286"/>
+            <p14:sldId id="287"/>
+            <p14:sldId id="288"/>
+            <p14:sldId id="289"/>
+          </p14:sldIdLst>
+        </p14:section>
+        <p14:section name="애플리케이션 설계 - 객체지향 설계" id="{7531BBDE-8D79-4F30-870A-F5CFC71FA615}">
+          <p14:sldIdLst>
+            <p14:sldId id="290"/>
+            <p14:sldId id="291"/>
+            <p14:sldId id="292"/>
+            <p14:sldId id="293"/>
+          </p14:sldIdLst>
+        </p14:section>
       </p14:sectionLst>
     </p:ext>
     <p:ext uri="{EFAFB233-063F-42B5-8137-9DF3F51BA10A}">
@@ -294,7 +322,7 @@
           <a:p>
             <a:fld id="{A4D0E862-B602-4F19-9CCB-DBEF680D281A}" type="datetimeFigureOut">
               <a:rPr lang="ko-KR" altLang="en-US" smtClean="0"/>
-              <a:t>2021-07-27</a:t>
+              <a:t>2021-07-28</a:t>
             </a:fld>
             <a:endParaRPr lang="ko-KR" altLang="en-US"/>
           </a:p>
@@ -471,7 +499,7 @@
           <a:p>
             <a:fld id="{44272663-55A4-40A7-950D-2D273278BFB3}" type="datetimeFigureOut">
               <a:rPr lang="ko-KR" altLang="en-US" smtClean="0"/>
-              <a:t>2021-07-27</a:t>
+              <a:t>2021-07-28</a:t>
             </a:fld>
             <a:endParaRPr lang="ko-KR" altLang="en-US"/>
           </a:p>
@@ -1578,7 +1606,7 @@
           <a:p>
             <a:fld id="{B226B4E6-2447-4D67-A511-B13A2182F919}" type="datetime5">
               <a:rPr lang="ko-KR" altLang="en-US" smtClean="0"/>
-              <a:t>2021/7/27</a:t>
+              <a:t>2021/7/28</a:t>
             </a:fld>
             <a:endParaRPr lang="ko-KR" altLang="en-US" dirty="0"/>
           </a:p>
@@ -1949,7 +1977,7 @@
           <a:p>
             <a:fld id="{B226B4E6-2447-4D67-A511-B13A2182F919}" type="datetime5">
               <a:rPr lang="ko-KR" altLang="en-US" smtClean="0"/>
-              <a:t>2021/7/27</a:t>
+              <a:t>2021/7/28</a:t>
             </a:fld>
             <a:endParaRPr lang="ko-KR" altLang="en-US" dirty="0"/>
           </a:p>
@@ -2243,7 +2271,7 @@
           <a:p>
             <a:fld id="{B226B4E6-2447-4D67-A511-B13A2182F919}" type="datetime5">
               <a:rPr lang="ko-KR" altLang="en-US" smtClean="0"/>
-              <a:t>2021/7/27</a:t>
+              <a:t>2021/7/28</a:t>
             </a:fld>
             <a:endParaRPr lang="ko-KR" altLang="en-US" dirty="0"/>
           </a:p>
@@ -2545,7 +2573,7 @@
           <a:p>
             <a:fld id="{B226B4E6-2447-4D67-A511-B13A2182F919}" type="datetime5">
               <a:rPr lang="ko-KR" altLang="en-US" smtClean="0"/>
-              <a:t>2021/7/27</a:t>
+              <a:t>2021/7/28</a:t>
             </a:fld>
             <a:endParaRPr lang="ko-KR" altLang="en-US" dirty="0"/>
           </a:p>
@@ -3986,7 +4014,7 @@
           <a:p>
             <a:fld id="{B226B4E6-2447-4D67-A511-B13A2182F919}" type="datetime5">
               <a:rPr lang="ko-KR" altLang="en-US" smtClean="0"/>
-              <a:t>2021/7/27</a:t>
+              <a:t>2021/7/28</a:t>
             </a:fld>
             <a:endParaRPr lang="ko-KR" altLang="en-US" dirty="0"/>
           </a:p>
@@ -4701,7 +4729,7 @@
           <a:p>
             <a:fld id="{B226B4E6-2447-4D67-A511-B13A2182F919}" type="datetime5">
               <a:rPr lang="ko-KR" altLang="en-US" smtClean="0"/>
-              <a:t>2021/7/27</a:t>
+              <a:t>2021/7/28</a:t>
             </a:fld>
             <a:endParaRPr lang="ko-KR" altLang="en-US" dirty="0"/>
           </a:p>
@@ -5180,7 +5208,7 @@
           <a:p>
             <a:fld id="{B226B4E6-2447-4D67-A511-B13A2182F919}" type="datetime5">
               <a:rPr lang="ko-KR" altLang="en-US" smtClean="0"/>
-              <a:t>2021/7/27</a:t>
+              <a:t>2021/7/28</a:t>
             </a:fld>
             <a:endParaRPr lang="ko-KR" altLang="en-US" dirty="0"/>
           </a:p>
@@ -5833,7 +5861,7 @@
           <a:p>
             <a:fld id="{B226B4E6-2447-4D67-A511-B13A2182F919}" type="datetime5">
               <a:rPr lang="ko-KR" altLang="en-US" smtClean="0"/>
-              <a:t>2021/7/27</a:t>
+              <a:t>2021/7/28</a:t>
             </a:fld>
             <a:endParaRPr lang="ko-KR" altLang="en-US" dirty="0"/>
           </a:p>
@@ -6598,7 +6626,7 @@
           <a:p>
             <a:fld id="{B226B4E6-2447-4D67-A511-B13A2182F919}" type="datetime5">
               <a:rPr lang="ko-KR" altLang="en-US" smtClean="0"/>
-              <a:t>2021/7/27</a:t>
+              <a:t>2021/7/28</a:t>
             </a:fld>
             <a:endParaRPr lang="ko-KR" altLang="en-US" dirty="0"/>
           </a:p>
@@ -7170,7 +7198,7 @@
           <a:p>
             <a:fld id="{B226B4E6-2447-4D67-A511-B13A2182F919}" type="datetime5">
               <a:rPr lang="ko-KR" altLang="en-US" smtClean="0"/>
-              <a:t>2021/7/27</a:t>
+              <a:t>2021/7/28</a:t>
             </a:fld>
             <a:endParaRPr lang="ko-KR" altLang="en-US" dirty="0"/>
           </a:p>
@@ -7790,7 +7818,7 @@
           <a:p>
             <a:fld id="{B226B4E6-2447-4D67-A511-B13A2182F919}" type="datetime5">
               <a:rPr lang="ko-KR" altLang="en-US" smtClean="0"/>
-              <a:t>2021/7/27</a:t>
+              <a:t>2021/7/28</a:t>
             </a:fld>
             <a:endParaRPr lang="ko-KR" altLang="en-US" dirty="0"/>
           </a:p>
@@ -8216,7 +8244,7 @@
           <a:p>
             <a:fld id="{B226B4E6-2447-4D67-A511-B13A2182F919}" type="datetime5">
               <a:rPr lang="ko-KR" altLang="en-US" smtClean="0"/>
-              <a:t>2021/7/27</a:t>
+              <a:t>2021/7/28</a:t>
             </a:fld>
             <a:endParaRPr lang="ko-KR" altLang="en-US" dirty="0"/>
           </a:p>
@@ -8550,7 +8578,7 @@
           <a:p>
             <a:fld id="{B226B4E6-2447-4D67-A511-B13A2182F919}" type="datetime5">
               <a:rPr lang="ko-KR" altLang="en-US" smtClean="0"/>
-              <a:t>2021/7/27</a:t>
+              <a:t>2021/7/28</a:t>
             </a:fld>
             <a:endParaRPr lang="ko-KR" altLang="en-US" dirty="0"/>
           </a:p>
@@ -8941,7 +8969,7 @@
           <a:p>
             <a:fld id="{B226B4E6-2447-4D67-A511-B13A2182F919}" type="datetime5">
               <a:rPr lang="ko-KR" altLang="en-US" smtClean="0"/>
-              <a:t>2021/7/27</a:t>
+              <a:t>2021/7/28</a:t>
             </a:fld>
             <a:endParaRPr lang="ko-KR" altLang="en-US" dirty="0"/>
           </a:p>
@@ -9000,6 +9028,14 @@
           <a:p>
             <a:r>
               <a:rPr lang="ko-KR" altLang="en-US" dirty="0"/>
+              <a:t>출처</a:t>
+            </a:r>
+            <a:endParaRPr lang="en-US" altLang="ko-KR" dirty="0"/>
+          </a:p>
+          <a:p>
+            <a:pPr lvl="1"/>
+            <a:r>
+              <a:rPr lang="ko-KR" altLang="en-US" dirty="0"/>
               <a:t>수제비 </a:t>
             </a:r>
             <a:r>
@@ -9008,12 +9044,9 @@
             </a:r>
             <a:r>
               <a:rPr lang="ko-KR" altLang="en-US" dirty="0"/>
-              <a:t>요약입니다</a:t>
-            </a:r>
-            <a:r>
-              <a:rPr lang="en-US" altLang="ko-KR" dirty="0"/>
-              <a:t>.</a:t>
-            </a:r>
+              <a:t>정보처리기사</a:t>
+            </a:r>
+            <a:endParaRPr lang="en-US" altLang="ko-KR" dirty="0"/>
           </a:p>
         </p:txBody>
       </p:sp>
@@ -9038,7 +9071,11 @@
           <a:bodyPr/>
           <a:lstStyle/>
           <a:p>
-            <a:endParaRPr lang="ko-KR" altLang="en-US"/>
+            <a:r>
+              <a:rPr lang="en-US" altLang="ko-KR" dirty="0"/>
+              <a:t>Note</a:t>
+            </a:r>
+            <a:endParaRPr lang="ko-KR" altLang="en-US" dirty="0"/>
           </a:p>
         </p:txBody>
       </p:sp>
@@ -9149,7 +9186,7 @@
           <a:p>
             <a:fld id="{B226B4E6-2447-4D67-A511-B13A2182F919}" type="datetime5">
               <a:rPr lang="ko-KR" altLang="en-US" smtClean="0"/>
-              <a:t>2021/7/27</a:t>
+              <a:t>2021/7/28</a:t>
             </a:fld>
             <a:endParaRPr lang="ko-KR" altLang="en-US" dirty="0"/>
           </a:p>
@@ -9839,7 +9876,7 @@
           <a:p>
             <a:fld id="{B226B4E6-2447-4D67-A511-B13A2182F919}" type="datetime5">
               <a:rPr lang="ko-KR" altLang="en-US" smtClean="0"/>
-              <a:t>2021/7/27</a:t>
+              <a:t>2021/7/28</a:t>
             </a:fld>
             <a:endParaRPr lang="ko-KR" altLang="en-US" dirty="0"/>
           </a:p>
@@ -10229,7 +10266,7 @@
           <a:p>
             <a:fld id="{B226B4E6-2447-4D67-A511-B13A2182F919}" type="datetime5">
               <a:rPr lang="ko-KR" altLang="en-US" smtClean="0"/>
-              <a:t>2021/7/27</a:t>
+              <a:t>2021/7/28</a:t>
             </a:fld>
             <a:endParaRPr lang="ko-KR" altLang="en-US" dirty="0"/>
           </a:p>
@@ -10780,7 +10817,7 @@
           <a:p>
             <a:fld id="{B226B4E6-2447-4D67-A511-B13A2182F919}" type="datetime5">
               <a:rPr lang="ko-KR" altLang="en-US" smtClean="0"/>
-              <a:t>2021/7/27</a:t>
+              <a:t>2021/7/28</a:t>
             </a:fld>
             <a:endParaRPr lang="ko-KR" altLang="en-US" dirty="0"/>
           </a:p>
@@ -11214,7 +11251,7 @@
           <a:p>
             <a:fld id="{B226B4E6-2447-4D67-A511-B13A2182F919}" type="datetime5">
               <a:rPr lang="ko-KR" altLang="en-US" smtClean="0"/>
-              <a:t>2021/7/27</a:t>
+              <a:t>2021/7/28</a:t>
             </a:fld>
             <a:endParaRPr lang="ko-KR" altLang="en-US" dirty="0"/>
           </a:p>
@@ -11710,7 +11747,7 @@
           <a:p>
             <a:fld id="{B226B4E6-2447-4D67-A511-B13A2182F919}" type="datetime5">
               <a:rPr lang="ko-KR" altLang="en-US" smtClean="0"/>
-              <a:t>2021/7/27</a:t>
+              <a:t>2021/7/28</a:t>
             </a:fld>
             <a:endParaRPr lang="ko-KR" altLang="en-US" dirty="0"/>
           </a:p>
@@ -12219,7 +12256,7 @@
           <a:p>
             <a:fld id="{B226B4E6-2447-4D67-A511-B13A2182F919}" type="datetime5">
               <a:rPr lang="ko-KR" altLang="en-US" smtClean="0"/>
-              <a:t>2021/7/27</a:t>
+              <a:t>2021/7/28</a:t>
             </a:fld>
             <a:endParaRPr lang="ko-KR" altLang="en-US" dirty="0"/>
           </a:p>
@@ -12543,7 +12580,7 @@
           <a:p>
             <a:fld id="{B226B4E6-2447-4D67-A511-B13A2182F919}" type="datetime5">
               <a:rPr lang="ko-KR" altLang="en-US" smtClean="0"/>
-              <a:t>2021/7/27</a:t>
+              <a:t>2021/7/28</a:t>
             </a:fld>
             <a:endParaRPr lang="ko-KR" altLang="en-US" dirty="0"/>
           </a:p>
@@ -12553,6 +12590,2230 @@
     <p:extLst>
       <p:ext uri="{BB962C8B-B14F-4D97-AF65-F5344CB8AC3E}">
         <p14:creationId xmlns:p14="http://schemas.microsoft.com/office/powerpoint/2010/main" val="482907403"/>
+      </p:ext>
+    </p:extLst>
+  </p:cSld>
+  <p:clrMapOvr>
+    <a:masterClrMapping/>
+  </p:clrMapOvr>
+</p:sld>
+</file>
+
+<file path=ppt/slides/slide27.xml><?xml version="1.0" encoding="utf-8"?>
+<p:sld xmlns:a="http://schemas.openxmlformats.org/drawingml/2006/main" xmlns:r="http://schemas.openxmlformats.org/officeDocument/2006/relationships" xmlns:p="http://schemas.openxmlformats.org/presentationml/2006/main">
+  <p:cSld>
+    <p:spTree>
+      <p:nvGrpSpPr>
+        <p:cNvPr id="1" name=""/>
+        <p:cNvGrpSpPr/>
+        <p:nvPr/>
+      </p:nvGrpSpPr>
+      <p:grpSpPr>
+        <a:xfrm>
+          <a:off x="0" y="0"/>
+          <a:ext cx="0" cy="0"/>
+          <a:chOff x="0" y="0"/>
+          <a:chExt cx="0" cy="0"/>
+        </a:xfrm>
+      </p:grpSpPr>
+      <p:sp>
+        <p:nvSpPr>
+          <p:cNvPr id="2" name="내용 개체 틀 1">
+            <a:extLst>
+              <a:ext uri="{FF2B5EF4-FFF2-40B4-BE49-F238E27FC236}">
+                <a16:creationId xmlns:a16="http://schemas.microsoft.com/office/drawing/2014/main" id="{A919FC31-773F-44D0-B3B0-C2E5EBE4FBC3}"/>
+              </a:ext>
+            </a:extLst>
+          </p:cNvPr>
+          <p:cNvSpPr>
+            <a:spLocks noGrp="1"/>
+          </p:cNvSpPr>
+          <p:nvPr>
+            <p:ph sz="half" idx="14"/>
+          </p:nvPr>
+        </p:nvSpPr>
+        <p:spPr/>
+        <p:txBody>
+          <a:bodyPr/>
+          <a:lstStyle/>
+          <a:p>
+            <a:r>
+              <a:rPr lang="ko-KR" altLang="en-US" dirty="0"/>
+              <a:t>모듈</a:t>
+            </a:r>
+            <a:endParaRPr lang="en-US" altLang="ko-KR" dirty="0"/>
+          </a:p>
+          <a:p>
+            <a:pPr lvl="1"/>
+            <a:r>
+              <a:rPr lang="ko-KR" altLang="en-US" dirty="0"/>
+              <a:t>정의</a:t>
+            </a:r>
+            <a:r>
+              <a:rPr lang="en-US" altLang="ko-KR" dirty="0"/>
+              <a:t>: </a:t>
+            </a:r>
+            <a:r>
+              <a:rPr lang="ko-KR" altLang="en-US" dirty="0"/>
+              <a:t>독립된 하나의 </a:t>
+            </a:r>
+            <a:r>
+              <a:rPr lang="en-US" altLang="ko-KR" dirty="0"/>
+              <a:t>HW, SW</a:t>
+            </a:r>
+            <a:r>
+              <a:rPr lang="ko-KR" altLang="en-US" dirty="0"/>
+              <a:t>의 단위</a:t>
+            </a:r>
+            <a:endParaRPr lang="en-US" altLang="ko-KR" dirty="0"/>
+          </a:p>
+          <a:p>
+            <a:pPr lvl="1"/>
+            <a:r>
+              <a:rPr lang="ko-KR" altLang="en-US" dirty="0"/>
+              <a:t>특징</a:t>
+            </a:r>
+            <a:endParaRPr lang="en-US" altLang="ko-KR" dirty="0"/>
+          </a:p>
+          <a:p>
+            <a:pPr lvl="2"/>
+            <a:r>
+              <a:rPr lang="ko-KR" altLang="en-US" dirty="0"/>
+              <a:t>모듈은 단독 컴파일</a:t>
+            </a:r>
+            <a:r>
+              <a:rPr lang="en-US" altLang="ko-KR" dirty="0"/>
+              <a:t>, </a:t>
+            </a:r>
+            <a:r>
+              <a:rPr lang="ko-KR" altLang="en-US" dirty="0"/>
+              <a:t>재사용이 가능하다</a:t>
+            </a:r>
+            <a:endParaRPr lang="en-US" altLang="ko-KR" dirty="0"/>
+          </a:p>
+          <a:p>
+            <a:pPr lvl="2"/>
+            <a:r>
+              <a:rPr lang="ko-KR" altLang="en-US" dirty="0"/>
+              <a:t>독립성이 높아 다른 모듈에 영향을 미치지 않고 수정</a:t>
+            </a:r>
+            <a:endParaRPr lang="en-US" altLang="ko-KR" dirty="0"/>
+          </a:p>
+          <a:p>
+            <a:pPr lvl="3"/>
+            <a:r>
+              <a:rPr lang="ko-KR" altLang="en-US" dirty="0"/>
+              <a:t>독립성은 결합도와 응집도로 측정</a:t>
+            </a:r>
+            <a:endParaRPr lang="en-US" altLang="ko-KR" dirty="0"/>
+          </a:p>
+          <a:p>
+            <a:pPr lvl="3"/>
+            <a:r>
+              <a:rPr lang="ko-KR" altLang="en-US" dirty="0"/>
+              <a:t>독립성 높이려면 결합도는 낮게</a:t>
+            </a:r>
+            <a:r>
+              <a:rPr lang="en-US" altLang="ko-KR" dirty="0"/>
+              <a:t>, </a:t>
+            </a:r>
+            <a:r>
+              <a:rPr lang="ko-KR" altLang="en-US" dirty="0"/>
+              <a:t>응집도는 높게</a:t>
+            </a:r>
+            <a:endParaRPr lang="en-US" altLang="ko-KR" dirty="0"/>
+          </a:p>
+          <a:p>
+            <a:pPr lvl="1"/>
+            <a:r>
+              <a:rPr lang="ko-KR" altLang="en-US" dirty="0"/>
+              <a:t>원칙</a:t>
+            </a:r>
+            <a:endParaRPr lang="en-US" altLang="ko-KR" dirty="0"/>
+          </a:p>
+          <a:p>
+            <a:pPr lvl="2"/>
+            <a:r>
+              <a:rPr lang="ko-KR" altLang="en-US" dirty="0"/>
+              <a:t>정확성</a:t>
+            </a:r>
+            <a:r>
+              <a:rPr lang="en-US" altLang="ko-KR" dirty="0"/>
+              <a:t>: </a:t>
+            </a:r>
+            <a:r>
+              <a:rPr lang="ko-KR" altLang="en-US" dirty="0"/>
+              <a:t>어떤 기능을 하는지 </a:t>
+            </a:r>
+            <a:endParaRPr lang="en-US" altLang="ko-KR" dirty="0"/>
+          </a:p>
+          <a:p>
+            <a:pPr lvl="2"/>
+            <a:r>
+              <a:rPr lang="ko-KR" altLang="en-US" dirty="0"/>
+              <a:t>명확성</a:t>
+            </a:r>
+            <a:r>
+              <a:rPr lang="en-US" altLang="ko-KR" dirty="0"/>
+              <a:t>: </a:t>
+            </a:r>
+            <a:r>
+              <a:rPr lang="ko-KR" altLang="en-US" dirty="0"/>
+              <a:t>기능에 모호성이 없이</a:t>
+            </a:r>
+            <a:endParaRPr lang="en-US" altLang="ko-KR" dirty="0"/>
+          </a:p>
+          <a:p>
+            <a:pPr lvl="2"/>
+            <a:r>
+              <a:rPr lang="ko-KR" altLang="en-US" dirty="0"/>
+              <a:t>완전성</a:t>
+            </a:r>
+            <a:r>
+              <a:rPr lang="en-US" altLang="ko-KR" dirty="0"/>
+              <a:t>: </a:t>
+            </a:r>
+            <a:r>
+              <a:rPr lang="ko-KR" altLang="en-US" dirty="0"/>
+              <a:t>완전한 기능을 하게</a:t>
+            </a:r>
+            <a:endParaRPr lang="en-US" altLang="ko-KR" dirty="0"/>
+          </a:p>
+          <a:p>
+            <a:pPr lvl="2"/>
+            <a:r>
+              <a:rPr lang="ko-KR" altLang="en-US" dirty="0"/>
+              <a:t>일관성</a:t>
+            </a:r>
+            <a:r>
+              <a:rPr lang="en-US" altLang="ko-KR" dirty="0"/>
+              <a:t>: </a:t>
+            </a:r>
+            <a:r>
+              <a:rPr lang="ko-KR" altLang="en-US" dirty="0"/>
+              <a:t>기능에 충돌이 없게</a:t>
+            </a:r>
+            <a:endParaRPr lang="en-US" altLang="ko-KR" dirty="0"/>
+          </a:p>
+          <a:p>
+            <a:pPr lvl="2"/>
+            <a:r>
+              <a:rPr lang="ko-KR" altLang="en-US" dirty="0"/>
+              <a:t>추적성</a:t>
+            </a:r>
+            <a:r>
+              <a:rPr lang="en-US" altLang="ko-KR" dirty="0"/>
+              <a:t>: </a:t>
+            </a:r>
+            <a:r>
+              <a:rPr lang="ko-KR" altLang="en-US" dirty="0"/>
+              <a:t>요구사항</a:t>
+            </a:r>
+            <a:r>
+              <a:rPr lang="en-US" altLang="ko-KR" dirty="0"/>
+              <a:t>, </a:t>
+            </a:r>
+            <a:r>
+              <a:rPr lang="ko-KR" altLang="en-US" dirty="0"/>
+              <a:t>관련시스템 등의 추적 지원</a:t>
+            </a:r>
+            <a:endParaRPr lang="en-US" altLang="ko-KR" dirty="0"/>
+          </a:p>
+          <a:p>
+            <a:r>
+              <a:rPr lang="ko-KR" altLang="en-US" dirty="0"/>
+              <a:t>기타</a:t>
+            </a:r>
+            <a:endParaRPr lang="en-US" altLang="ko-KR" dirty="0"/>
+          </a:p>
+          <a:p>
+            <a:pPr lvl="1"/>
+            <a:r>
+              <a:rPr lang="ko-KR" altLang="en-US" dirty="0"/>
+              <a:t>결합도</a:t>
+            </a:r>
+            <a:r>
+              <a:rPr lang="en-US" altLang="ko-KR" dirty="0"/>
+              <a:t>: </a:t>
+            </a:r>
+            <a:r>
+              <a:rPr lang="ko-KR" altLang="en-US" dirty="0"/>
+              <a:t>모듈 간에 관련성이 있는 정도</a:t>
+            </a:r>
+            <a:endParaRPr lang="en-US" altLang="ko-KR" dirty="0"/>
+          </a:p>
+          <a:p>
+            <a:pPr lvl="1"/>
+            <a:r>
+              <a:rPr lang="ko-KR" altLang="en-US" dirty="0"/>
+              <a:t>응집도</a:t>
+            </a:r>
+            <a:r>
+              <a:rPr lang="en-US" altLang="ko-KR" dirty="0"/>
+              <a:t>: </a:t>
+            </a:r>
+            <a:r>
+              <a:rPr lang="ko-KR" altLang="en-US" dirty="0"/>
+              <a:t>모듈 내부에서 구성요소간 관계를 맺은 정도</a:t>
+            </a:r>
+            <a:endParaRPr lang="en-US" altLang="ko-KR" dirty="0"/>
+          </a:p>
+          <a:p>
+            <a:pPr lvl="1"/>
+            <a:endParaRPr lang="ko-KR" altLang="en-US" dirty="0"/>
+          </a:p>
+        </p:txBody>
+      </p:sp>
+      <p:sp>
+        <p:nvSpPr>
+          <p:cNvPr id="3" name="제목 2">
+            <a:extLst>
+              <a:ext uri="{FF2B5EF4-FFF2-40B4-BE49-F238E27FC236}">
+                <a16:creationId xmlns:a16="http://schemas.microsoft.com/office/drawing/2014/main" id="{5415C09C-099E-4C86-9125-B4CC3194BC83}"/>
+              </a:ext>
+            </a:extLst>
+          </p:cNvPr>
+          <p:cNvSpPr>
+            <a:spLocks noGrp="1"/>
+          </p:cNvSpPr>
+          <p:nvPr>
+            <p:ph type="title"/>
+          </p:nvPr>
+        </p:nvSpPr>
+        <p:spPr/>
+        <p:txBody>
+          <a:bodyPr/>
+          <a:lstStyle/>
+          <a:p>
+            <a:r>
+              <a:rPr lang="ko-KR" altLang="en-US" dirty="0"/>
+              <a:t>공통 모듈</a:t>
+            </a:r>
+          </a:p>
+        </p:txBody>
+      </p:sp>
+      <p:sp>
+        <p:nvSpPr>
+          <p:cNvPr id="4" name="내용 개체 틀 3">
+            <a:extLst>
+              <a:ext uri="{FF2B5EF4-FFF2-40B4-BE49-F238E27FC236}">
+                <a16:creationId xmlns:a16="http://schemas.microsoft.com/office/drawing/2014/main" id="{86AA9614-24E0-45FA-A6BF-E3D752A5D3F3}"/>
+              </a:ext>
+            </a:extLst>
+          </p:cNvPr>
+          <p:cNvSpPr>
+            <a:spLocks noGrp="1"/>
+          </p:cNvSpPr>
+          <p:nvPr>
+            <p:ph sz="half" idx="2"/>
+          </p:nvPr>
+        </p:nvSpPr>
+        <p:spPr/>
+        <p:txBody>
+          <a:bodyPr/>
+          <a:lstStyle/>
+          <a:p>
+            <a:r>
+              <a:rPr lang="ko-KR" altLang="en-US" dirty="0"/>
+              <a:t>모듈화</a:t>
+            </a:r>
+            <a:endParaRPr lang="en-US" altLang="ko-KR" dirty="0"/>
+          </a:p>
+          <a:p>
+            <a:pPr lvl="1"/>
+            <a:r>
+              <a:rPr lang="ko-KR" altLang="en-US" dirty="0"/>
+              <a:t>정의</a:t>
+            </a:r>
+            <a:r>
+              <a:rPr lang="en-US" altLang="ko-KR" dirty="0"/>
+              <a:t>: </a:t>
+            </a:r>
+            <a:r>
+              <a:rPr lang="ko-KR" altLang="en-US" dirty="0"/>
+              <a:t>시스템을 분해</a:t>
+            </a:r>
+            <a:r>
+              <a:rPr lang="en-US" altLang="ko-KR" dirty="0"/>
+              <a:t>-</a:t>
+            </a:r>
+            <a:r>
+              <a:rPr lang="ko-KR" altLang="en-US" dirty="0"/>
+              <a:t>추상화 하여 품질 향상</a:t>
+            </a:r>
+            <a:endParaRPr lang="en-US" altLang="ko-KR" dirty="0"/>
+          </a:p>
+          <a:p>
+            <a:pPr lvl="1"/>
+            <a:r>
+              <a:rPr lang="ko-KR" altLang="en-US" dirty="0"/>
+              <a:t>기법</a:t>
+            </a:r>
+            <a:endParaRPr lang="en-US" altLang="ko-KR" dirty="0"/>
+          </a:p>
+          <a:p>
+            <a:pPr lvl="2"/>
+            <a:r>
+              <a:rPr lang="ko-KR" altLang="en-US" dirty="0"/>
+              <a:t>메인 루틴과 서브 루틴으로 나눈다</a:t>
+            </a:r>
+            <a:endParaRPr lang="en-US" altLang="ko-KR" dirty="0"/>
+          </a:p>
+          <a:p>
+            <a:pPr lvl="2"/>
+            <a:r>
+              <a:rPr lang="ko-KR" altLang="en-US" dirty="0"/>
+              <a:t>다만 너무 많이 나누면 통합비용이 증가한다</a:t>
+            </a:r>
+            <a:endParaRPr lang="en-US" altLang="ko-KR" dirty="0"/>
+          </a:p>
+          <a:p>
+            <a:pPr lvl="2"/>
+            <a:r>
+              <a:rPr lang="ko-KR" altLang="en-US" dirty="0"/>
+              <a:t>적게 나누어 각 모듈이 크면 모듈 개발 비용이 증가</a:t>
+            </a:r>
+            <a:endParaRPr lang="en-US" altLang="ko-KR" dirty="0"/>
+          </a:p>
+          <a:p>
+            <a:pPr lvl="1"/>
+            <a:r>
+              <a:rPr lang="ko-KR" altLang="en-US" dirty="0"/>
+              <a:t>설계 방안</a:t>
+            </a:r>
+            <a:endParaRPr lang="en-US" altLang="ko-KR" dirty="0"/>
+          </a:p>
+          <a:p>
+            <a:pPr lvl="2"/>
+            <a:r>
+              <a:rPr lang="ko-KR" altLang="en-US" dirty="0"/>
+              <a:t>독립성을 위해 결합도는 낮추고 응집도를 높인다</a:t>
+            </a:r>
+            <a:endParaRPr lang="en-US" altLang="ko-KR" dirty="0"/>
+          </a:p>
+          <a:p>
+            <a:pPr lvl="2"/>
+            <a:r>
+              <a:rPr lang="ko-KR" altLang="en-US" dirty="0"/>
+              <a:t>적당히 나누어 최소 비용 용역을 사용</a:t>
+            </a:r>
+            <a:endParaRPr lang="en-US" altLang="ko-KR" dirty="0"/>
+          </a:p>
+          <a:p>
+            <a:endParaRPr lang="en-US" altLang="ko-KR" dirty="0"/>
+          </a:p>
+          <a:p>
+            <a:endParaRPr lang="en-US" altLang="ko-KR" dirty="0"/>
+          </a:p>
+          <a:p>
+            <a:endParaRPr lang="en-US" altLang="ko-KR" dirty="0"/>
+          </a:p>
+          <a:p>
+            <a:endParaRPr lang="en-US" altLang="ko-KR" dirty="0"/>
+          </a:p>
+          <a:p>
+            <a:r>
+              <a:rPr lang="en-US" altLang="ko-KR" dirty="0"/>
+              <a:t>Fan-In</a:t>
+            </a:r>
+            <a:r>
+              <a:rPr lang="ko-KR" altLang="en-US" dirty="0"/>
+              <a:t> </a:t>
+            </a:r>
+            <a:r>
+              <a:rPr lang="en-US" altLang="ko-KR" dirty="0"/>
+              <a:t>&amp;</a:t>
+            </a:r>
+            <a:r>
+              <a:rPr lang="ko-KR" altLang="en-US" dirty="0"/>
+              <a:t> </a:t>
+            </a:r>
+            <a:r>
+              <a:rPr lang="en-US" altLang="ko-KR" dirty="0"/>
+              <a:t>Out</a:t>
+            </a:r>
+          </a:p>
+          <a:p>
+            <a:pPr lvl="1"/>
+            <a:r>
+              <a:rPr lang="en-US" altLang="ko-KR" dirty="0"/>
+              <a:t>Fan-In: </a:t>
+            </a:r>
+            <a:r>
+              <a:rPr lang="ko-KR" altLang="en-US" dirty="0"/>
+              <a:t>어떤 모듈을 호출하는 다른 모듈의 수</a:t>
+            </a:r>
+            <a:endParaRPr lang="en-US" altLang="ko-KR" dirty="0"/>
+          </a:p>
+          <a:p>
+            <a:pPr lvl="1"/>
+            <a:r>
+              <a:rPr lang="en-US" altLang="ko-KR" dirty="0"/>
+              <a:t>Fan-Out: </a:t>
+            </a:r>
+            <a:r>
+              <a:rPr lang="ko-KR" altLang="en-US" dirty="0"/>
+              <a:t>어떤 모듈이 다른 모듈을 호출하는 수</a:t>
+            </a:r>
+            <a:endParaRPr lang="en-US" altLang="ko-KR" dirty="0"/>
+          </a:p>
+          <a:p>
+            <a:pPr lvl="1"/>
+            <a:r>
+              <a:rPr lang="en-US" altLang="ko-KR" dirty="0"/>
+              <a:t>Fan-In</a:t>
+            </a:r>
+            <a:r>
+              <a:rPr lang="ko-KR" altLang="en-US" dirty="0"/>
+              <a:t>은 높게</a:t>
+            </a:r>
+            <a:r>
+              <a:rPr lang="en-US" altLang="ko-KR" dirty="0"/>
+              <a:t>, Fan-Out</a:t>
+            </a:r>
+            <a:r>
+              <a:rPr lang="ko-KR" altLang="en-US" dirty="0"/>
+              <a:t>은 낮게 하는게 좋다</a:t>
+            </a:r>
+          </a:p>
+          <a:p>
+            <a:pPr lvl="2"/>
+            <a:endParaRPr lang="en-US" altLang="ko-KR" dirty="0"/>
+          </a:p>
+          <a:p>
+            <a:pPr lvl="2"/>
+            <a:endParaRPr lang="ko-KR" altLang="en-US" dirty="0"/>
+          </a:p>
+          <a:p>
+            <a:pPr lvl="2"/>
+            <a:endParaRPr lang="en-US" altLang="ko-KR" dirty="0"/>
+          </a:p>
+        </p:txBody>
+      </p:sp>
+      <p:sp>
+        <p:nvSpPr>
+          <p:cNvPr id="5" name="슬라이드 번호 개체 틀 4">
+            <a:extLst>
+              <a:ext uri="{FF2B5EF4-FFF2-40B4-BE49-F238E27FC236}">
+                <a16:creationId xmlns:a16="http://schemas.microsoft.com/office/drawing/2014/main" id="{F426F86E-324C-4A9A-87D9-0CF40CA87007}"/>
+              </a:ext>
+            </a:extLst>
+          </p:cNvPr>
+          <p:cNvSpPr>
+            <a:spLocks noGrp="1"/>
+          </p:cNvSpPr>
+          <p:nvPr>
+            <p:ph type="sldNum" sz="quarter" idx="12"/>
+          </p:nvPr>
+        </p:nvSpPr>
+        <p:spPr/>
+        <p:txBody>
+          <a:bodyPr/>
+          <a:lstStyle/>
+          <a:p>
+            <a:fld id="{89BED30C-66D9-4104-96BC-081A506F0CF0}" type="slidenum">
+              <a:rPr lang="ko-KR" altLang="en-US" smtClean="0"/>
+              <a:t>27</a:t>
+            </a:fld>
+            <a:endParaRPr lang="ko-KR" altLang="en-US"/>
+          </a:p>
+        </p:txBody>
+      </p:sp>
+      <p:sp>
+        <p:nvSpPr>
+          <p:cNvPr id="6" name="바닥글 개체 틀 5">
+            <a:extLst>
+              <a:ext uri="{FF2B5EF4-FFF2-40B4-BE49-F238E27FC236}">
+                <a16:creationId xmlns:a16="http://schemas.microsoft.com/office/drawing/2014/main" id="{A90A4BB9-C9B4-4375-A92E-35763B5C20DF}"/>
+              </a:ext>
+            </a:extLst>
+          </p:cNvPr>
+          <p:cNvSpPr>
+            <a:spLocks noGrp="1"/>
+          </p:cNvSpPr>
+          <p:nvPr>
+            <p:ph type="ftr" sz="quarter" idx="3"/>
+          </p:nvPr>
+        </p:nvSpPr>
+        <p:spPr/>
+        <p:txBody>
+          <a:bodyPr/>
+          <a:lstStyle/>
+          <a:p>
+            <a:pPr algn="l"/>
+            <a:r>
+              <a:rPr lang="en-US" altLang="ko-KR"/>
+              <a:t>Nibble</a:t>
+            </a:r>
+            <a:endParaRPr lang="ko-KR" altLang="en-US" dirty="0"/>
+          </a:p>
+        </p:txBody>
+      </p:sp>
+      <p:sp>
+        <p:nvSpPr>
+          <p:cNvPr id="7" name="날짜 개체 틀 6">
+            <a:extLst>
+              <a:ext uri="{FF2B5EF4-FFF2-40B4-BE49-F238E27FC236}">
+                <a16:creationId xmlns:a16="http://schemas.microsoft.com/office/drawing/2014/main" id="{59F6A742-009B-4D59-83C4-3086F9D93776}"/>
+              </a:ext>
+            </a:extLst>
+          </p:cNvPr>
+          <p:cNvSpPr>
+            <a:spLocks noGrp="1"/>
+          </p:cNvSpPr>
+          <p:nvPr>
+            <p:ph type="dt" sz="half" idx="13"/>
+          </p:nvPr>
+        </p:nvSpPr>
+        <p:spPr/>
+        <p:txBody>
+          <a:bodyPr/>
+          <a:lstStyle/>
+          <a:p>
+            <a:fld id="{B226B4E6-2447-4D67-A511-B13A2182F919}" type="datetime5">
+              <a:rPr lang="ko-KR" altLang="en-US" smtClean="0"/>
+              <a:t>2021/7/28</a:t>
+            </a:fld>
+            <a:endParaRPr lang="ko-KR" altLang="en-US" dirty="0"/>
+          </a:p>
+        </p:txBody>
+      </p:sp>
+      <p:pic>
+        <p:nvPicPr>
+          <p:cNvPr id="1026" name="Picture 2" descr="1-11강. 애플리케이션 설계-공통 모듈 설계(1)">
+            <a:extLst>
+              <a:ext uri="{FF2B5EF4-FFF2-40B4-BE49-F238E27FC236}">
+                <a16:creationId xmlns:a16="http://schemas.microsoft.com/office/drawing/2014/main" id="{9D497A7C-5C16-4F9E-8533-A0EAFA8E4EA1}"/>
+              </a:ext>
+            </a:extLst>
+          </p:cNvPr>
+          <p:cNvPicPr>
+            <a:picLocks noChangeAspect="1" noChangeArrowheads="1"/>
+          </p:cNvPicPr>
+          <p:nvPr/>
+        </p:nvPicPr>
+        <p:blipFill>
+          <a:blip r:embed="rId2">
+            <a:extLst>
+              <a:ext uri="{28A0092B-C50C-407E-A947-70E740481C1C}">
+                <a14:useLocalDpi xmlns:a14="http://schemas.microsoft.com/office/drawing/2010/main" val="0"/>
+              </a:ext>
+            </a:extLst>
+          </a:blip>
+          <a:srcRect/>
+          <a:stretch>
+            <a:fillRect/>
+          </a:stretch>
+        </p:blipFill>
+        <p:spPr bwMode="auto">
+          <a:xfrm>
+            <a:off x="7900466" y="3542629"/>
+            <a:ext cx="2787108" cy="1720389"/>
+          </a:xfrm>
+          <a:prstGeom prst="rect">
+            <a:avLst/>
+          </a:prstGeom>
+          <a:noFill/>
+          <a:extLst>
+            <a:ext uri="{909E8E84-426E-40DD-AFC4-6F175D3DCCD1}">
+              <a14:hiddenFill xmlns:a14="http://schemas.microsoft.com/office/drawing/2010/main">
+                <a:solidFill>
+                  <a:srgbClr val="FFFFFF"/>
+                </a:solidFill>
+              </a14:hiddenFill>
+            </a:ext>
+          </a:extLst>
+        </p:spPr>
+      </p:pic>
+    </p:spTree>
+    <p:extLst>
+      <p:ext uri="{BB962C8B-B14F-4D97-AF65-F5344CB8AC3E}">
+        <p14:creationId xmlns:p14="http://schemas.microsoft.com/office/powerpoint/2010/main" val="3055978787"/>
+      </p:ext>
+    </p:extLst>
+  </p:cSld>
+  <p:clrMapOvr>
+    <a:masterClrMapping/>
+  </p:clrMapOvr>
+</p:sld>
+</file>
+
+<file path=ppt/slides/slide28.xml><?xml version="1.0" encoding="utf-8"?>
+<p:sld xmlns:a="http://schemas.openxmlformats.org/drawingml/2006/main" xmlns:r="http://schemas.openxmlformats.org/officeDocument/2006/relationships" xmlns:p="http://schemas.openxmlformats.org/presentationml/2006/main">
+  <p:cSld>
+    <p:spTree>
+      <p:nvGrpSpPr>
+        <p:cNvPr id="1" name=""/>
+        <p:cNvGrpSpPr/>
+        <p:nvPr/>
+      </p:nvGrpSpPr>
+      <p:grpSpPr>
+        <a:xfrm>
+          <a:off x="0" y="0"/>
+          <a:ext cx="0" cy="0"/>
+          <a:chOff x="0" y="0"/>
+          <a:chExt cx="0" cy="0"/>
+        </a:xfrm>
+      </p:grpSpPr>
+      <p:sp>
+        <p:nvSpPr>
+          <p:cNvPr id="12" name="내용 개체 틀 11">
+            <a:extLst>
+              <a:ext uri="{FF2B5EF4-FFF2-40B4-BE49-F238E27FC236}">
+                <a16:creationId xmlns:a16="http://schemas.microsoft.com/office/drawing/2014/main" id="{4754D1AD-3B13-462F-A323-322F61665263}"/>
+              </a:ext>
+            </a:extLst>
+          </p:cNvPr>
+          <p:cNvSpPr>
+            <a:spLocks noGrp="1"/>
+          </p:cNvSpPr>
+          <p:nvPr>
+            <p:ph sz="half" idx="14"/>
+          </p:nvPr>
+        </p:nvSpPr>
+        <p:spPr/>
+        <p:txBody>
+          <a:bodyPr/>
+          <a:lstStyle/>
+          <a:p>
+            <a:r>
+              <a:rPr lang="ko-KR" altLang="en-US" dirty="0"/>
+              <a:t>설계 모델링</a:t>
+            </a:r>
+            <a:endParaRPr lang="en-US" altLang="ko-KR" dirty="0"/>
+          </a:p>
+          <a:p>
+            <a:pPr lvl="1"/>
+            <a:r>
+              <a:rPr lang="ko-KR" altLang="en-US" dirty="0"/>
+              <a:t>정의</a:t>
+            </a:r>
+            <a:r>
+              <a:rPr lang="en-US" altLang="ko-KR" dirty="0"/>
+              <a:t>: </a:t>
+            </a:r>
+            <a:r>
+              <a:rPr lang="ko-KR" altLang="en-US" dirty="0"/>
+              <a:t>기능의 구현 방법을 명시</a:t>
+            </a:r>
+            <a:endParaRPr lang="en-US" altLang="ko-KR" dirty="0"/>
+          </a:p>
+          <a:p>
+            <a:pPr lvl="1"/>
+            <a:r>
+              <a:rPr lang="ko-KR" altLang="en-US" dirty="0"/>
+              <a:t>유형</a:t>
+            </a:r>
+            <a:endParaRPr lang="en-US" altLang="ko-KR" dirty="0"/>
+          </a:p>
+          <a:p>
+            <a:pPr lvl="2"/>
+            <a:r>
+              <a:rPr lang="ko-KR" altLang="en-US" dirty="0"/>
+              <a:t>구조 모델링</a:t>
+            </a:r>
+            <a:r>
+              <a:rPr lang="en-US" altLang="ko-KR" dirty="0"/>
+              <a:t>: </a:t>
+            </a:r>
+            <a:r>
+              <a:rPr lang="ko-KR" altLang="en-US" dirty="0"/>
+              <a:t>구성 요소와 관계를 모델링</a:t>
+            </a:r>
+            <a:endParaRPr lang="en-US" altLang="ko-KR" dirty="0"/>
+          </a:p>
+          <a:p>
+            <a:pPr lvl="2"/>
+            <a:r>
+              <a:rPr lang="ko-KR" altLang="en-US" dirty="0"/>
+              <a:t>행위 모델링</a:t>
+            </a:r>
+            <a:r>
+              <a:rPr lang="en-US" altLang="ko-KR" dirty="0"/>
+              <a:t>: </a:t>
+            </a:r>
+            <a:r>
+              <a:rPr lang="ko-KR" altLang="en-US" dirty="0"/>
+              <a:t>구성 요소 간 상호작용을 모델링</a:t>
+            </a:r>
+            <a:endParaRPr lang="en-US" altLang="ko-KR" dirty="0"/>
+          </a:p>
+          <a:p>
+            <a:r>
+              <a:rPr lang="en-US" altLang="ko-KR" dirty="0"/>
+              <a:t>SW </a:t>
+            </a:r>
+            <a:r>
+              <a:rPr lang="ko-KR" altLang="en-US" dirty="0"/>
+              <a:t>설계 유형</a:t>
+            </a:r>
+            <a:endParaRPr lang="en-US" altLang="ko-KR" dirty="0"/>
+          </a:p>
+          <a:p>
+            <a:pPr lvl="1"/>
+            <a:r>
+              <a:rPr lang="ko-KR" altLang="en-US" dirty="0"/>
+              <a:t>자료 구조 설계</a:t>
+            </a:r>
+            <a:r>
+              <a:rPr lang="en-US" altLang="ko-KR" dirty="0"/>
+              <a:t>: </a:t>
+            </a:r>
+            <a:r>
+              <a:rPr lang="ko-KR" altLang="en-US" dirty="0"/>
+              <a:t>모델</a:t>
+            </a:r>
+            <a:r>
+              <a:rPr lang="en-US" altLang="ko-KR" dirty="0"/>
+              <a:t> </a:t>
+            </a:r>
+            <a:r>
+              <a:rPr lang="ko-KR" altLang="en-US" dirty="0"/>
+              <a:t>설계</a:t>
+            </a:r>
+            <a:endParaRPr lang="en-US" altLang="ko-KR" dirty="0"/>
+          </a:p>
+          <a:p>
+            <a:pPr lvl="1"/>
+            <a:r>
+              <a:rPr lang="ko-KR" altLang="en-US" dirty="0"/>
+              <a:t>아키텍처 설계</a:t>
+            </a:r>
+            <a:r>
+              <a:rPr lang="en-US" altLang="ko-KR" dirty="0"/>
+              <a:t>: </a:t>
+            </a:r>
+            <a:r>
+              <a:rPr lang="ko-KR" altLang="en-US" dirty="0"/>
+              <a:t>전체 구조 설계</a:t>
+            </a:r>
+            <a:endParaRPr lang="en-US" altLang="ko-KR" dirty="0"/>
+          </a:p>
+          <a:p>
+            <a:pPr lvl="1"/>
+            <a:r>
+              <a:rPr lang="ko-KR" altLang="en-US" dirty="0"/>
+              <a:t>인터페이스 설계</a:t>
+            </a:r>
+            <a:r>
+              <a:rPr lang="en-US" altLang="ko-KR" dirty="0"/>
+              <a:t>: </a:t>
+            </a:r>
+            <a:r>
+              <a:rPr lang="ko-KR" altLang="en-US" dirty="0"/>
+              <a:t>시스템과 </a:t>
+            </a:r>
+            <a:r>
+              <a:rPr lang="en-US" altLang="ko-KR" dirty="0"/>
+              <a:t>HW, </a:t>
+            </a:r>
+            <a:r>
+              <a:rPr lang="ko-KR" altLang="en-US" dirty="0"/>
+              <a:t>유저 간 통신 법</a:t>
+            </a:r>
+            <a:r>
+              <a:rPr lang="en-US" altLang="ko-KR" dirty="0"/>
+              <a:t> </a:t>
+            </a:r>
+            <a:r>
+              <a:rPr lang="ko-KR" altLang="en-US" dirty="0"/>
+              <a:t>설계</a:t>
+            </a:r>
+            <a:endParaRPr lang="en-US" altLang="ko-KR" dirty="0"/>
+          </a:p>
+          <a:p>
+            <a:pPr lvl="1"/>
+            <a:r>
+              <a:rPr lang="ko-KR" altLang="en-US" dirty="0"/>
+              <a:t>프로시저 설계</a:t>
+            </a:r>
+            <a:r>
+              <a:rPr lang="en-US" altLang="ko-KR" dirty="0"/>
+              <a:t>: </a:t>
+            </a:r>
+            <a:r>
+              <a:rPr lang="ko-KR" altLang="en-US" dirty="0"/>
+              <a:t>사용 </a:t>
+            </a:r>
+            <a:r>
+              <a:rPr lang="en-US" altLang="ko-KR" dirty="0"/>
+              <a:t>Process </a:t>
+            </a:r>
+            <a:r>
+              <a:rPr lang="ko-KR" altLang="en-US" dirty="0"/>
+              <a:t>설계</a:t>
+            </a:r>
+            <a:endParaRPr lang="en-US" altLang="ko-KR" dirty="0"/>
+          </a:p>
+          <a:p>
+            <a:pPr lvl="1"/>
+            <a:r>
+              <a:rPr lang="ko-KR" altLang="en-US" dirty="0"/>
+              <a:t>협약에 의한 설계</a:t>
+            </a:r>
+            <a:r>
+              <a:rPr lang="en-US" altLang="ko-KR" dirty="0"/>
+              <a:t>: </a:t>
+            </a:r>
+            <a:r>
+              <a:rPr lang="ko-KR" altLang="en-US" dirty="0"/>
+              <a:t>품질</a:t>
+            </a:r>
+            <a:r>
+              <a:rPr lang="en-US" altLang="ko-KR" dirty="0"/>
+              <a:t> </a:t>
+            </a:r>
+            <a:r>
+              <a:rPr lang="ko-KR" altLang="en-US" dirty="0"/>
+              <a:t>등 설계</a:t>
+            </a:r>
+            <a:endParaRPr lang="en-US" altLang="ko-KR" dirty="0"/>
+          </a:p>
+          <a:p>
+            <a:r>
+              <a:rPr lang="en-US" altLang="ko-KR" dirty="0"/>
+              <a:t>HIPO (Hierarchy</a:t>
+            </a:r>
+            <a:r>
+              <a:rPr lang="ko-KR" altLang="en-US" dirty="0"/>
+              <a:t> </a:t>
+            </a:r>
+            <a:r>
+              <a:rPr lang="en-US" altLang="ko-KR" dirty="0"/>
+              <a:t>Input Process Output)</a:t>
+            </a:r>
+          </a:p>
+          <a:p>
+            <a:pPr lvl="1"/>
+            <a:r>
+              <a:rPr lang="ko-KR" altLang="en-US" dirty="0"/>
+              <a:t>정의</a:t>
+            </a:r>
+            <a:r>
+              <a:rPr lang="en-US" altLang="ko-KR" dirty="0"/>
+              <a:t>: </a:t>
+            </a:r>
+            <a:r>
+              <a:rPr lang="ko-KR" altLang="en-US" dirty="0"/>
+              <a:t>시스템의 분석 및 설계에 사용하는 문서화 도구</a:t>
+            </a:r>
+            <a:endParaRPr lang="en-US" altLang="ko-KR" dirty="0"/>
+          </a:p>
+          <a:p>
+            <a:pPr lvl="1"/>
+            <a:r>
+              <a:rPr lang="ko-KR" altLang="en-US" dirty="0"/>
+              <a:t>특징</a:t>
+            </a:r>
+            <a:r>
+              <a:rPr lang="en-US" altLang="ko-KR" dirty="0"/>
+              <a:t>: </a:t>
+            </a:r>
+            <a:r>
+              <a:rPr lang="ko-KR" altLang="en-US" dirty="0"/>
+              <a:t>하향식 </a:t>
+            </a:r>
+            <a:r>
+              <a:rPr lang="en-US" altLang="ko-KR" dirty="0"/>
+              <a:t>SW </a:t>
+            </a:r>
+            <a:r>
+              <a:rPr lang="ko-KR" altLang="en-US" dirty="0"/>
+              <a:t>개발 도구</a:t>
+            </a:r>
+            <a:endParaRPr lang="en-US" altLang="ko-KR" dirty="0"/>
+          </a:p>
+          <a:p>
+            <a:pPr lvl="1"/>
+            <a:r>
+              <a:rPr lang="ko-KR" altLang="en-US" dirty="0"/>
+              <a:t>차트 종류</a:t>
+            </a:r>
+            <a:endParaRPr lang="en-US" altLang="ko-KR" dirty="0"/>
+          </a:p>
+          <a:p>
+            <a:pPr lvl="2"/>
+            <a:r>
+              <a:rPr lang="ko-KR" altLang="en-US" dirty="0"/>
+              <a:t>가시적 도표</a:t>
+            </a:r>
+            <a:r>
+              <a:rPr lang="en-US" altLang="ko-KR" dirty="0"/>
+              <a:t>: </a:t>
+            </a:r>
+            <a:r>
+              <a:rPr lang="ko-KR" altLang="en-US" dirty="0"/>
+              <a:t>시스템 전체의 기능과 흐름을 보임</a:t>
+            </a:r>
+            <a:endParaRPr lang="en-US" altLang="ko-KR" dirty="0"/>
+          </a:p>
+          <a:p>
+            <a:pPr lvl="2"/>
+            <a:r>
+              <a:rPr lang="ko-KR" altLang="en-US" dirty="0"/>
+              <a:t>총체적 도표</a:t>
+            </a:r>
+            <a:r>
+              <a:rPr lang="en-US" altLang="ko-KR" dirty="0"/>
+              <a:t>: </a:t>
+            </a:r>
+            <a:r>
+              <a:rPr lang="ko-KR" altLang="en-US" dirty="0"/>
+              <a:t>입력</a:t>
+            </a:r>
+            <a:r>
+              <a:rPr lang="en-US" altLang="ko-KR" dirty="0"/>
+              <a:t>-</a:t>
+            </a:r>
+            <a:r>
+              <a:rPr lang="ko-KR" altLang="en-US" dirty="0"/>
+              <a:t>처리</a:t>
+            </a:r>
+            <a:r>
+              <a:rPr lang="en-US" altLang="ko-KR" dirty="0"/>
+              <a:t>-</a:t>
+            </a:r>
+            <a:r>
+              <a:rPr lang="ko-KR" altLang="en-US" dirty="0"/>
+              <a:t>출력의 정보 제공</a:t>
+            </a:r>
+            <a:endParaRPr lang="en-US" altLang="ko-KR" dirty="0"/>
+          </a:p>
+          <a:p>
+            <a:pPr lvl="2"/>
+            <a:r>
+              <a:rPr lang="ko-KR" altLang="en-US" dirty="0"/>
+              <a:t>세부적 도표</a:t>
+            </a:r>
+            <a:r>
+              <a:rPr lang="en-US" altLang="ko-KR" dirty="0"/>
+              <a:t>: </a:t>
+            </a:r>
+            <a:r>
+              <a:rPr lang="ko-KR" altLang="en-US" dirty="0"/>
+              <a:t>총체적 도표를 상세히 설명</a:t>
+            </a:r>
+            <a:endParaRPr lang="en-US" altLang="ko-KR" dirty="0"/>
+          </a:p>
+          <a:p>
+            <a:pPr lvl="2"/>
+            <a:endParaRPr lang="ko-KR" altLang="en-US" dirty="0"/>
+          </a:p>
+        </p:txBody>
+      </p:sp>
+      <p:sp>
+        <p:nvSpPr>
+          <p:cNvPr id="10" name="제목 9">
+            <a:extLst>
+              <a:ext uri="{FF2B5EF4-FFF2-40B4-BE49-F238E27FC236}">
+                <a16:creationId xmlns:a16="http://schemas.microsoft.com/office/drawing/2014/main" id="{5AB2762C-067E-489B-8AA2-C63EFBC15FF6}"/>
+              </a:ext>
+            </a:extLst>
+          </p:cNvPr>
+          <p:cNvSpPr>
+            <a:spLocks noGrp="1"/>
+          </p:cNvSpPr>
+          <p:nvPr>
+            <p:ph type="title"/>
+          </p:nvPr>
+        </p:nvSpPr>
+        <p:spPr/>
+        <p:txBody>
+          <a:bodyPr/>
+          <a:lstStyle/>
+          <a:p>
+            <a:r>
+              <a:rPr lang="ko-KR" altLang="en-US" dirty="0"/>
+              <a:t>설계 모델링</a:t>
+            </a:r>
+          </a:p>
+        </p:txBody>
+      </p:sp>
+      <p:sp>
+        <p:nvSpPr>
+          <p:cNvPr id="11" name="내용 개체 틀 10">
+            <a:extLst>
+              <a:ext uri="{FF2B5EF4-FFF2-40B4-BE49-F238E27FC236}">
+                <a16:creationId xmlns:a16="http://schemas.microsoft.com/office/drawing/2014/main" id="{00E0FD9E-47AE-4808-AE62-813BE97C4673}"/>
+              </a:ext>
+            </a:extLst>
+          </p:cNvPr>
+          <p:cNvSpPr>
+            <a:spLocks noGrp="1"/>
+          </p:cNvSpPr>
+          <p:nvPr>
+            <p:ph sz="half" idx="2"/>
+          </p:nvPr>
+        </p:nvSpPr>
+        <p:spPr/>
+        <p:txBody>
+          <a:bodyPr>
+            <a:normAutofit lnSpcReduction="10000"/>
+          </a:bodyPr>
+          <a:lstStyle/>
+          <a:p>
+            <a:r>
+              <a:rPr lang="ko-KR" altLang="en-US" dirty="0"/>
+              <a:t>코드 설계 </a:t>
+            </a:r>
+            <a:endParaRPr lang="en-US" altLang="ko-KR" dirty="0"/>
+          </a:p>
+          <a:p>
+            <a:pPr lvl="1"/>
+            <a:r>
+              <a:rPr lang="ko-KR" altLang="en-US" dirty="0"/>
+              <a:t>정의</a:t>
+            </a:r>
+            <a:r>
+              <a:rPr lang="en-US" altLang="ko-KR" dirty="0"/>
+              <a:t>: </a:t>
+            </a:r>
+            <a:r>
+              <a:rPr lang="ko-KR" altLang="en-US" dirty="0"/>
+              <a:t>데이터를 표현하는 방법</a:t>
+            </a:r>
+            <a:endParaRPr lang="en-US" altLang="ko-KR" dirty="0"/>
+          </a:p>
+          <a:p>
+            <a:pPr lvl="1"/>
+            <a:r>
+              <a:rPr lang="ko-KR" altLang="en-US" dirty="0"/>
+              <a:t>종류</a:t>
+            </a:r>
+            <a:endParaRPr lang="en-US" altLang="ko-KR" dirty="0"/>
+          </a:p>
+          <a:p>
+            <a:pPr lvl="2"/>
+            <a:r>
+              <a:rPr lang="ko-KR" altLang="en-US" dirty="0"/>
+              <a:t>연상 코드</a:t>
+            </a:r>
+            <a:r>
+              <a:rPr lang="en-US" altLang="ko-KR" dirty="0"/>
+              <a:t>: </a:t>
+            </a:r>
+            <a:r>
+              <a:rPr lang="ko-KR" altLang="en-US" dirty="0"/>
+              <a:t>명칭 일부를 약호 </a:t>
+            </a:r>
+            <a:endParaRPr lang="en-US" altLang="ko-KR" dirty="0"/>
+          </a:p>
+          <a:p>
+            <a:pPr lvl="3"/>
+            <a:r>
+              <a:rPr lang="en-US" altLang="ko-KR" dirty="0"/>
+              <a:t>Ex) </a:t>
+            </a:r>
+            <a:r>
+              <a:rPr lang="ko-KR" altLang="en-US" dirty="0"/>
+              <a:t>한국</a:t>
+            </a:r>
+            <a:r>
+              <a:rPr lang="en-US" altLang="ko-KR" dirty="0"/>
+              <a:t>: KR, </a:t>
+            </a:r>
+            <a:r>
+              <a:rPr lang="ko-KR" altLang="en-US" dirty="0"/>
+              <a:t>미국</a:t>
+            </a:r>
+            <a:r>
+              <a:rPr lang="en-US" altLang="ko-KR" dirty="0"/>
+              <a:t>: US…</a:t>
+            </a:r>
+          </a:p>
+          <a:p>
+            <a:pPr lvl="2"/>
+            <a:r>
+              <a:rPr lang="ko-KR" altLang="en-US" dirty="0"/>
+              <a:t>블록 코드</a:t>
+            </a:r>
+            <a:r>
+              <a:rPr lang="en-US" altLang="ko-KR" dirty="0"/>
+              <a:t>: </a:t>
+            </a:r>
+            <a:r>
+              <a:rPr lang="ko-KR" altLang="en-US" dirty="0"/>
+              <a:t>공통성이</a:t>
+            </a:r>
+            <a:r>
+              <a:rPr lang="en-US" altLang="ko-KR" dirty="0"/>
+              <a:t> </a:t>
+            </a:r>
+            <a:r>
+              <a:rPr lang="ko-KR" altLang="en-US" dirty="0"/>
+              <a:t>있는 것 끼리 묶기</a:t>
+            </a:r>
+            <a:endParaRPr lang="en-US" altLang="ko-KR" dirty="0"/>
+          </a:p>
+          <a:p>
+            <a:pPr lvl="3"/>
+            <a:r>
+              <a:rPr lang="en-US" altLang="ko-KR" dirty="0"/>
+              <a:t>Ex) </a:t>
+            </a:r>
+            <a:r>
+              <a:rPr lang="ko-KR" altLang="en-US" dirty="0"/>
+              <a:t>주소</a:t>
+            </a:r>
+            <a:r>
+              <a:rPr lang="en-US" altLang="ko-KR" dirty="0"/>
+              <a:t>(</a:t>
+            </a:r>
+            <a:r>
+              <a:rPr lang="ko-KR" altLang="en-US" dirty="0"/>
+              <a:t>도</a:t>
+            </a:r>
+            <a:r>
+              <a:rPr lang="en-US" altLang="ko-KR" dirty="0"/>
+              <a:t>-</a:t>
+            </a:r>
+            <a:r>
+              <a:rPr lang="ko-KR" altLang="en-US" dirty="0"/>
+              <a:t>시</a:t>
+            </a:r>
+            <a:r>
+              <a:rPr lang="en-US" altLang="ko-KR" dirty="0"/>
+              <a:t>-</a:t>
+            </a:r>
+            <a:r>
+              <a:rPr lang="ko-KR" altLang="en-US" dirty="0"/>
+              <a:t>도로주소</a:t>
+            </a:r>
+            <a:r>
+              <a:rPr lang="en-US" altLang="ko-KR" dirty="0"/>
+              <a:t>…)</a:t>
+            </a:r>
+          </a:p>
+          <a:p>
+            <a:pPr lvl="2"/>
+            <a:r>
+              <a:rPr lang="ko-KR" altLang="en-US" dirty="0"/>
+              <a:t>순차 코드</a:t>
+            </a:r>
+            <a:r>
+              <a:rPr lang="en-US" altLang="ko-KR" dirty="0"/>
+              <a:t>: </a:t>
+            </a:r>
+            <a:r>
+              <a:rPr lang="ko-KR" altLang="en-US" dirty="0"/>
+              <a:t>기준에</a:t>
+            </a:r>
+            <a:r>
+              <a:rPr lang="en-US" altLang="ko-KR" dirty="0"/>
+              <a:t> </a:t>
+            </a:r>
+            <a:r>
+              <a:rPr lang="ko-KR" altLang="en-US" dirty="0"/>
+              <a:t>따라 순서를 부여</a:t>
+            </a:r>
+            <a:endParaRPr lang="en-US" altLang="ko-KR" dirty="0"/>
+          </a:p>
+          <a:p>
+            <a:pPr lvl="3"/>
+            <a:r>
+              <a:rPr lang="en-US" altLang="ko-KR" dirty="0"/>
+              <a:t>Ex) </a:t>
+            </a:r>
+            <a:r>
+              <a:rPr lang="ko-KR" altLang="en-US" dirty="0"/>
+              <a:t>중학교 반내 학생 번호 </a:t>
+            </a:r>
+            <a:r>
+              <a:rPr lang="en-US" altLang="ko-KR" dirty="0"/>
+              <a:t>(1, 2, 3…)</a:t>
+            </a:r>
+          </a:p>
+          <a:p>
+            <a:pPr lvl="2"/>
+            <a:r>
+              <a:rPr lang="ko-KR" altLang="en-US" dirty="0"/>
+              <a:t>표의 숫자 코드</a:t>
+            </a:r>
+            <a:r>
+              <a:rPr lang="en-US" altLang="ko-KR" dirty="0"/>
+              <a:t>: </a:t>
+            </a:r>
+            <a:r>
+              <a:rPr lang="ko-KR" altLang="en-US" dirty="0"/>
+              <a:t>대상 자료의 수치</a:t>
+            </a:r>
+            <a:endParaRPr lang="en-US" altLang="ko-KR" dirty="0"/>
+          </a:p>
+          <a:p>
+            <a:pPr lvl="3"/>
+            <a:r>
+              <a:rPr lang="en-US" altLang="ko-KR" dirty="0"/>
+              <a:t>Ex) </a:t>
+            </a:r>
+            <a:r>
+              <a:rPr lang="ko-KR" altLang="en-US" dirty="0"/>
+              <a:t>컵</a:t>
+            </a:r>
+            <a:r>
+              <a:rPr lang="en-US" altLang="ko-KR" dirty="0"/>
+              <a:t>: </a:t>
+            </a:r>
+            <a:r>
+              <a:rPr lang="ko-KR" altLang="en-US" dirty="0"/>
+              <a:t>가로</a:t>
+            </a:r>
+            <a:r>
+              <a:rPr lang="en-US" altLang="ko-KR" dirty="0"/>
+              <a:t>-</a:t>
+            </a:r>
+            <a:r>
+              <a:rPr lang="ko-KR" altLang="en-US" dirty="0"/>
+              <a:t>세로</a:t>
+            </a:r>
+            <a:r>
+              <a:rPr lang="en-US" altLang="ko-KR" dirty="0"/>
+              <a:t>-</a:t>
+            </a:r>
+            <a:r>
+              <a:rPr lang="ko-KR" altLang="en-US" dirty="0"/>
+              <a:t>용량</a:t>
+            </a:r>
+            <a:r>
+              <a:rPr lang="en-US" altLang="ko-KR" dirty="0"/>
+              <a:t>…</a:t>
+            </a:r>
+          </a:p>
+          <a:p>
+            <a:pPr lvl="2"/>
+            <a:r>
+              <a:rPr lang="ko-KR" altLang="en-US" dirty="0"/>
+              <a:t>십진 코드</a:t>
+            </a:r>
+            <a:r>
+              <a:rPr lang="en-US" altLang="ko-KR" dirty="0"/>
+              <a:t>: </a:t>
+            </a:r>
+            <a:r>
+              <a:rPr lang="ko-KR" altLang="en-US" dirty="0"/>
+              <a:t>십진수의 형태로 표현</a:t>
+            </a:r>
+            <a:endParaRPr lang="en-US" altLang="ko-KR" dirty="0"/>
+          </a:p>
+          <a:p>
+            <a:pPr lvl="3"/>
+            <a:r>
+              <a:rPr lang="en-US" altLang="ko-KR" dirty="0"/>
+              <a:t>Ex) </a:t>
+            </a:r>
+            <a:r>
+              <a:rPr lang="ko-KR" altLang="en-US" dirty="0"/>
+              <a:t>상품</a:t>
+            </a:r>
+            <a:r>
+              <a:rPr lang="en-US" altLang="ko-KR" dirty="0"/>
+              <a:t> </a:t>
+            </a:r>
+            <a:r>
+              <a:rPr lang="ko-KR" altLang="en-US" dirty="0"/>
+              <a:t>바코드</a:t>
+            </a:r>
+            <a:r>
+              <a:rPr lang="en-US" altLang="ko-KR" dirty="0"/>
+              <a:t>…</a:t>
+            </a:r>
+          </a:p>
+          <a:p>
+            <a:pPr lvl="2"/>
+            <a:r>
+              <a:rPr lang="ko-KR" altLang="en-US" dirty="0"/>
+              <a:t>그룹 분류식 코드</a:t>
+            </a:r>
+            <a:r>
+              <a:rPr lang="en-US" altLang="ko-KR" dirty="0"/>
+              <a:t>: </a:t>
+            </a:r>
+            <a:r>
+              <a:rPr lang="ko-KR" altLang="en-US" dirty="0"/>
+              <a:t>대상을 기준에 따라 대중소 분류</a:t>
+            </a:r>
+            <a:endParaRPr lang="en-US" altLang="ko-KR" dirty="0"/>
+          </a:p>
+          <a:p>
+            <a:pPr lvl="3"/>
+            <a:r>
+              <a:rPr lang="en-US" altLang="ko-KR" dirty="0"/>
+              <a:t>Ex) </a:t>
+            </a:r>
+            <a:r>
+              <a:rPr lang="ko-KR" altLang="en-US" dirty="0"/>
+              <a:t>학번 </a:t>
+            </a:r>
+            <a:r>
+              <a:rPr lang="en-US" altLang="ko-KR" dirty="0"/>
+              <a:t>(60-18-1665 / </a:t>
+            </a:r>
+            <a:r>
+              <a:rPr lang="ko-KR" altLang="en-US" dirty="0"/>
+              <a:t>학과</a:t>
+            </a:r>
+            <a:r>
+              <a:rPr lang="en-US" altLang="ko-KR" dirty="0"/>
+              <a:t>-</a:t>
+            </a:r>
+            <a:r>
+              <a:rPr lang="ko-KR" altLang="en-US" dirty="0"/>
+              <a:t>년도</a:t>
+            </a:r>
+            <a:r>
+              <a:rPr lang="en-US" altLang="ko-KR" dirty="0"/>
+              <a:t>-</a:t>
+            </a:r>
+            <a:r>
+              <a:rPr lang="ko-KR" altLang="en-US" dirty="0"/>
+              <a:t>개인번호</a:t>
+            </a:r>
+            <a:r>
+              <a:rPr lang="en-US" altLang="ko-KR" dirty="0"/>
+              <a:t>)</a:t>
+            </a:r>
+          </a:p>
+          <a:p>
+            <a:pPr lvl="1"/>
+            <a:r>
+              <a:rPr lang="ko-KR" altLang="en-US" dirty="0"/>
+              <a:t>오류</a:t>
+            </a:r>
+            <a:endParaRPr lang="en-US" altLang="ko-KR" dirty="0"/>
+          </a:p>
+          <a:p>
+            <a:pPr lvl="2"/>
+            <a:r>
+              <a:rPr lang="ko-KR" altLang="en-US" dirty="0"/>
+              <a:t>사본 오류</a:t>
+            </a:r>
+            <a:r>
+              <a:rPr lang="en-US" altLang="ko-KR" dirty="0"/>
+              <a:t>: </a:t>
+            </a:r>
+            <a:r>
+              <a:rPr lang="ko-KR" altLang="en-US" dirty="0"/>
+              <a:t>한 자리 잘못 표기</a:t>
+            </a:r>
+            <a:endParaRPr lang="en-US" altLang="ko-KR" dirty="0"/>
+          </a:p>
+          <a:p>
+            <a:pPr lvl="2"/>
+            <a:r>
+              <a:rPr lang="ko-KR" altLang="en-US" dirty="0"/>
+              <a:t>전위 오류</a:t>
+            </a:r>
+            <a:r>
+              <a:rPr lang="en-US" altLang="ko-KR" dirty="0"/>
+              <a:t>: </a:t>
+            </a:r>
+            <a:r>
+              <a:rPr lang="ko-KR" altLang="en-US" dirty="0"/>
+              <a:t>연속되는 두 글자의 순서가 바뀜</a:t>
+            </a:r>
+            <a:endParaRPr lang="en-US" altLang="ko-KR" dirty="0"/>
+          </a:p>
+          <a:p>
+            <a:pPr lvl="2"/>
+            <a:r>
+              <a:rPr lang="ko-KR" altLang="en-US" dirty="0"/>
+              <a:t>생략 오류</a:t>
+            </a:r>
+            <a:r>
+              <a:rPr lang="en-US" altLang="ko-KR" dirty="0"/>
+              <a:t>: </a:t>
+            </a:r>
+            <a:r>
+              <a:rPr lang="ko-KR" altLang="en-US" dirty="0"/>
+              <a:t>한 글자를 빼먹음</a:t>
+            </a:r>
+            <a:endParaRPr lang="en-US" altLang="ko-KR" dirty="0"/>
+          </a:p>
+          <a:p>
+            <a:pPr lvl="2"/>
+            <a:r>
+              <a:rPr lang="ko-KR" altLang="en-US" dirty="0"/>
+              <a:t>첨가 오류</a:t>
+            </a:r>
+            <a:r>
+              <a:rPr lang="en-US" altLang="ko-KR" dirty="0"/>
+              <a:t>: </a:t>
+            </a:r>
+            <a:r>
+              <a:rPr lang="ko-KR" altLang="en-US" dirty="0"/>
+              <a:t>한 글자가 더 쓰임</a:t>
+            </a:r>
+            <a:endParaRPr lang="en-US" altLang="ko-KR" dirty="0"/>
+          </a:p>
+          <a:p>
+            <a:pPr lvl="2"/>
+            <a:r>
+              <a:rPr lang="ko-KR" altLang="en-US" dirty="0"/>
+              <a:t>이중 전위 오류</a:t>
+            </a:r>
+            <a:r>
+              <a:rPr lang="en-US" altLang="ko-KR" dirty="0"/>
+              <a:t>: </a:t>
+            </a:r>
+            <a:r>
+              <a:rPr lang="ko-KR" altLang="en-US" dirty="0"/>
+              <a:t>전위 오류가 중복 발생</a:t>
+            </a:r>
+          </a:p>
+        </p:txBody>
+      </p:sp>
+      <p:sp>
+        <p:nvSpPr>
+          <p:cNvPr id="5" name="슬라이드 번호 개체 틀 4">
+            <a:extLst>
+              <a:ext uri="{FF2B5EF4-FFF2-40B4-BE49-F238E27FC236}">
+                <a16:creationId xmlns:a16="http://schemas.microsoft.com/office/drawing/2014/main" id="{A3E629EE-CA79-4719-8F92-DF1866038D7E}"/>
+              </a:ext>
+            </a:extLst>
+          </p:cNvPr>
+          <p:cNvSpPr>
+            <a:spLocks noGrp="1"/>
+          </p:cNvSpPr>
+          <p:nvPr>
+            <p:ph type="sldNum" sz="quarter" idx="12"/>
+          </p:nvPr>
+        </p:nvSpPr>
+        <p:spPr/>
+        <p:txBody>
+          <a:bodyPr/>
+          <a:lstStyle/>
+          <a:p>
+            <a:fld id="{89BED30C-66D9-4104-96BC-081A506F0CF0}" type="slidenum">
+              <a:rPr lang="ko-KR" altLang="en-US" smtClean="0"/>
+              <a:t>28</a:t>
+            </a:fld>
+            <a:endParaRPr lang="ko-KR" altLang="en-US"/>
+          </a:p>
+        </p:txBody>
+      </p:sp>
+      <p:sp>
+        <p:nvSpPr>
+          <p:cNvPr id="6" name="바닥글 개체 틀 5">
+            <a:extLst>
+              <a:ext uri="{FF2B5EF4-FFF2-40B4-BE49-F238E27FC236}">
+                <a16:creationId xmlns:a16="http://schemas.microsoft.com/office/drawing/2014/main" id="{3E3292BD-5A9E-4353-A2AD-FD8FE58F8590}"/>
+              </a:ext>
+            </a:extLst>
+          </p:cNvPr>
+          <p:cNvSpPr>
+            <a:spLocks noGrp="1"/>
+          </p:cNvSpPr>
+          <p:nvPr>
+            <p:ph type="ftr" sz="quarter" idx="3"/>
+          </p:nvPr>
+        </p:nvSpPr>
+        <p:spPr/>
+        <p:txBody>
+          <a:bodyPr/>
+          <a:lstStyle/>
+          <a:p>
+            <a:pPr algn="l"/>
+            <a:r>
+              <a:rPr lang="en-US" altLang="ko-KR"/>
+              <a:t>Nibble</a:t>
+            </a:r>
+            <a:endParaRPr lang="ko-KR" altLang="en-US" dirty="0"/>
+          </a:p>
+        </p:txBody>
+      </p:sp>
+      <p:sp>
+        <p:nvSpPr>
+          <p:cNvPr id="7" name="날짜 개체 틀 6">
+            <a:extLst>
+              <a:ext uri="{FF2B5EF4-FFF2-40B4-BE49-F238E27FC236}">
+                <a16:creationId xmlns:a16="http://schemas.microsoft.com/office/drawing/2014/main" id="{B1736626-A1B0-4289-80D9-4E0A9740E708}"/>
+              </a:ext>
+            </a:extLst>
+          </p:cNvPr>
+          <p:cNvSpPr>
+            <a:spLocks noGrp="1"/>
+          </p:cNvSpPr>
+          <p:nvPr>
+            <p:ph type="dt" sz="half" idx="13"/>
+          </p:nvPr>
+        </p:nvSpPr>
+        <p:spPr/>
+        <p:txBody>
+          <a:bodyPr/>
+          <a:lstStyle/>
+          <a:p>
+            <a:fld id="{B226B4E6-2447-4D67-A511-B13A2182F919}" type="datetime5">
+              <a:rPr lang="ko-KR" altLang="en-US" smtClean="0"/>
+              <a:t>2021/7/28</a:t>
+            </a:fld>
+            <a:endParaRPr lang="ko-KR" altLang="en-US" dirty="0"/>
+          </a:p>
+        </p:txBody>
+      </p:sp>
+    </p:spTree>
+    <p:extLst>
+      <p:ext uri="{BB962C8B-B14F-4D97-AF65-F5344CB8AC3E}">
+        <p14:creationId xmlns:p14="http://schemas.microsoft.com/office/powerpoint/2010/main" val="2184462969"/>
+      </p:ext>
+    </p:extLst>
+  </p:cSld>
+  <p:clrMapOvr>
+    <a:masterClrMapping/>
+  </p:clrMapOvr>
+</p:sld>
+</file>
+
+<file path=ppt/slides/slide29.xml><?xml version="1.0" encoding="utf-8"?>
+<p:sld xmlns:a="http://schemas.openxmlformats.org/drawingml/2006/main" xmlns:r="http://schemas.openxmlformats.org/officeDocument/2006/relationships" xmlns:p="http://schemas.openxmlformats.org/presentationml/2006/main">
+  <p:cSld>
+    <p:spTree>
+      <p:nvGrpSpPr>
+        <p:cNvPr id="1" name=""/>
+        <p:cNvGrpSpPr/>
+        <p:nvPr/>
+      </p:nvGrpSpPr>
+      <p:grpSpPr>
+        <a:xfrm>
+          <a:off x="0" y="0"/>
+          <a:ext cx="0" cy="0"/>
+          <a:chOff x="0" y="0"/>
+          <a:chExt cx="0" cy="0"/>
+        </a:xfrm>
+      </p:grpSpPr>
+      <p:sp>
+        <p:nvSpPr>
+          <p:cNvPr id="9" name="내용 개체 틀 8">
+            <a:extLst>
+              <a:ext uri="{FF2B5EF4-FFF2-40B4-BE49-F238E27FC236}">
+                <a16:creationId xmlns:a16="http://schemas.microsoft.com/office/drawing/2014/main" id="{ED848525-DEA7-4B59-AA2E-3E33629C91E4}"/>
+              </a:ext>
+            </a:extLst>
+          </p:cNvPr>
+          <p:cNvSpPr>
+            <a:spLocks noGrp="1"/>
+          </p:cNvSpPr>
+          <p:nvPr>
+            <p:ph sz="half" idx="14"/>
+          </p:nvPr>
+        </p:nvSpPr>
+        <p:spPr/>
+        <p:txBody>
+          <a:bodyPr>
+            <a:normAutofit fontScale="92500" lnSpcReduction="20000"/>
+          </a:bodyPr>
+          <a:lstStyle/>
+          <a:p>
+            <a:r>
+              <a:rPr lang="ko-KR" altLang="en-US" dirty="0"/>
+              <a:t>소프트웨어 아키텍처</a:t>
+            </a:r>
+            <a:endParaRPr lang="en-US" altLang="ko-KR" dirty="0"/>
+          </a:p>
+          <a:p>
+            <a:pPr lvl="1"/>
+            <a:r>
+              <a:rPr lang="ko-KR" altLang="en-US" dirty="0"/>
+              <a:t>정의</a:t>
+            </a:r>
+            <a:r>
+              <a:rPr lang="en-US" altLang="ko-KR" dirty="0"/>
+              <a:t>: SW </a:t>
+            </a:r>
+            <a:r>
+              <a:rPr lang="ko-KR" altLang="en-US" dirty="0"/>
+              <a:t>구성요소의 특징</a:t>
+            </a:r>
+            <a:r>
+              <a:rPr lang="en-US" altLang="ko-KR" dirty="0"/>
+              <a:t>, </a:t>
+            </a:r>
+            <a:r>
+              <a:rPr lang="ko-KR" altLang="en-US" dirty="0"/>
+              <a:t>관계를 표현하는 구조</a:t>
+            </a:r>
+            <a:endParaRPr lang="en-US" altLang="ko-KR" dirty="0"/>
+          </a:p>
+          <a:p>
+            <a:r>
+              <a:rPr lang="ko-KR" altLang="en-US" dirty="0"/>
+              <a:t>소프트웨어 아키텍처</a:t>
+            </a:r>
+            <a:r>
+              <a:rPr lang="en-US" altLang="ko-KR" dirty="0"/>
+              <a:t> Framework</a:t>
+            </a:r>
+          </a:p>
+          <a:p>
+            <a:pPr lvl="1"/>
+            <a:r>
+              <a:rPr lang="ko-KR" altLang="en-US" dirty="0"/>
+              <a:t>소프트웨어 아키텍처의</a:t>
+            </a:r>
+            <a:r>
+              <a:rPr lang="en-US" altLang="ko-KR" dirty="0"/>
+              <a:t> Type</a:t>
+            </a:r>
+          </a:p>
+          <a:p>
+            <a:pPr lvl="1"/>
+            <a:r>
+              <a:rPr lang="ko-KR" altLang="en-US" dirty="0"/>
+              <a:t>구성요소</a:t>
+            </a:r>
+            <a:endParaRPr lang="en-US" altLang="ko-KR" dirty="0"/>
+          </a:p>
+          <a:p>
+            <a:pPr lvl="2"/>
+            <a:r>
+              <a:rPr lang="en-US" altLang="ko-KR" dirty="0"/>
+              <a:t>Architectural Description(</a:t>
+            </a:r>
+            <a:r>
+              <a:rPr lang="ko-KR" altLang="en-US" dirty="0"/>
+              <a:t>아키텍처 명세서</a:t>
+            </a:r>
+            <a:r>
+              <a:rPr lang="en-US" altLang="ko-KR" dirty="0"/>
+              <a:t>)</a:t>
+            </a:r>
+          </a:p>
+          <a:p>
+            <a:pPr lvl="3"/>
+            <a:r>
+              <a:rPr lang="ko-KR" altLang="en-US" dirty="0"/>
+              <a:t>아키텍처를 기록하기 위한 산출물들</a:t>
+            </a:r>
+            <a:endParaRPr lang="en-US" altLang="ko-KR" dirty="0"/>
+          </a:p>
+          <a:p>
+            <a:pPr lvl="2"/>
+            <a:r>
+              <a:rPr lang="en-US" altLang="ko-KR" dirty="0"/>
+              <a:t>Stakeholder(</a:t>
+            </a:r>
+            <a:r>
+              <a:rPr lang="ko-KR" altLang="en-US" dirty="0"/>
+              <a:t>이해관계자</a:t>
+            </a:r>
+            <a:r>
+              <a:rPr lang="en-US" altLang="ko-KR" dirty="0"/>
+              <a:t>)</a:t>
+            </a:r>
+          </a:p>
+          <a:p>
+            <a:pPr lvl="3"/>
+            <a:r>
+              <a:rPr lang="ko-KR" altLang="en-US" dirty="0"/>
+              <a:t>시스템 개발에 관련된 모든 사람</a:t>
+            </a:r>
+            <a:endParaRPr lang="en-US" altLang="ko-KR" dirty="0"/>
+          </a:p>
+          <a:p>
+            <a:pPr lvl="2"/>
+            <a:r>
+              <a:rPr lang="en-US" altLang="ko-KR" dirty="0"/>
+              <a:t>Concerns(</a:t>
+            </a:r>
+            <a:r>
+              <a:rPr lang="ko-KR" altLang="en-US" dirty="0"/>
+              <a:t>관심사</a:t>
+            </a:r>
+            <a:r>
+              <a:rPr lang="en-US" altLang="ko-KR" dirty="0"/>
+              <a:t>)</a:t>
+            </a:r>
+          </a:p>
+          <a:p>
+            <a:pPr lvl="3"/>
+            <a:r>
+              <a:rPr lang="ko-KR" altLang="en-US" dirty="0"/>
+              <a:t>시스템에 대한 이해관계자의 목표</a:t>
+            </a:r>
+            <a:endParaRPr lang="en-US" altLang="ko-KR" dirty="0"/>
+          </a:p>
+          <a:p>
+            <a:pPr lvl="2"/>
+            <a:r>
+              <a:rPr lang="en-US" altLang="ko-KR" dirty="0"/>
+              <a:t>Viewpoint(</a:t>
+            </a:r>
+            <a:r>
+              <a:rPr lang="ko-KR" altLang="en-US" dirty="0"/>
+              <a:t>관점</a:t>
+            </a:r>
+            <a:r>
+              <a:rPr lang="en-US" altLang="ko-KR" dirty="0"/>
+              <a:t>)</a:t>
+            </a:r>
+          </a:p>
+          <a:p>
+            <a:pPr lvl="3"/>
+            <a:r>
+              <a:rPr lang="ko-KR" altLang="en-US" dirty="0"/>
+              <a:t>개별 뷰를 개발할 때 토대가 되는 패턴</a:t>
+            </a:r>
+            <a:endParaRPr lang="en-US" altLang="ko-KR" dirty="0"/>
+          </a:p>
+          <a:p>
+            <a:pPr lvl="2"/>
+            <a:r>
+              <a:rPr lang="en-US" altLang="ko-KR" dirty="0"/>
+              <a:t>View(</a:t>
+            </a:r>
+            <a:r>
+              <a:rPr lang="ko-KR" altLang="en-US" dirty="0"/>
+              <a:t>뷰</a:t>
+            </a:r>
+            <a:r>
+              <a:rPr lang="en-US" altLang="ko-KR" dirty="0"/>
+              <a:t>)</a:t>
+            </a:r>
+          </a:p>
+          <a:p>
+            <a:pPr lvl="3"/>
+            <a:r>
+              <a:rPr lang="ko-KR" altLang="en-US" dirty="0"/>
+              <a:t>시스템을 표현하는 것</a:t>
+            </a:r>
+            <a:endParaRPr lang="en-US" altLang="ko-KR" dirty="0"/>
+          </a:p>
+          <a:p>
+            <a:pPr lvl="2"/>
+            <a:r>
+              <a:rPr lang="en-US" altLang="ko-KR" dirty="0"/>
+              <a:t>Rationale(</a:t>
+            </a:r>
+            <a:r>
+              <a:rPr lang="ko-KR" altLang="en-US" dirty="0"/>
+              <a:t>근거</a:t>
+            </a:r>
+            <a:r>
+              <a:rPr lang="en-US" altLang="ko-KR" dirty="0"/>
+              <a:t>)</a:t>
+            </a:r>
+          </a:p>
+          <a:p>
+            <a:pPr lvl="3"/>
+            <a:r>
+              <a:rPr lang="ko-KR" altLang="en-US" dirty="0"/>
+              <a:t>아키텍처 결정 근거</a:t>
+            </a:r>
+            <a:endParaRPr lang="en-US" altLang="ko-KR" dirty="0"/>
+          </a:p>
+          <a:p>
+            <a:pPr lvl="2"/>
+            <a:r>
+              <a:rPr lang="en-US" altLang="ko-KR" dirty="0"/>
+              <a:t>Mission(</a:t>
+            </a:r>
+            <a:r>
+              <a:rPr lang="ko-KR" altLang="en-US" dirty="0"/>
+              <a:t>목표</a:t>
+            </a:r>
+            <a:r>
+              <a:rPr lang="en-US" altLang="ko-KR" dirty="0"/>
+              <a:t>)</a:t>
+            </a:r>
+          </a:p>
+          <a:p>
+            <a:pPr lvl="3"/>
+            <a:r>
+              <a:rPr lang="ko-KR" altLang="en-US" dirty="0"/>
+              <a:t>이해 관계자가 원하는 시스템</a:t>
+            </a:r>
+            <a:endParaRPr lang="en-US" altLang="ko-KR" dirty="0"/>
+          </a:p>
+          <a:p>
+            <a:pPr lvl="2"/>
+            <a:r>
+              <a:rPr lang="en-US" altLang="ko-KR" dirty="0"/>
+              <a:t>Environment(</a:t>
+            </a:r>
+            <a:r>
+              <a:rPr lang="ko-KR" altLang="en-US" dirty="0"/>
+              <a:t>환경</a:t>
+            </a:r>
+            <a:r>
+              <a:rPr lang="en-US" altLang="ko-KR" dirty="0"/>
+              <a:t>)</a:t>
+            </a:r>
+          </a:p>
+          <a:p>
+            <a:pPr lvl="3"/>
+            <a:r>
+              <a:rPr lang="ko-KR" altLang="en-US" dirty="0"/>
+              <a:t>시스템에 영향을 주는 요인</a:t>
+            </a:r>
+            <a:endParaRPr lang="en-US" altLang="ko-KR" dirty="0"/>
+          </a:p>
+          <a:p>
+            <a:pPr lvl="2"/>
+            <a:r>
+              <a:rPr lang="en-US" altLang="ko-KR" dirty="0"/>
+              <a:t>System(</a:t>
+            </a:r>
+            <a:r>
+              <a:rPr lang="ko-KR" altLang="en-US" dirty="0"/>
+              <a:t>시스템</a:t>
+            </a:r>
+            <a:r>
+              <a:rPr lang="en-US" altLang="ko-KR" dirty="0"/>
+              <a:t>)</a:t>
+            </a:r>
+          </a:p>
+          <a:p>
+            <a:pPr lvl="3"/>
+            <a:r>
+              <a:rPr lang="ko-KR" altLang="en-US" dirty="0"/>
+              <a:t>각 시스템</a:t>
+            </a:r>
+            <a:endParaRPr lang="en-US" altLang="ko-KR" dirty="0"/>
+          </a:p>
+          <a:p>
+            <a:pPr lvl="1"/>
+            <a:endParaRPr lang="ko-KR" altLang="en-US" dirty="0"/>
+          </a:p>
+        </p:txBody>
+      </p:sp>
+      <p:sp>
+        <p:nvSpPr>
+          <p:cNvPr id="7" name="제목 6">
+            <a:extLst>
+              <a:ext uri="{FF2B5EF4-FFF2-40B4-BE49-F238E27FC236}">
+                <a16:creationId xmlns:a16="http://schemas.microsoft.com/office/drawing/2014/main" id="{17073054-C8AE-48DB-95ED-379620DA6AF9}"/>
+              </a:ext>
+            </a:extLst>
+          </p:cNvPr>
+          <p:cNvSpPr>
+            <a:spLocks noGrp="1"/>
+          </p:cNvSpPr>
+          <p:nvPr>
+            <p:ph type="title"/>
+          </p:nvPr>
+        </p:nvSpPr>
+        <p:spPr/>
+        <p:txBody>
+          <a:bodyPr/>
+          <a:lstStyle/>
+          <a:p>
+            <a:r>
+              <a:rPr lang="ko-KR" altLang="en-US" dirty="0"/>
+              <a:t>소프트웨어 아키텍처</a:t>
+            </a:r>
+          </a:p>
+        </p:txBody>
+      </p:sp>
+      <p:sp>
+        <p:nvSpPr>
+          <p:cNvPr id="8" name="내용 개체 틀 7">
+            <a:extLst>
+              <a:ext uri="{FF2B5EF4-FFF2-40B4-BE49-F238E27FC236}">
+                <a16:creationId xmlns:a16="http://schemas.microsoft.com/office/drawing/2014/main" id="{1A65B300-7D1B-4BA4-B6DA-545A34321AA0}"/>
+              </a:ext>
+            </a:extLst>
+          </p:cNvPr>
+          <p:cNvSpPr>
+            <a:spLocks noGrp="1"/>
+          </p:cNvSpPr>
+          <p:nvPr>
+            <p:ph sz="half" idx="2"/>
+          </p:nvPr>
+        </p:nvSpPr>
+        <p:spPr/>
+        <p:txBody>
+          <a:bodyPr/>
+          <a:lstStyle/>
+          <a:p>
+            <a:r>
+              <a:rPr lang="en-US" altLang="ko-KR" dirty="0"/>
+              <a:t>4+1</a:t>
+            </a:r>
+            <a:r>
+              <a:rPr lang="ko-KR" altLang="en-US" dirty="0"/>
+              <a:t>뷰</a:t>
+            </a:r>
+            <a:endParaRPr lang="en-US" altLang="ko-KR" dirty="0"/>
+          </a:p>
+          <a:p>
+            <a:pPr lvl="1"/>
+            <a:r>
+              <a:rPr lang="en-US" altLang="ko-KR" dirty="0"/>
+              <a:t>Usecase View</a:t>
+            </a:r>
+          </a:p>
+          <a:p>
+            <a:pPr lvl="1"/>
+            <a:endParaRPr lang="en-US" altLang="ko-KR" dirty="0"/>
+          </a:p>
+          <a:p>
+            <a:pPr lvl="1"/>
+            <a:r>
+              <a:rPr lang="en-US" altLang="ko-KR" dirty="0"/>
+              <a:t>Logical View: </a:t>
+            </a:r>
+            <a:r>
+              <a:rPr lang="ko-KR" altLang="en-US" dirty="0"/>
+              <a:t>기능을 어떻게 제공할 지</a:t>
+            </a:r>
+            <a:endParaRPr lang="en-US" altLang="ko-KR" dirty="0"/>
+          </a:p>
+          <a:p>
+            <a:pPr lvl="1"/>
+            <a:r>
+              <a:rPr lang="en-US" altLang="ko-KR" dirty="0"/>
+              <a:t>Process View: </a:t>
+            </a:r>
+            <a:r>
+              <a:rPr lang="ko-KR" altLang="en-US" dirty="0"/>
+              <a:t>기능이 어떻게 실행되는지 </a:t>
+            </a:r>
+            <a:r>
+              <a:rPr lang="en-US" altLang="ko-KR" dirty="0"/>
+              <a:t>Process </a:t>
+            </a:r>
+            <a:r>
+              <a:rPr lang="ko-KR" altLang="en-US" dirty="0"/>
+              <a:t>집중</a:t>
+            </a:r>
+            <a:endParaRPr lang="en-US" altLang="ko-KR" dirty="0"/>
+          </a:p>
+          <a:p>
+            <a:pPr lvl="1"/>
+            <a:r>
+              <a:rPr lang="en-US" altLang="ko-KR" dirty="0"/>
+              <a:t>Implementation View: </a:t>
+            </a:r>
+            <a:r>
+              <a:rPr lang="ko-KR" altLang="en-US" dirty="0"/>
+              <a:t>진짜 개발이 어떻게 되는지</a:t>
+            </a:r>
+            <a:endParaRPr lang="en-US" altLang="ko-KR" dirty="0"/>
+          </a:p>
+          <a:p>
+            <a:pPr lvl="1"/>
+            <a:r>
+              <a:rPr lang="en-US" altLang="ko-KR" dirty="0"/>
+              <a:t>Deployment View: </a:t>
+            </a:r>
+            <a:r>
+              <a:rPr lang="ko-KR" altLang="en-US" dirty="0"/>
+              <a:t>시스템이</a:t>
+            </a:r>
+            <a:r>
+              <a:rPr lang="en-US" altLang="ko-KR" dirty="0"/>
+              <a:t> HW</a:t>
+            </a:r>
+            <a:r>
+              <a:rPr lang="ko-KR" altLang="en-US" dirty="0"/>
+              <a:t>어떻게 올라가는지</a:t>
+            </a:r>
+            <a:endParaRPr lang="en-US" altLang="ko-KR" dirty="0"/>
+          </a:p>
+          <a:p>
+            <a:r>
+              <a:rPr lang="ko-KR" altLang="en-US" dirty="0"/>
+              <a:t>비용 평가 모델</a:t>
+            </a:r>
+            <a:endParaRPr lang="en-US" altLang="ko-KR" dirty="0"/>
+          </a:p>
+          <a:p>
+            <a:pPr lvl="1"/>
+            <a:r>
+              <a:rPr lang="en-US" altLang="ko-KR" dirty="0"/>
+              <a:t>SAAM (SW Architecture Analysis Method)</a:t>
+            </a:r>
+          </a:p>
+          <a:p>
+            <a:pPr lvl="2"/>
+            <a:r>
+              <a:rPr lang="ko-KR" altLang="en-US" dirty="0"/>
+              <a:t>변경 용이성과 기능성에 집중</a:t>
+            </a:r>
+            <a:endParaRPr lang="en-US" altLang="ko-KR" dirty="0"/>
+          </a:p>
+          <a:p>
+            <a:pPr lvl="2"/>
+            <a:r>
+              <a:rPr lang="ko-KR" altLang="en-US" dirty="0"/>
+              <a:t>평가 용이 경험이 없어도 사용 가능</a:t>
+            </a:r>
+            <a:endParaRPr lang="en-US" altLang="ko-KR" dirty="0"/>
+          </a:p>
+          <a:p>
+            <a:pPr lvl="1"/>
+            <a:r>
+              <a:rPr lang="en-US" altLang="ko-KR" dirty="0"/>
+              <a:t>ATAM (Architecture Trade-off Analysis Method)</a:t>
+            </a:r>
+          </a:p>
+          <a:p>
+            <a:pPr lvl="2"/>
+            <a:r>
+              <a:rPr lang="ko-KR" altLang="en-US" dirty="0"/>
+              <a:t>아키텍처 품질 속성을 만족하는지 판단</a:t>
+            </a:r>
+            <a:endParaRPr lang="en-US" altLang="ko-KR" dirty="0"/>
+          </a:p>
+          <a:p>
+            <a:pPr lvl="1"/>
+            <a:r>
+              <a:rPr lang="en-US" altLang="ko-KR" dirty="0"/>
+              <a:t>CBAM (Cost Benefit Analysis Method)</a:t>
+            </a:r>
+          </a:p>
+          <a:p>
+            <a:pPr lvl="2"/>
+            <a:r>
+              <a:rPr lang="en-US" altLang="ko-KR" dirty="0"/>
+              <a:t>ATAM </a:t>
+            </a:r>
+            <a:r>
+              <a:rPr lang="ko-KR" altLang="en-US" dirty="0"/>
+              <a:t>바탕으로 경제적 요구를 충족하는지 평가</a:t>
+            </a:r>
+            <a:endParaRPr lang="en-US" altLang="ko-KR" dirty="0"/>
+          </a:p>
+          <a:p>
+            <a:pPr lvl="1"/>
+            <a:r>
+              <a:rPr lang="en-US" altLang="ko-KR" dirty="0"/>
+              <a:t>ADR (Active Design Review)</a:t>
+            </a:r>
+          </a:p>
+          <a:p>
+            <a:pPr lvl="2"/>
+            <a:r>
+              <a:rPr lang="en-US" altLang="ko-KR" dirty="0"/>
+              <a:t>SW</a:t>
+            </a:r>
+            <a:r>
+              <a:rPr lang="ko-KR" altLang="en-US" dirty="0"/>
+              <a:t> </a:t>
+            </a:r>
+            <a:r>
+              <a:rPr lang="en-US" altLang="ko-KR" dirty="0"/>
+              <a:t>Architecture </a:t>
+            </a:r>
+            <a:r>
+              <a:rPr lang="ko-KR" altLang="en-US" dirty="0"/>
+              <a:t>구성요소 간 응집도를 평가</a:t>
+            </a:r>
+            <a:endParaRPr lang="en-US" altLang="ko-KR" dirty="0"/>
+          </a:p>
+          <a:p>
+            <a:pPr lvl="1"/>
+            <a:r>
+              <a:rPr lang="en-US" altLang="ko-KR" dirty="0"/>
+              <a:t>ARID (Active Reviews for Intermediate Design)</a:t>
+            </a:r>
+          </a:p>
+          <a:p>
+            <a:pPr lvl="2"/>
+            <a:r>
+              <a:rPr lang="ko-KR" altLang="en-US" dirty="0"/>
+              <a:t>특정 부분의 품질요소에 집중하는 평가</a:t>
+            </a:r>
+            <a:endParaRPr lang="en-US" altLang="ko-KR" dirty="0"/>
+          </a:p>
+          <a:p>
+            <a:pPr marL="239400" lvl="1" indent="0">
+              <a:buNone/>
+            </a:pPr>
+            <a:endParaRPr lang="ko-KR" altLang="en-US" dirty="0"/>
+          </a:p>
+        </p:txBody>
+      </p:sp>
+      <p:sp>
+        <p:nvSpPr>
+          <p:cNvPr id="4" name="슬라이드 번호 개체 틀 3">
+            <a:extLst>
+              <a:ext uri="{FF2B5EF4-FFF2-40B4-BE49-F238E27FC236}">
+                <a16:creationId xmlns:a16="http://schemas.microsoft.com/office/drawing/2014/main" id="{D34C8FA5-72DD-40B1-82A2-FFB05C72B5EB}"/>
+              </a:ext>
+            </a:extLst>
+          </p:cNvPr>
+          <p:cNvSpPr>
+            <a:spLocks noGrp="1"/>
+          </p:cNvSpPr>
+          <p:nvPr>
+            <p:ph type="sldNum" sz="quarter" idx="12"/>
+          </p:nvPr>
+        </p:nvSpPr>
+        <p:spPr/>
+        <p:txBody>
+          <a:bodyPr/>
+          <a:lstStyle/>
+          <a:p>
+            <a:fld id="{89BED30C-66D9-4104-96BC-081A506F0CF0}" type="slidenum">
+              <a:rPr lang="ko-KR" altLang="en-US" smtClean="0"/>
+              <a:t>29</a:t>
+            </a:fld>
+            <a:endParaRPr lang="ko-KR" altLang="en-US"/>
+          </a:p>
+        </p:txBody>
+      </p:sp>
+      <p:sp>
+        <p:nvSpPr>
+          <p:cNvPr id="5" name="바닥글 개체 틀 4">
+            <a:extLst>
+              <a:ext uri="{FF2B5EF4-FFF2-40B4-BE49-F238E27FC236}">
+                <a16:creationId xmlns:a16="http://schemas.microsoft.com/office/drawing/2014/main" id="{C67586BE-E1E6-49E5-8C03-410290DCC008}"/>
+              </a:ext>
+            </a:extLst>
+          </p:cNvPr>
+          <p:cNvSpPr>
+            <a:spLocks noGrp="1"/>
+          </p:cNvSpPr>
+          <p:nvPr>
+            <p:ph type="ftr" sz="quarter" idx="3"/>
+          </p:nvPr>
+        </p:nvSpPr>
+        <p:spPr/>
+        <p:txBody>
+          <a:bodyPr/>
+          <a:lstStyle/>
+          <a:p>
+            <a:pPr algn="l"/>
+            <a:r>
+              <a:rPr lang="en-US" altLang="ko-KR"/>
+              <a:t>Nibble</a:t>
+            </a:r>
+            <a:endParaRPr lang="ko-KR" altLang="en-US" dirty="0"/>
+          </a:p>
+        </p:txBody>
+      </p:sp>
+      <p:sp>
+        <p:nvSpPr>
+          <p:cNvPr id="6" name="날짜 개체 틀 5">
+            <a:extLst>
+              <a:ext uri="{FF2B5EF4-FFF2-40B4-BE49-F238E27FC236}">
+                <a16:creationId xmlns:a16="http://schemas.microsoft.com/office/drawing/2014/main" id="{140F7D61-B7DF-4DAF-9FC4-4D6E3C23F672}"/>
+              </a:ext>
+            </a:extLst>
+          </p:cNvPr>
+          <p:cNvSpPr>
+            <a:spLocks noGrp="1"/>
+          </p:cNvSpPr>
+          <p:nvPr>
+            <p:ph type="dt" sz="half" idx="13"/>
+          </p:nvPr>
+        </p:nvSpPr>
+        <p:spPr/>
+        <p:txBody>
+          <a:bodyPr/>
+          <a:lstStyle/>
+          <a:p>
+            <a:fld id="{B226B4E6-2447-4D67-A511-B13A2182F919}" type="datetime5">
+              <a:rPr lang="ko-KR" altLang="en-US" smtClean="0"/>
+              <a:t>2021/7/28</a:t>
+            </a:fld>
+            <a:endParaRPr lang="ko-KR" altLang="en-US" dirty="0"/>
+          </a:p>
+        </p:txBody>
+      </p:sp>
+    </p:spTree>
+    <p:extLst>
+      <p:ext uri="{BB962C8B-B14F-4D97-AF65-F5344CB8AC3E}">
+        <p14:creationId xmlns:p14="http://schemas.microsoft.com/office/powerpoint/2010/main" val="909840703"/>
       </p:ext>
     </p:extLst>
   </p:cSld>
@@ -12769,9 +15030,12 @@
           <a:p>
             <a:r>
               <a:rPr lang="en-US" altLang="ko-KR" dirty="0"/>
-              <a:t>Agenda</a:t>
-            </a:r>
-            <a:endParaRPr lang="ko-KR" altLang="en-US" dirty="0"/>
+              <a:t>1. </a:t>
+            </a:r>
+            <a:r>
+              <a:rPr lang="ko-KR" altLang="en-US" dirty="0"/>
+              <a:t>소프트웨어 설계</a:t>
+            </a:r>
           </a:p>
         </p:txBody>
       </p:sp>
@@ -12823,6 +15087,29 @@
             <a:r>
               <a:rPr lang="ko-KR" altLang="en-US" dirty="0"/>
               <a:t>설계</a:t>
+            </a:r>
+            <a:endParaRPr lang="en-US" altLang="ko-KR" dirty="0"/>
+          </a:p>
+          <a:p>
+            <a:r>
+              <a:rPr lang="ko-KR" altLang="en-US" dirty="0"/>
+              <a:t>애플리케이션 설계</a:t>
+            </a:r>
+            <a:endParaRPr lang="en-US" altLang="ko-KR" dirty="0"/>
+          </a:p>
+          <a:p>
+            <a:pPr lvl="1"/>
+            <a:r>
+              <a:rPr lang="ko-KR" altLang="en-US" dirty="0"/>
+              <a:t>공통 모듈 설계</a:t>
+            </a:r>
+            <a:endParaRPr lang="en-US" altLang="ko-KR" dirty="0"/>
+          </a:p>
+          <a:p>
+            <a:pPr lvl="1"/>
+            <a:r>
+              <a:rPr lang="ko-KR" altLang="en-US" dirty="0"/>
+              <a:t>객체지향 설계</a:t>
             </a:r>
           </a:p>
         </p:txBody>
@@ -12909,7 +15196,7 @@
           <a:p>
             <a:fld id="{B226B4E6-2447-4D67-A511-B13A2182F919}" type="datetime5">
               <a:rPr lang="ko-KR" altLang="en-US" smtClean="0"/>
-              <a:t>2021/7/27</a:t>
+              <a:t>2021/7/28</a:t>
             </a:fld>
             <a:endParaRPr lang="ko-KR" altLang="en-US" dirty="0"/>
           </a:p>
@@ -12919,6 +15206,2280 @@
     <p:extLst>
       <p:ext uri="{BB962C8B-B14F-4D97-AF65-F5344CB8AC3E}">
         <p14:creationId xmlns:p14="http://schemas.microsoft.com/office/powerpoint/2010/main" val="3523267945"/>
+      </p:ext>
+    </p:extLst>
+  </p:cSld>
+  <p:clrMapOvr>
+    <a:masterClrMapping/>
+  </p:clrMapOvr>
+</p:sld>
+</file>
+
+<file path=ppt/slides/slide30.xml><?xml version="1.0" encoding="utf-8"?>
+<p:sld xmlns:a="http://schemas.openxmlformats.org/drawingml/2006/main" xmlns:r="http://schemas.openxmlformats.org/officeDocument/2006/relationships" xmlns:p="http://schemas.openxmlformats.org/presentationml/2006/main">
+  <p:cSld>
+    <p:spTree>
+      <p:nvGrpSpPr>
+        <p:cNvPr id="1" name=""/>
+        <p:cNvGrpSpPr/>
+        <p:nvPr/>
+      </p:nvGrpSpPr>
+      <p:grpSpPr>
+        <a:xfrm>
+          <a:off x="0" y="0"/>
+          <a:ext cx="0" cy="0"/>
+          <a:chOff x="0" y="0"/>
+          <a:chExt cx="0" cy="0"/>
+        </a:xfrm>
+      </p:grpSpPr>
+      <p:sp>
+        <p:nvSpPr>
+          <p:cNvPr id="2" name="내용 개체 틀 1">
+            <a:extLst>
+              <a:ext uri="{FF2B5EF4-FFF2-40B4-BE49-F238E27FC236}">
+                <a16:creationId xmlns:a16="http://schemas.microsoft.com/office/drawing/2014/main" id="{CA6964A5-00B0-45F6-8AF2-61AB405F575D}"/>
+              </a:ext>
+            </a:extLst>
+          </p:cNvPr>
+          <p:cNvSpPr>
+            <a:spLocks noGrp="1"/>
+          </p:cNvSpPr>
+          <p:nvPr>
+            <p:ph sz="half" idx="14"/>
+          </p:nvPr>
+        </p:nvSpPr>
+        <p:spPr/>
+        <p:txBody>
+          <a:bodyPr/>
+          <a:lstStyle/>
+          <a:p>
+            <a:r>
+              <a:rPr lang="ko-KR" altLang="en-US" dirty="0"/>
+              <a:t>소프트웨어</a:t>
+            </a:r>
+            <a:r>
+              <a:rPr lang="en-US" altLang="ko-KR" dirty="0"/>
+              <a:t> </a:t>
+            </a:r>
+            <a:r>
+              <a:rPr lang="ko-KR" altLang="en-US" dirty="0"/>
+              <a:t>아키텍처 패턴 </a:t>
+            </a:r>
+            <a:r>
+              <a:rPr lang="en-US" altLang="ko-KR" dirty="0"/>
+              <a:t>(</a:t>
+            </a:r>
+            <a:r>
+              <a:rPr lang="ko-KR" altLang="en-US" dirty="0">
+                <a:hlinkClick r:id="rId2"/>
+              </a:rPr>
+              <a:t>참고</a:t>
+            </a:r>
+            <a:r>
+              <a:rPr lang="en-US" altLang="ko-KR" dirty="0"/>
+              <a:t>)</a:t>
+            </a:r>
+          </a:p>
+          <a:p>
+            <a:pPr lvl="1"/>
+            <a:r>
+              <a:rPr lang="ko-KR" altLang="en-US" dirty="0"/>
+              <a:t>정의</a:t>
+            </a:r>
+            <a:r>
+              <a:rPr lang="en-US" altLang="ko-KR" dirty="0"/>
+              <a:t>: </a:t>
+            </a:r>
+            <a:r>
+              <a:rPr lang="ko-KR" altLang="en-US" dirty="0"/>
+              <a:t>문제해결에 참조할 수 있는 전형적 방식</a:t>
+            </a:r>
+            <a:endParaRPr lang="en-US" altLang="ko-KR" dirty="0"/>
+          </a:p>
+          <a:p>
+            <a:pPr lvl="1"/>
+            <a:r>
+              <a:rPr lang="ko-KR" altLang="en-US" dirty="0"/>
+              <a:t>유형</a:t>
+            </a:r>
+            <a:endParaRPr lang="en-US" altLang="ko-KR" dirty="0"/>
+          </a:p>
+          <a:p>
+            <a:pPr lvl="2"/>
+            <a:r>
+              <a:rPr lang="ko-KR" altLang="en-US" dirty="0"/>
+              <a:t>계층화 패턴 </a:t>
+            </a:r>
+            <a:r>
+              <a:rPr lang="en-US" altLang="ko-KR" dirty="0"/>
+              <a:t>(Layered Pattern)</a:t>
+            </a:r>
+          </a:p>
+          <a:p>
+            <a:pPr lvl="3"/>
+            <a:r>
+              <a:rPr lang="ko-KR" altLang="en-US" dirty="0"/>
+              <a:t>추상화 시켜 여러 계층을 만드는 것</a:t>
+            </a:r>
+            <a:endParaRPr lang="en-US" altLang="ko-KR" dirty="0"/>
+          </a:p>
+          <a:p>
+            <a:pPr lvl="2"/>
+            <a:r>
+              <a:rPr lang="ko-KR" altLang="en-US" dirty="0"/>
+              <a:t>클라이언트</a:t>
+            </a:r>
+            <a:r>
+              <a:rPr lang="en-US" altLang="ko-KR" dirty="0"/>
+              <a:t>-</a:t>
+            </a:r>
+            <a:r>
+              <a:rPr lang="ko-KR" altLang="en-US" dirty="0"/>
+              <a:t>서버 패턴 </a:t>
+            </a:r>
+            <a:r>
+              <a:rPr lang="en-US" altLang="ko-KR" dirty="0"/>
+              <a:t>(Client-Server Pattern)</a:t>
+            </a:r>
+          </a:p>
+          <a:p>
+            <a:pPr lvl="3"/>
+            <a:r>
+              <a:rPr lang="ko-KR" altLang="en-US" dirty="0"/>
+              <a:t>클라이언트를 통해 서비스 요청</a:t>
+            </a:r>
+            <a:endParaRPr lang="en-US" altLang="ko-KR" dirty="0"/>
+          </a:p>
+          <a:p>
+            <a:pPr lvl="3"/>
+            <a:r>
+              <a:rPr lang="ko-KR" altLang="en-US" dirty="0"/>
+              <a:t>서버는 클라이언트를 통해 서비스 전달</a:t>
+            </a:r>
+            <a:endParaRPr lang="en-US" altLang="ko-KR" dirty="0"/>
+          </a:p>
+          <a:p>
+            <a:pPr lvl="2"/>
+            <a:r>
+              <a:rPr lang="ko-KR" altLang="en-US" dirty="0"/>
+              <a:t>파이프</a:t>
+            </a:r>
+            <a:r>
+              <a:rPr lang="en-US" altLang="ko-KR" dirty="0"/>
+              <a:t>-</a:t>
+            </a:r>
+            <a:r>
+              <a:rPr lang="ko-KR" altLang="en-US" dirty="0"/>
+              <a:t>필터 패턴 </a:t>
+            </a:r>
+            <a:r>
+              <a:rPr lang="en-US" altLang="ko-KR" dirty="0"/>
+              <a:t>(Pipe-Filter Pattern)</a:t>
+            </a:r>
+          </a:p>
+          <a:p>
+            <a:pPr lvl="3"/>
+            <a:r>
+              <a:rPr lang="ko-KR" altLang="en-US" dirty="0"/>
+              <a:t>데이터를 받고 다음으로 넘기는 것을 반복</a:t>
+            </a:r>
+            <a:endParaRPr lang="en-US" altLang="ko-KR" dirty="0"/>
+          </a:p>
+          <a:p>
+            <a:pPr lvl="2"/>
+            <a:r>
+              <a:rPr lang="ko-KR" altLang="en-US" dirty="0"/>
+              <a:t>브로커 패턴 </a:t>
+            </a:r>
+            <a:r>
+              <a:rPr lang="en-US" altLang="ko-KR" dirty="0"/>
+              <a:t>(Broker Pattern)</a:t>
+            </a:r>
+          </a:p>
+          <a:p>
+            <a:pPr lvl="3"/>
+            <a:r>
+              <a:rPr lang="ko-KR" altLang="en-US" dirty="0"/>
+              <a:t>컴포넌트 간에 브로커를 두어 통신을 조정</a:t>
+            </a:r>
+            <a:endParaRPr lang="en-US" altLang="ko-KR" dirty="0"/>
+          </a:p>
+          <a:p>
+            <a:pPr lvl="2"/>
+            <a:r>
+              <a:rPr lang="ko-KR" altLang="en-US" dirty="0"/>
+              <a:t>모델</a:t>
+            </a:r>
+            <a:r>
+              <a:rPr lang="en-US" altLang="ko-KR" dirty="0"/>
+              <a:t>-</a:t>
+            </a:r>
+            <a:r>
+              <a:rPr lang="ko-KR" altLang="en-US" dirty="0"/>
+              <a:t>뷰</a:t>
+            </a:r>
+            <a:r>
+              <a:rPr lang="en-US" altLang="ko-KR" dirty="0"/>
+              <a:t>-</a:t>
+            </a:r>
+            <a:r>
+              <a:rPr lang="ko-KR" altLang="en-US" dirty="0"/>
+              <a:t>컨트롤러 패턴 </a:t>
+            </a:r>
+            <a:r>
+              <a:rPr lang="en-US" altLang="ko-KR" dirty="0"/>
+              <a:t>(MVC Pattern)</a:t>
+            </a:r>
+          </a:p>
+          <a:p>
+            <a:pPr lvl="3"/>
+            <a:r>
+              <a:rPr lang="ko-KR" altLang="en-US" dirty="0"/>
+              <a:t>시스템을</a:t>
+            </a:r>
+            <a:r>
+              <a:rPr lang="en-US" altLang="ko-KR" dirty="0"/>
+              <a:t> 3</a:t>
+            </a:r>
+            <a:r>
+              <a:rPr lang="ko-KR" altLang="en-US" dirty="0"/>
+              <a:t>개의 서브시스템으로 구조화</a:t>
+            </a:r>
+            <a:endParaRPr lang="en-US" altLang="ko-KR" dirty="0"/>
+          </a:p>
+          <a:p>
+            <a:pPr lvl="3"/>
+            <a:r>
+              <a:rPr lang="en-US" altLang="ko-KR" dirty="0"/>
+              <a:t>M: </a:t>
+            </a:r>
+            <a:r>
+              <a:rPr lang="ko-KR" altLang="en-US" dirty="0"/>
+              <a:t>데이터 보관</a:t>
+            </a:r>
+            <a:endParaRPr lang="en-US" altLang="ko-KR" dirty="0"/>
+          </a:p>
+          <a:p>
+            <a:pPr lvl="3"/>
+            <a:r>
+              <a:rPr lang="en-US" altLang="ko-KR" dirty="0"/>
+              <a:t>V: </a:t>
+            </a:r>
+            <a:r>
+              <a:rPr lang="ko-KR" altLang="en-US" dirty="0"/>
+              <a:t>사용자에게 정보 표시</a:t>
+            </a:r>
+            <a:endParaRPr lang="en-US" altLang="ko-KR" dirty="0"/>
+          </a:p>
+          <a:p>
+            <a:pPr lvl="3"/>
+            <a:r>
+              <a:rPr lang="en-US" altLang="ko-KR" dirty="0"/>
+              <a:t>C: </a:t>
+            </a:r>
+            <a:r>
+              <a:rPr lang="ko-KR" altLang="en-US" dirty="0"/>
+              <a:t>사용자의 요청 처리</a:t>
+            </a:r>
+          </a:p>
+        </p:txBody>
+      </p:sp>
+      <p:sp>
+        <p:nvSpPr>
+          <p:cNvPr id="3" name="내용 개체 틀 2">
+            <a:extLst>
+              <a:ext uri="{FF2B5EF4-FFF2-40B4-BE49-F238E27FC236}">
+                <a16:creationId xmlns:a16="http://schemas.microsoft.com/office/drawing/2014/main" id="{18DEB2AE-E4E6-44C2-B3F8-43DDECADF985}"/>
+              </a:ext>
+            </a:extLst>
+          </p:cNvPr>
+          <p:cNvSpPr>
+            <a:spLocks noGrp="1"/>
+          </p:cNvSpPr>
+          <p:nvPr>
+            <p:ph sz="half" idx="2"/>
+          </p:nvPr>
+        </p:nvSpPr>
+        <p:spPr/>
+        <p:txBody>
+          <a:bodyPr/>
+          <a:lstStyle/>
+          <a:p>
+            <a:endParaRPr lang="ko-KR" altLang="en-US" dirty="0"/>
+          </a:p>
+        </p:txBody>
+      </p:sp>
+      <p:sp>
+        <p:nvSpPr>
+          <p:cNvPr id="4" name="슬라이드 번호 개체 틀 3">
+            <a:extLst>
+              <a:ext uri="{FF2B5EF4-FFF2-40B4-BE49-F238E27FC236}">
+                <a16:creationId xmlns:a16="http://schemas.microsoft.com/office/drawing/2014/main" id="{EA9D872D-3311-4663-9E99-777F50CA86F2}"/>
+              </a:ext>
+            </a:extLst>
+          </p:cNvPr>
+          <p:cNvSpPr>
+            <a:spLocks noGrp="1"/>
+          </p:cNvSpPr>
+          <p:nvPr>
+            <p:ph type="sldNum" sz="quarter" idx="12"/>
+          </p:nvPr>
+        </p:nvSpPr>
+        <p:spPr/>
+        <p:txBody>
+          <a:bodyPr/>
+          <a:lstStyle/>
+          <a:p>
+            <a:fld id="{89BED30C-66D9-4104-96BC-081A506F0CF0}" type="slidenum">
+              <a:rPr lang="ko-KR" altLang="en-US" smtClean="0"/>
+              <a:t>30</a:t>
+            </a:fld>
+            <a:endParaRPr lang="ko-KR" altLang="en-US"/>
+          </a:p>
+        </p:txBody>
+      </p:sp>
+      <p:sp>
+        <p:nvSpPr>
+          <p:cNvPr id="5" name="바닥글 개체 틀 4">
+            <a:extLst>
+              <a:ext uri="{FF2B5EF4-FFF2-40B4-BE49-F238E27FC236}">
+                <a16:creationId xmlns:a16="http://schemas.microsoft.com/office/drawing/2014/main" id="{96A8BD21-489D-400D-AF66-082C66B07FA3}"/>
+              </a:ext>
+            </a:extLst>
+          </p:cNvPr>
+          <p:cNvSpPr>
+            <a:spLocks noGrp="1"/>
+          </p:cNvSpPr>
+          <p:nvPr>
+            <p:ph type="ftr" sz="quarter" idx="3"/>
+          </p:nvPr>
+        </p:nvSpPr>
+        <p:spPr/>
+        <p:txBody>
+          <a:bodyPr/>
+          <a:lstStyle/>
+          <a:p>
+            <a:pPr algn="l"/>
+            <a:r>
+              <a:rPr lang="en-US" altLang="ko-KR"/>
+              <a:t>Nibble</a:t>
+            </a:r>
+            <a:endParaRPr lang="ko-KR" altLang="en-US" dirty="0"/>
+          </a:p>
+        </p:txBody>
+      </p:sp>
+      <p:sp>
+        <p:nvSpPr>
+          <p:cNvPr id="6" name="날짜 개체 틀 5">
+            <a:extLst>
+              <a:ext uri="{FF2B5EF4-FFF2-40B4-BE49-F238E27FC236}">
+                <a16:creationId xmlns:a16="http://schemas.microsoft.com/office/drawing/2014/main" id="{A486420C-7562-4CC1-9E27-F296495ED52D}"/>
+              </a:ext>
+            </a:extLst>
+          </p:cNvPr>
+          <p:cNvSpPr>
+            <a:spLocks noGrp="1"/>
+          </p:cNvSpPr>
+          <p:nvPr>
+            <p:ph type="dt" sz="half" idx="13"/>
+          </p:nvPr>
+        </p:nvSpPr>
+        <p:spPr/>
+        <p:txBody>
+          <a:bodyPr/>
+          <a:lstStyle/>
+          <a:p>
+            <a:fld id="{B226B4E6-2447-4D67-A511-B13A2182F919}" type="datetime5">
+              <a:rPr lang="ko-KR" altLang="en-US" smtClean="0"/>
+              <a:t>2021/7/28</a:t>
+            </a:fld>
+            <a:endParaRPr lang="ko-KR" altLang="en-US" dirty="0"/>
+          </a:p>
+        </p:txBody>
+      </p:sp>
+    </p:spTree>
+    <p:extLst>
+      <p:ext uri="{BB962C8B-B14F-4D97-AF65-F5344CB8AC3E}">
+        <p14:creationId xmlns:p14="http://schemas.microsoft.com/office/powerpoint/2010/main" val="242790154"/>
+      </p:ext>
+    </p:extLst>
+  </p:cSld>
+  <p:clrMapOvr>
+    <a:masterClrMapping/>
+  </p:clrMapOvr>
+</p:sld>
+</file>
+
+<file path=ppt/slides/slide31.xml><?xml version="1.0" encoding="utf-8"?>
+<p:sld xmlns:a="http://schemas.openxmlformats.org/drawingml/2006/main" xmlns:r="http://schemas.openxmlformats.org/officeDocument/2006/relationships" xmlns:p="http://schemas.openxmlformats.org/presentationml/2006/main">
+  <p:cSld>
+    <p:spTree>
+      <p:nvGrpSpPr>
+        <p:cNvPr id="1" name=""/>
+        <p:cNvGrpSpPr/>
+        <p:nvPr/>
+      </p:nvGrpSpPr>
+      <p:grpSpPr>
+        <a:xfrm>
+          <a:off x="0" y="0"/>
+          <a:ext cx="0" cy="0"/>
+          <a:chOff x="0" y="0"/>
+          <a:chExt cx="0" cy="0"/>
+        </a:xfrm>
+      </p:grpSpPr>
+      <p:sp>
+        <p:nvSpPr>
+          <p:cNvPr id="9" name="내용 개체 틀 8">
+            <a:extLst>
+              <a:ext uri="{FF2B5EF4-FFF2-40B4-BE49-F238E27FC236}">
+                <a16:creationId xmlns:a16="http://schemas.microsoft.com/office/drawing/2014/main" id="{80DA338F-559B-480F-BF79-75F9C17CA5D4}"/>
+              </a:ext>
+            </a:extLst>
+          </p:cNvPr>
+          <p:cNvSpPr>
+            <a:spLocks noGrp="1"/>
+          </p:cNvSpPr>
+          <p:nvPr>
+            <p:ph sz="half" idx="14"/>
+          </p:nvPr>
+        </p:nvSpPr>
+        <p:spPr/>
+        <p:txBody>
+          <a:bodyPr>
+            <a:normAutofit/>
+          </a:bodyPr>
+          <a:lstStyle/>
+          <a:p>
+            <a:r>
+              <a:rPr lang="ko-KR" altLang="en-US" dirty="0"/>
+              <a:t>객체지향</a:t>
+            </a:r>
+            <a:endParaRPr lang="en-US" altLang="ko-KR" dirty="0"/>
+          </a:p>
+          <a:p>
+            <a:pPr lvl="1"/>
+            <a:r>
+              <a:rPr lang="ko-KR" altLang="en-US" dirty="0"/>
+              <a:t>정의</a:t>
+            </a:r>
+            <a:r>
+              <a:rPr lang="en-US" altLang="ko-KR" dirty="0"/>
+              <a:t>: </a:t>
+            </a:r>
+            <a:r>
+              <a:rPr lang="ko-KR" altLang="en-US" dirty="0"/>
+              <a:t>실체를</a:t>
+            </a:r>
+            <a:r>
+              <a:rPr lang="en-US" altLang="ko-KR" dirty="0"/>
+              <a:t> </a:t>
+            </a:r>
+            <a:r>
+              <a:rPr lang="ko-KR" altLang="en-US" dirty="0"/>
+              <a:t>속성</a:t>
+            </a:r>
+            <a:r>
+              <a:rPr lang="en-US" altLang="ko-KR" dirty="0"/>
+              <a:t>+</a:t>
+            </a:r>
+            <a:r>
+              <a:rPr lang="ko-KR" altLang="en-US" dirty="0"/>
+              <a:t>메소드로 표현하는 방법</a:t>
+            </a:r>
+            <a:endParaRPr lang="en-US" altLang="ko-KR" dirty="0"/>
+          </a:p>
+          <a:p>
+            <a:pPr lvl="1"/>
+            <a:r>
+              <a:rPr lang="ko-KR" altLang="en-US" dirty="0"/>
+              <a:t>구성요소</a:t>
+            </a:r>
+            <a:endParaRPr lang="en-US" altLang="ko-KR" dirty="0"/>
+          </a:p>
+          <a:p>
+            <a:pPr lvl="2"/>
+            <a:r>
+              <a:rPr lang="en-US" altLang="ko-KR" dirty="0"/>
+              <a:t>Class: </a:t>
+            </a:r>
+            <a:r>
+              <a:rPr lang="ko-KR" altLang="en-US" dirty="0"/>
+              <a:t>데이터를 추상화 하는 단위</a:t>
+            </a:r>
+            <a:endParaRPr lang="en-US" altLang="ko-KR" dirty="0"/>
+          </a:p>
+          <a:p>
+            <a:pPr lvl="3"/>
+            <a:r>
+              <a:rPr lang="ko-KR" altLang="en-US" dirty="0"/>
+              <a:t>하나 이상의 유사 객체를 묶어 공통 특성을 표현</a:t>
+            </a:r>
+            <a:endParaRPr lang="en-US" altLang="ko-KR" dirty="0"/>
+          </a:p>
+          <a:p>
+            <a:pPr lvl="4"/>
+            <a:r>
+              <a:rPr lang="en-US" altLang="ko-KR" dirty="0"/>
+              <a:t>Type of Object</a:t>
+            </a:r>
+          </a:p>
+          <a:p>
+            <a:pPr lvl="2"/>
+            <a:r>
+              <a:rPr lang="en-US" altLang="ko-KR" dirty="0"/>
+              <a:t>Object: Memory</a:t>
+            </a:r>
+            <a:r>
+              <a:rPr lang="ko-KR" altLang="en-US" dirty="0"/>
+              <a:t>에 올라간 </a:t>
+            </a:r>
+            <a:r>
+              <a:rPr lang="en-US" altLang="ko-KR" dirty="0"/>
+              <a:t>Class</a:t>
+            </a:r>
+          </a:p>
+          <a:p>
+            <a:pPr lvl="2"/>
+            <a:r>
+              <a:rPr lang="en-US" altLang="ko-KR" dirty="0"/>
+              <a:t>Method: </a:t>
+            </a:r>
+            <a:r>
+              <a:rPr lang="ko-KR" altLang="en-US" dirty="0"/>
+              <a:t>객체를 사용하는 방법</a:t>
+            </a:r>
+            <a:endParaRPr lang="en-US" altLang="ko-KR" dirty="0"/>
+          </a:p>
+          <a:p>
+            <a:pPr lvl="2"/>
+            <a:r>
+              <a:rPr lang="en-US" altLang="ko-KR" dirty="0"/>
+              <a:t>Message: </a:t>
+            </a:r>
+            <a:r>
+              <a:rPr lang="ko-KR" altLang="en-US" dirty="0"/>
+              <a:t>객체간 상호작용을 위한 수단</a:t>
+            </a:r>
+            <a:endParaRPr lang="en-US" altLang="ko-KR" dirty="0"/>
+          </a:p>
+          <a:p>
+            <a:pPr lvl="2"/>
+            <a:r>
+              <a:rPr lang="en-US" altLang="ko-KR" dirty="0"/>
+              <a:t>Instance: </a:t>
+            </a:r>
+            <a:r>
+              <a:rPr lang="ko-KR" altLang="en-US" dirty="0"/>
+              <a:t>각각의 객체</a:t>
+            </a:r>
+            <a:endParaRPr lang="en-US" altLang="ko-KR" dirty="0"/>
+          </a:p>
+          <a:p>
+            <a:pPr lvl="2"/>
+            <a:r>
+              <a:rPr lang="en-US" altLang="ko-KR" dirty="0"/>
+              <a:t>Property: </a:t>
+            </a:r>
+            <a:r>
+              <a:rPr lang="ko-KR" altLang="en-US" dirty="0"/>
+              <a:t>객체가 가진 데이터 값</a:t>
+            </a:r>
+            <a:endParaRPr lang="en-US" altLang="ko-KR" dirty="0"/>
+          </a:p>
+        </p:txBody>
+      </p:sp>
+      <p:sp>
+        <p:nvSpPr>
+          <p:cNvPr id="7" name="제목 6">
+            <a:extLst>
+              <a:ext uri="{FF2B5EF4-FFF2-40B4-BE49-F238E27FC236}">
+                <a16:creationId xmlns:a16="http://schemas.microsoft.com/office/drawing/2014/main" id="{32E39909-FD7E-40F8-8FE5-09AC33CE2790}"/>
+              </a:ext>
+            </a:extLst>
+          </p:cNvPr>
+          <p:cNvSpPr>
+            <a:spLocks noGrp="1"/>
+          </p:cNvSpPr>
+          <p:nvPr>
+            <p:ph type="title"/>
+          </p:nvPr>
+        </p:nvSpPr>
+        <p:spPr/>
+        <p:txBody>
+          <a:bodyPr/>
+          <a:lstStyle/>
+          <a:p>
+            <a:r>
+              <a:rPr lang="ko-KR" altLang="en-US" dirty="0"/>
+              <a:t>객체지향</a:t>
+            </a:r>
+          </a:p>
+        </p:txBody>
+      </p:sp>
+      <p:sp>
+        <p:nvSpPr>
+          <p:cNvPr id="8" name="내용 개체 틀 7">
+            <a:extLst>
+              <a:ext uri="{FF2B5EF4-FFF2-40B4-BE49-F238E27FC236}">
+                <a16:creationId xmlns:a16="http://schemas.microsoft.com/office/drawing/2014/main" id="{537ECA88-A928-48EB-AB5E-3AD3F438182B}"/>
+              </a:ext>
+            </a:extLst>
+          </p:cNvPr>
+          <p:cNvSpPr>
+            <a:spLocks noGrp="1"/>
+          </p:cNvSpPr>
+          <p:nvPr>
+            <p:ph sz="half" idx="2"/>
+          </p:nvPr>
+        </p:nvSpPr>
+        <p:spPr/>
+        <p:txBody>
+          <a:bodyPr>
+            <a:normAutofit fontScale="70000" lnSpcReduction="20000"/>
+          </a:bodyPr>
+          <a:lstStyle/>
+          <a:p>
+            <a:pPr lvl="1"/>
+            <a:r>
+              <a:rPr lang="ko-KR" altLang="en-US" dirty="0"/>
+              <a:t>기법</a:t>
+            </a:r>
+            <a:endParaRPr lang="en-US" altLang="ko-KR" dirty="0"/>
+          </a:p>
+          <a:p>
+            <a:pPr lvl="2"/>
+            <a:r>
+              <a:rPr lang="ko-KR" altLang="en-US" dirty="0"/>
+              <a:t>캡슐화 </a:t>
+            </a:r>
+            <a:r>
+              <a:rPr lang="en-US" altLang="ko-KR" dirty="0"/>
+              <a:t>(Encapsulation)</a:t>
+            </a:r>
+          </a:p>
+          <a:p>
+            <a:pPr lvl="3"/>
+            <a:r>
+              <a:rPr lang="ko-KR" altLang="en-US" dirty="0"/>
+              <a:t>여러 함수를 한 묶음으로 처리하는 방법</a:t>
+            </a:r>
+            <a:endParaRPr lang="en-US" altLang="ko-KR" dirty="0"/>
+          </a:p>
+          <a:p>
+            <a:pPr lvl="2"/>
+            <a:r>
+              <a:rPr lang="ko-KR" altLang="en-US" dirty="0"/>
+              <a:t>상속 </a:t>
+            </a:r>
+            <a:r>
+              <a:rPr lang="en-US" altLang="ko-KR" dirty="0"/>
+              <a:t>(Inheritance)</a:t>
+            </a:r>
+          </a:p>
+          <a:p>
+            <a:pPr lvl="3"/>
+            <a:r>
+              <a:rPr lang="ko-KR" altLang="en-US" dirty="0"/>
+              <a:t>상위 </a:t>
+            </a:r>
+            <a:r>
+              <a:rPr lang="en-US" altLang="ko-KR" dirty="0"/>
+              <a:t>Class</a:t>
+            </a:r>
+            <a:r>
+              <a:rPr lang="ko-KR" altLang="en-US" dirty="0"/>
+              <a:t>를 물려받아 사용하는 방법</a:t>
+            </a:r>
+            <a:endParaRPr lang="en-US" altLang="ko-KR" dirty="0"/>
+          </a:p>
+          <a:p>
+            <a:pPr lvl="2"/>
+            <a:r>
+              <a:rPr lang="ko-KR" altLang="en-US" dirty="0"/>
+              <a:t>다형성</a:t>
+            </a:r>
+            <a:r>
+              <a:rPr lang="en-US" altLang="ko-KR" dirty="0"/>
+              <a:t> (Polymorphism)</a:t>
+            </a:r>
+          </a:p>
+          <a:p>
+            <a:pPr lvl="3"/>
+            <a:r>
+              <a:rPr lang="ko-KR" altLang="en-US" dirty="0"/>
+              <a:t>하나의 </a:t>
+            </a:r>
+            <a:r>
+              <a:rPr lang="en-US" altLang="ko-KR" dirty="0"/>
+              <a:t>Message</a:t>
+            </a:r>
+            <a:r>
+              <a:rPr lang="ko-KR" altLang="en-US" dirty="0"/>
+              <a:t>를 여러 방식으로 처리</a:t>
+            </a:r>
+            <a:endParaRPr lang="en-US" altLang="ko-KR" dirty="0"/>
+          </a:p>
+          <a:p>
+            <a:pPr lvl="2"/>
+            <a:r>
+              <a:rPr lang="ko-KR" altLang="en-US" dirty="0"/>
+              <a:t>추상화 </a:t>
+            </a:r>
+            <a:r>
+              <a:rPr lang="en-US" altLang="ko-KR" dirty="0"/>
+              <a:t>(Abstraction)</a:t>
+            </a:r>
+          </a:p>
+          <a:p>
+            <a:pPr lvl="3"/>
+            <a:r>
+              <a:rPr lang="ko-KR" altLang="en-US" dirty="0"/>
+              <a:t>공통 기능을 추출하여 추상 클래스 설정</a:t>
+            </a:r>
+            <a:endParaRPr lang="en-US" altLang="ko-KR" dirty="0"/>
+          </a:p>
+          <a:p>
+            <a:pPr lvl="2"/>
+            <a:r>
+              <a:rPr lang="ko-KR" altLang="en-US" dirty="0"/>
+              <a:t>정보은닉 </a:t>
+            </a:r>
+            <a:r>
+              <a:rPr lang="en-US" altLang="ko-KR" dirty="0"/>
+              <a:t>(Information Hiding)</a:t>
+            </a:r>
+          </a:p>
+          <a:p>
+            <a:pPr lvl="3"/>
+            <a:r>
+              <a:rPr lang="ko-KR" altLang="en-US" dirty="0"/>
+              <a:t>내부 데이터</a:t>
+            </a:r>
+            <a:r>
+              <a:rPr lang="en-US" altLang="ko-KR" dirty="0"/>
+              <a:t>, </a:t>
+            </a:r>
+            <a:r>
+              <a:rPr lang="ko-KR" altLang="en-US" dirty="0"/>
+              <a:t>메소드를 숨기고 인터페이스 노출</a:t>
+            </a:r>
+            <a:endParaRPr lang="en-US" altLang="ko-KR" dirty="0"/>
+          </a:p>
+          <a:p>
+            <a:pPr lvl="2"/>
+            <a:r>
+              <a:rPr lang="ko-KR" altLang="en-US" dirty="0"/>
+              <a:t>관계 </a:t>
+            </a:r>
+            <a:r>
+              <a:rPr lang="en-US" altLang="ko-KR" dirty="0"/>
+              <a:t>(Relationship)</a:t>
+            </a:r>
+          </a:p>
+          <a:p>
+            <a:pPr lvl="3"/>
+            <a:r>
+              <a:rPr lang="ko-KR" altLang="en-US" dirty="0"/>
+              <a:t>연관화</a:t>
+            </a:r>
+            <a:r>
+              <a:rPr lang="en-US" altLang="ko-KR" dirty="0"/>
+              <a:t>: Association</a:t>
+            </a:r>
+          </a:p>
+          <a:p>
+            <a:pPr lvl="3"/>
+            <a:r>
+              <a:rPr lang="ko-KR" altLang="en-US" dirty="0"/>
+              <a:t>집단화</a:t>
+            </a:r>
+            <a:r>
+              <a:rPr lang="en-US" altLang="ko-KR" dirty="0"/>
+              <a:t>: Aggregation</a:t>
+            </a:r>
+          </a:p>
+          <a:p>
+            <a:pPr lvl="3"/>
+            <a:r>
+              <a:rPr lang="ko-KR" altLang="en-US" dirty="0"/>
+              <a:t>분류화</a:t>
+            </a:r>
+            <a:r>
+              <a:rPr lang="en-US" altLang="ko-KR" dirty="0"/>
+              <a:t>: Realization</a:t>
+            </a:r>
+          </a:p>
+          <a:p>
+            <a:pPr lvl="3"/>
+            <a:r>
+              <a:rPr lang="ko-KR" altLang="en-US" dirty="0"/>
+              <a:t>일반화</a:t>
+            </a:r>
+            <a:r>
+              <a:rPr lang="en-US" altLang="ko-KR" dirty="0"/>
+              <a:t>: Normalization</a:t>
+            </a:r>
+          </a:p>
+          <a:p>
+            <a:pPr lvl="3"/>
+            <a:r>
+              <a:rPr lang="ko-KR" altLang="en-US" dirty="0"/>
+              <a:t>특수화</a:t>
+            </a:r>
+            <a:r>
+              <a:rPr lang="en-US" altLang="ko-KR" dirty="0"/>
+              <a:t>: Specialization</a:t>
+            </a:r>
+          </a:p>
+          <a:p>
+            <a:r>
+              <a:rPr lang="ko-KR" altLang="en-US" dirty="0"/>
+              <a:t>설계</a:t>
+            </a:r>
+            <a:r>
+              <a:rPr lang="en-US" altLang="ko-KR" dirty="0"/>
+              <a:t> </a:t>
+            </a:r>
+            <a:r>
+              <a:rPr lang="ko-KR" altLang="en-US" dirty="0"/>
+              <a:t>원칙</a:t>
+            </a:r>
+            <a:endParaRPr lang="en-US" altLang="ko-KR" dirty="0"/>
+          </a:p>
+          <a:p>
+            <a:pPr lvl="1"/>
+            <a:r>
+              <a:rPr lang="ko-KR" altLang="en-US" dirty="0"/>
+              <a:t>단일 책임의 원칙 </a:t>
+            </a:r>
+            <a:r>
+              <a:rPr lang="en-US" altLang="ko-KR" dirty="0"/>
+              <a:t>(Single Responsibility Principle)</a:t>
+            </a:r>
+          </a:p>
+          <a:p>
+            <a:pPr lvl="2"/>
+            <a:r>
+              <a:rPr lang="ko-KR" altLang="en-US" dirty="0"/>
+              <a:t>하나의 클래스는 하나의 일을 책임지고 한다</a:t>
+            </a:r>
+            <a:endParaRPr lang="en-US" altLang="ko-KR" dirty="0"/>
+          </a:p>
+          <a:p>
+            <a:pPr lvl="1"/>
+            <a:r>
+              <a:rPr lang="ko-KR" altLang="en-US" dirty="0"/>
+              <a:t>개방 폐쇄 원칙 </a:t>
+            </a:r>
+            <a:r>
+              <a:rPr lang="en-US" altLang="ko-KR" dirty="0"/>
+              <a:t>(Open Close Principle)</a:t>
+            </a:r>
+          </a:p>
+          <a:p>
+            <a:pPr lvl="2"/>
+            <a:r>
+              <a:rPr lang="ko-KR" altLang="en-US" dirty="0"/>
+              <a:t>모든 구성요소는 확장이 쉽고 변경이 어렵게</a:t>
+            </a:r>
+            <a:endParaRPr lang="en-US" altLang="ko-KR" dirty="0"/>
+          </a:p>
+          <a:p>
+            <a:pPr lvl="1"/>
+            <a:r>
+              <a:rPr lang="ko-KR" altLang="en-US" dirty="0"/>
+              <a:t>리스코프 치환 원칙 </a:t>
+            </a:r>
+            <a:r>
+              <a:rPr lang="en-US" altLang="ko-KR" dirty="0"/>
+              <a:t>(Liskov Substitution Principle)</a:t>
+            </a:r>
+          </a:p>
+          <a:p>
+            <a:pPr lvl="2"/>
+            <a:r>
+              <a:rPr lang="ko-KR" altLang="en-US" dirty="0"/>
+              <a:t>하위 클래스는 상위 클래스로 기능할 수 있다</a:t>
+            </a:r>
+            <a:endParaRPr lang="en-US" altLang="ko-KR" dirty="0"/>
+          </a:p>
+          <a:p>
+            <a:pPr lvl="1"/>
+            <a:r>
+              <a:rPr lang="ko-KR" altLang="en-US" dirty="0"/>
+              <a:t>인터페이스 분리 원칙 </a:t>
+            </a:r>
+            <a:r>
+              <a:rPr lang="en-US" altLang="ko-KR" dirty="0"/>
+              <a:t>(Interface Segregation Principle)</a:t>
+            </a:r>
+          </a:p>
+          <a:p>
+            <a:pPr lvl="2"/>
+            <a:r>
+              <a:rPr lang="ko-KR" altLang="en-US" dirty="0"/>
+              <a:t>사용하지 않는 인터페이스는 구현하지 않음</a:t>
+            </a:r>
+            <a:endParaRPr lang="en-US" altLang="ko-KR" dirty="0"/>
+          </a:p>
+          <a:p>
+            <a:pPr lvl="1"/>
+            <a:r>
+              <a:rPr lang="ko-KR" altLang="en-US" dirty="0"/>
+              <a:t>의존성 역전 원칙 </a:t>
+            </a:r>
+            <a:r>
+              <a:rPr lang="en-US" altLang="ko-KR" dirty="0"/>
+              <a:t>(Dependency Inversion Principle)</a:t>
+            </a:r>
+          </a:p>
+          <a:p>
+            <a:pPr lvl="2"/>
+            <a:r>
+              <a:rPr lang="ko-KR" altLang="en-US" dirty="0"/>
+              <a:t>변화가 업는 쪽에 의존성을 가짐</a:t>
+            </a:r>
+          </a:p>
+        </p:txBody>
+      </p:sp>
+      <p:sp>
+        <p:nvSpPr>
+          <p:cNvPr id="4" name="슬라이드 번호 개체 틀 3">
+            <a:extLst>
+              <a:ext uri="{FF2B5EF4-FFF2-40B4-BE49-F238E27FC236}">
+                <a16:creationId xmlns:a16="http://schemas.microsoft.com/office/drawing/2014/main" id="{C8381D38-CB4E-4389-AEF3-CE235EBE0684}"/>
+              </a:ext>
+            </a:extLst>
+          </p:cNvPr>
+          <p:cNvSpPr>
+            <a:spLocks noGrp="1"/>
+          </p:cNvSpPr>
+          <p:nvPr>
+            <p:ph type="sldNum" sz="quarter" idx="12"/>
+          </p:nvPr>
+        </p:nvSpPr>
+        <p:spPr/>
+        <p:txBody>
+          <a:bodyPr/>
+          <a:lstStyle/>
+          <a:p>
+            <a:fld id="{89BED30C-66D9-4104-96BC-081A506F0CF0}" type="slidenum">
+              <a:rPr lang="ko-KR" altLang="en-US" smtClean="0"/>
+              <a:t>31</a:t>
+            </a:fld>
+            <a:endParaRPr lang="ko-KR" altLang="en-US"/>
+          </a:p>
+        </p:txBody>
+      </p:sp>
+      <p:sp>
+        <p:nvSpPr>
+          <p:cNvPr id="5" name="바닥글 개체 틀 4">
+            <a:extLst>
+              <a:ext uri="{FF2B5EF4-FFF2-40B4-BE49-F238E27FC236}">
+                <a16:creationId xmlns:a16="http://schemas.microsoft.com/office/drawing/2014/main" id="{22DD2C4D-9CB9-4CF8-89A5-5BDDF8D9F5A7}"/>
+              </a:ext>
+            </a:extLst>
+          </p:cNvPr>
+          <p:cNvSpPr>
+            <a:spLocks noGrp="1"/>
+          </p:cNvSpPr>
+          <p:nvPr>
+            <p:ph type="ftr" sz="quarter" idx="3"/>
+          </p:nvPr>
+        </p:nvSpPr>
+        <p:spPr/>
+        <p:txBody>
+          <a:bodyPr/>
+          <a:lstStyle/>
+          <a:p>
+            <a:pPr algn="l"/>
+            <a:r>
+              <a:rPr lang="en-US" altLang="ko-KR"/>
+              <a:t>Nibble</a:t>
+            </a:r>
+            <a:endParaRPr lang="ko-KR" altLang="en-US" dirty="0"/>
+          </a:p>
+        </p:txBody>
+      </p:sp>
+      <p:sp>
+        <p:nvSpPr>
+          <p:cNvPr id="6" name="날짜 개체 틀 5">
+            <a:extLst>
+              <a:ext uri="{FF2B5EF4-FFF2-40B4-BE49-F238E27FC236}">
+                <a16:creationId xmlns:a16="http://schemas.microsoft.com/office/drawing/2014/main" id="{E68E83CB-0B80-4321-BBA9-5143AEB58845}"/>
+              </a:ext>
+            </a:extLst>
+          </p:cNvPr>
+          <p:cNvSpPr>
+            <a:spLocks noGrp="1"/>
+          </p:cNvSpPr>
+          <p:nvPr>
+            <p:ph type="dt" sz="half" idx="13"/>
+          </p:nvPr>
+        </p:nvSpPr>
+        <p:spPr/>
+        <p:txBody>
+          <a:bodyPr/>
+          <a:lstStyle/>
+          <a:p>
+            <a:fld id="{B226B4E6-2447-4D67-A511-B13A2182F919}" type="datetime5">
+              <a:rPr lang="ko-KR" altLang="en-US" smtClean="0"/>
+              <a:t>2021/7/28</a:t>
+            </a:fld>
+            <a:endParaRPr lang="ko-KR" altLang="en-US" dirty="0"/>
+          </a:p>
+        </p:txBody>
+      </p:sp>
+    </p:spTree>
+    <p:extLst>
+      <p:ext uri="{BB962C8B-B14F-4D97-AF65-F5344CB8AC3E}">
+        <p14:creationId xmlns:p14="http://schemas.microsoft.com/office/powerpoint/2010/main" val="430683360"/>
+      </p:ext>
+    </p:extLst>
+  </p:cSld>
+  <p:clrMapOvr>
+    <a:masterClrMapping/>
+  </p:clrMapOvr>
+</p:sld>
+</file>
+
+<file path=ppt/slides/slide32.xml><?xml version="1.0" encoding="utf-8"?>
+<p:sld xmlns:a="http://schemas.openxmlformats.org/drawingml/2006/main" xmlns:r="http://schemas.openxmlformats.org/officeDocument/2006/relationships" xmlns:p="http://schemas.openxmlformats.org/presentationml/2006/main">
+  <p:cSld>
+    <p:spTree>
+      <p:nvGrpSpPr>
+        <p:cNvPr id="1" name=""/>
+        <p:cNvGrpSpPr/>
+        <p:nvPr/>
+      </p:nvGrpSpPr>
+      <p:grpSpPr>
+        <a:xfrm>
+          <a:off x="0" y="0"/>
+          <a:ext cx="0" cy="0"/>
+          <a:chOff x="0" y="0"/>
+          <a:chExt cx="0" cy="0"/>
+        </a:xfrm>
+      </p:grpSpPr>
+      <p:sp>
+        <p:nvSpPr>
+          <p:cNvPr id="2" name="내용 개체 틀 1">
+            <a:extLst>
+              <a:ext uri="{FF2B5EF4-FFF2-40B4-BE49-F238E27FC236}">
+                <a16:creationId xmlns:a16="http://schemas.microsoft.com/office/drawing/2014/main" id="{66D5F309-A5F5-40B5-B0FA-92C61F7F4B72}"/>
+              </a:ext>
+            </a:extLst>
+          </p:cNvPr>
+          <p:cNvSpPr>
+            <a:spLocks noGrp="1"/>
+          </p:cNvSpPr>
+          <p:nvPr>
+            <p:ph sz="half" idx="14"/>
+          </p:nvPr>
+        </p:nvSpPr>
+        <p:spPr/>
+        <p:txBody>
+          <a:bodyPr/>
+          <a:lstStyle/>
+          <a:p>
+            <a:r>
+              <a:rPr lang="ko-KR" altLang="en-US" dirty="0"/>
+              <a:t>객체지향 방법론</a:t>
+            </a:r>
+            <a:endParaRPr lang="en-US" altLang="ko-KR" dirty="0"/>
+          </a:p>
+          <a:p>
+            <a:pPr lvl="1"/>
+            <a:r>
+              <a:rPr lang="en-US" altLang="ko-KR" dirty="0"/>
+              <a:t>OOSE (Objected Oriented SW Engineering)</a:t>
+            </a:r>
+          </a:p>
+          <a:p>
+            <a:pPr lvl="2"/>
+            <a:r>
+              <a:rPr lang="ko-KR" altLang="en-US" dirty="0" err="1"/>
+              <a:t>야콥슨</a:t>
+            </a:r>
+            <a:r>
+              <a:rPr lang="en-US" altLang="ko-KR" dirty="0"/>
+              <a:t> </a:t>
+            </a:r>
+            <a:r>
+              <a:rPr lang="ko-KR" altLang="en-US" dirty="0"/>
+              <a:t>제작</a:t>
+            </a:r>
+            <a:endParaRPr lang="en-US" altLang="ko-KR" dirty="0"/>
+          </a:p>
+          <a:p>
+            <a:pPr lvl="2"/>
+            <a:r>
+              <a:rPr lang="en-US" altLang="ko-KR" dirty="0"/>
+              <a:t>Usecase</a:t>
+            </a:r>
+            <a:r>
+              <a:rPr lang="ko-KR" altLang="en-US" dirty="0"/>
+              <a:t>를 통해 접근</a:t>
+            </a:r>
+            <a:endParaRPr lang="en-US" altLang="ko-KR" dirty="0"/>
+          </a:p>
+          <a:p>
+            <a:pPr lvl="1"/>
+            <a:r>
+              <a:rPr lang="en-US" altLang="ko-KR" dirty="0"/>
+              <a:t>OMT (Object</a:t>
+            </a:r>
+            <a:r>
+              <a:rPr lang="ko-KR" altLang="en-US" dirty="0"/>
+              <a:t> </a:t>
+            </a:r>
+            <a:r>
+              <a:rPr lang="en-US" altLang="ko-KR" dirty="0"/>
+              <a:t>Modeling Technology)</a:t>
+            </a:r>
+          </a:p>
+          <a:p>
+            <a:pPr lvl="2"/>
+            <a:r>
+              <a:rPr lang="ko-KR" altLang="en-US" dirty="0"/>
+              <a:t>럼바우</a:t>
+            </a:r>
+            <a:r>
+              <a:rPr lang="en-US" altLang="ko-KR" dirty="0"/>
+              <a:t> </a:t>
+            </a:r>
+            <a:r>
+              <a:rPr lang="ko-KR" altLang="en-US" dirty="0"/>
+              <a:t>제작</a:t>
+            </a:r>
+            <a:endParaRPr lang="en-US" altLang="ko-KR" dirty="0"/>
+          </a:p>
+          <a:p>
+            <a:pPr lvl="2"/>
+            <a:r>
+              <a:rPr lang="ko-KR" altLang="en-US" dirty="0"/>
+              <a:t>객체</a:t>
+            </a:r>
+            <a:r>
+              <a:rPr lang="en-US" altLang="ko-KR" dirty="0"/>
+              <a:t> </a:t>
+            </a:r>
+            <a:r>
+              <a:rPr lang="en-US" altLang="ko-KR" dirty="0">
+                <a:sym typeface="Wingdings" panose="05000000000000000000" pitchFamily="2" charset="2"/>
+              </a:rPr>
+              <a:t> </a:t>
+            </a:r>
+            <a:r>
+              <a:rPr lang="ko-KR" altLang="en-US" dirty="0">
+                <a:sym typeface="Wingdings" panose="05000000000000000000" pitchFamily="2" charset="2"/>
+              </a:rPr>
+              <a:t>동적 </a:t>
+            </a:r>
+            <a:r>
+              <a:rPr lang="en-US" altLang="ko-KR" dirty="0">
+                <a:sym typeface="Wingdings" panose="05000000000000000000" pitchFamily="2" charset="2"/>
+              </a:rPr>
+              <a:t> </a:t>
+            </a:r>
+            <a:r>
+              <a:rPr lang="ko-KR" altLang="en-US" dirty="0">
+                <a:sym typeface="Wingdings" panose="05000000000000000000" pitchFamily="2" charset="2"/>
+              </a:rPr>
+              <a:t>기능 모델링 순으로 진행</a:t>
+            </a:r>
+            <a:endParaRPr lang="en-US" altLang="ko-KR" dirty="0"/>
+          </a:p>
+          <a:p>
+            <a:pPr lvl="1"/>
+            <a:r>
+              <a:rPr lang="en-US" altLang="ko-KR" dirty="0"/>
+              <a:t>OOD (Object Oriented Design)</a:t>
+            </a:r>
+          </a:p>
+          <a:p>
+            <a:pPr lvl="2"/>
+            <a:r>
+              <a:rPr lang="ko-KR" altLang="en-US" dirty="0"/>
+              <a:t>부치 제작</a:t>
+            </a:r>
+            <a:endParaRPr lang="en-US" altLang="ko-KR" dirty="0"/>
+          </a:p>
+          <a:p>
+            <a:pPr lvl="2"/>
+            <a:r>
+              <a:rPr lang="ko-KR" altLang="en-US" dirty="0"/>
+              <a:t>설계 다이어그램 중심으로 개발</a:t>
+            </a:r>
+            <a:endParaRPr lang="en-US" altLang="ko-KR" dirty="0"/>
+          </a:p>
+          <a:p>
+            <a:pPr lvl="1"/>
+            <a:r>
+              <a:rPr lang="en-US" altLang="ko-KR" dirty="0"/>
+              <a:t>Coad &amp; Yourdon</a:t>
+            </a:r>
+          </a:p>
+          <a:p>
+            <a:pPr lvl="2"/>
+            <a:r>
+              <a:rPr lang="en-US" altLang="ko-KR" dirty="0"/>
+              <a:t>ER</a:t>
+            </a:r>
+            <a:r>
+              <a:rPr lang="ko-KR" altLang="en-US" dirty="0"/>
+              <a:t> </a:t>
+            </a:r>
+            <a:r>
+              <a:rPr lang="en-US" altLang="ko-KR" dirty="0"/>
+              <a:t>Diagram</a:t>
+            </a:r>
+            <a:r>
+              <a:rPr lang="ko-KR" altLang="en-US" dirty="0"/>
+              <a:t>을 사용하여 </a:t>
+            </a:r>
+            <a:r>
+              <a:rPr lang="en-US" altLang="ko-KR" dirty="0"/>
+              <a:t>~</a:t>
+            </a:r>
+          </a:p>
+          <a:p>
+            <a:pPr lvl="1"/>
+            <a:r>
+              <a:rPr lang="en-US" altLang="ko-KR" dirty="0" err="1"/>
+              <a:t>Wirfs</a:t>
+            </a:r>
+            <a:r>
+              <a:rPr lang="en-US" altLang="ko-KR" dirty="0"/>
+              <a:t>-Brock</a:t>
+            </a:r>
+          </a:p>
+          <a:p>
+            <a:pPr lvl="2"/>
+            <a:r>
+              <a:rPr lang="ko-KR" altLang="en-US" dirty="0"/>
+              <a:t>분석과 설계간 구분이 없다</a:t>
+            </a:r>
+            <a:endParaRPr lang="en-US" altLang="ko-KR" dirty="0"/>
+          </a:p>
+          <a:p>
+            <a:pPr lvl="2"/>
+            <a:r>
+              <a:rPr lang="ko-KR" altLang="en-US" dirty="0"/>
+              <a:t>고객 명세서를 평가해 설계</a:t>
+            </a:r>
+          </a:p>
+        </p:txBody>
+      </p:sp>
+      <p:sp>
+        <p:nvSpPr>
+          <p:cNvPr id="3" name="내용 개체 틀 2">
+            <a:extLst>
+              <a:ext uri="{FF2B5EF4-FFF2-40B4-BE49-F238E27FC236}">
+                <a16:creationId xmlns:a16="http://schemas.microsoft.com/office/drawing/2014/main" id="{A4345B7E-013B-4420-A5DF-6D7583CC2D4C}"/>
+              </a:ext>
+            </a:extLst>
+          </p:cNvPr>
+          <p:cNvSpPr>
+            <a:spLocks noGrp="1"/>
+          </p:cNvSpPr>
+          <p:nvPr>
+            <p:ph sz="half" idx="2"/>
+          </p:nvPr>
+        </p:nvSpPr>
+        <p:spPr/>
+        <p:txBody>
+          <a:bodyPr/>
+          <a:lstStyle/>
+          <a:p>
+            <a:endParaRPr lang="ko-KR" altLang="en-US"/>
+          </a:p>
+        </p:txBody>
+      </p:sp>
+      <p:sp>
+        <p:nvSpPr>
+          <p:cNvPr id="4" name="슬라이드 번호 개체 틀 3">
+            <a:extLst>
+              <a:ext uri="{FF2B5EF4-FFF2-40B4-BE49-F238E27FC236}">
+                <a16:creationId xmlns:a16="http://schemas.microsoft.com/office/drawing/2014/main" id="{AAAC086A-D09F-4880-9732-5D7BCBFAF76B}"/>
+              </a:ext>
+            </a:extLst>
+          </p:cNvPr>
+          <p:cNvSpPr>
+            <a:spLocks noGrp="1"/>
+          </p:cNvSpPr>
+          <p:nvPr>
+            <p:ph type="sldNum" sz="quarter" idx="12"/>
+          </p:nvPr>
+        </p:nvSpPr>
+        <p:spPr/>
+        <p:txBody>
+          <a:bodyPr/>
+          <a:lstStyle/>
+          <a:p>
+            <a:fld id="{89BED30C-66D9-4104-96BC-081A506F0CF0}" type="slidenum">
+              <a:rPr lang="ko-KR" altLang="en-US" smtClean="0"/>
+              <a:t>32</a:t>
+            </a:fld>
+            <a:endParaRPr lang="ko-KR" altLang="en-US"/>
+          </a:p>
+        </p:txBody>
+      </p:sp>
+      <p:sp>
+        <p:nvSpPr>
+          <p:cNvPr id="5" name="바닥글 개체 틀 4">
+            <a:extLst>
+              <a:ext uri="{FF2B5EF4-FFF2-40B4-BE49-F238E27FC236}">
+                <a16:creationId xmlns:a16="http://schemas.microsoft.com/office/drawing/2014/main" id="{7FA6A236-C5F6-4E11-8A31-0C2DF76C6786}"/>
+              </a:ext>
+            </a:extLst>
+          </p:cNvPr>
+          <p:cNvSpPr>
+            <a:spLocks noGrp="1"/>
+          </p:cNvSpPr>
+          <p:nvPr>
+            <p:ph type="ftr" sz="quarter" idx="3"/>
+          </p:nvPr>
+        </p:nvSpPr>
+        <p:spPr/>
+        <p:txBody>
+          <a:bodyPr/>
+          <a:lstStyle/>
+          <a:p>
+            <a:pPr algn="l"/>
+            <a:r>
+              <a:rPr lang="en-US" altLang="ko-KR"/>
+              <a:t>Nibble</a:t>
+            </a:r>
+            <a:endParaRPr lang="ko-KR" altLang="en-US" dirty="0"/>
+          </a:p>
+        </p:txBody>
+      </p:sp>
+      <p:sp>
+        <p:nvSpPr>
+          <p:cNvPr id="6" name="날짜 개체 틀 5">
+            <a:extLst>
+              <a:ext uri="{FF2B5EF4-FFF2-40B4-BE49-F238E27FC236}">
+                <a16:creationId xmlns:a16="http://schemas.microsoft.com/office/drawing/2014/main" id="{ABEF59D5-EAE3-4D07-9B3E-CC0EB0DC978A}"/>
+              </a:ext>
+            </a:extLst>
+          </p:cNvPr>
+          <p:cNvSpPr>
+            <a:spLocks noGrp="1"/>
+          </p:cNvSpPr>
+          <p:nvPr>
+            <p:ph type="dt" sz="half" idx="13"/>
+          </p:nvPr>
+        </p:nvSpPr>
+        <p:spPr/>
+        <p:txBody>
+          <a:bodyPr/>
+          <a:lstStyle/>
+          <a:p>
+            <a:fld id="{B226B4E6-2447-4D67-A511-B13A2182F919}" type="datetime5">
+              <a:rPr lang="ko-KR" altLang="en-US" smtClean="0"/>
+              <a:t>2021/7/28</a:t>
+            </a:fld>
+            <a:endParaRPr lang="ko-KR" altLang="en-US" dirty="0"/>
+          </a:p>
+        </p:txBody>
+      </p:sp>
+    </p:spTree>
+    <p:extLst>
+      <p:ext uri="{BB962C8B-B14F-4D97-AF65-F5344CB8AC3E}">
+        <p14:creationId xmlns:p14="http://schemas.microsoft.com/office/powerpoint/2010/main" val="1524011951"/>
+      </p:ext>
+    </p:extLst>
+  </p:cSld>
+  <p:clrMapOvr>
+    <a:masterClrMapping/>
+  </p:clrMapOvr>
+</p:sld>
+</file>
+
+<file path=ppt/slides/slide33.xml><?xml version="1.0" encoding="utf-8"?>
+<p:sld xmlns:a="http://schemas.openxmlformats.org/drawingml/2006/main" xmlns:r="http://schemas.openxmlformats.org/officeDocument/2006/relationships" xmlns:p="http://schemas.openxmlformats.org/presentationml/2006/main">
+  <p:cSld>
+    <p:spTree>
+      <p:nvGrpSpPr>
+        <p:cNvPr id="1" name=""/>
+        <p:cNvGrpSpPr/>
+        <p:nvPr/>
+      </p:nvGrpSpPr>
+      <p:grpSpPr>
+        <a:xfrm>
+          <a:off x="0" y="0"/>
+          <a:ext cx="0" cy="0"/>
+          <a:chOff x="0" y="0"/>
+          <a:chExt cx="0" cy="0"/>
+        </a:xfrm>
+      </p:grpSpPr>
+      <p:sp>
+        <p:nvSpPr>
+          <p:cNvPr id="2" name="내용 개체 틀 1">
+            <a:extLst>
+              <a:ext uri="{FF2B5EF4-FFF2-40B4-BE49-F238E27FC236}">
+                <a16:creationId xmlns:a16="http://schemas.microsoft.com/office/drawing/2014/main" id="{DD7D2FD2-957A-4475-BF1C-2562C17466F1}"/>
+              </a:ext>
+            </a:extLst>
+          </p:cNvPr>
+          <p:cNvSpPr>
+            <a:spLocks noGrp="1"/>
+          </p:cNvSpPr>
+          <p:nvPr>
+            <p:ph sz="half" idx="14"/>
+          </p:nvPr>
+        </p:nvSpPr>
+        <p:spPr/>
+        <p:txBody>
+          <a:bodyPr/>
+          <a:lstStyle/>
+          <a:p>
+            <a:r>
+              <a:rPr lang="ko-KR" altLang="en-US" dirty="0"/>
+              <a:t>디자인 패턴</a:t>
+            </a:r>
+            <a:endParaRPr lang="en-US" altLang="ko-KR" dirty="0"/>
+          </a:p>
+          <a:p>
+            <a:pPr lvl="1"/>
+            <a:r>
+              <a:rPr lang="ko-KR" altLang="en-US" dirty="0"/>
+              <a:t>정의</a:t>
+            </a:r>
+            <a:r>
+              <a:rPr lang="en-US" altLang="ko-KR" dirty="0"/>
+              <a:t>: </a:t>
+            </a:r>
+            <a:r>
+              <a:rPr lang="ko-KR" altLang="en-US" dirty="0"/>
+              <a:t>문제 해결에 자주 사용되는 설계 방법</a:t>
+            </a:r>
+            <a:endParaRPr lang="en-US" altLang="ko-KR" dirty="0"/>
+          </a:p>
+          <a:p>
+            <a:pPr lvl="1"/>
+            <a:r>
+              <a:rPr lang="ko-KR" altLang="en-US" dirty="0"/>
+              <a:t>유형</a:t>
+            </a:r>
+            <a:endParaRPr lang="en-US" altLang="ko-KR" dirty="0"/>
+          </a:p>
+          <a:p>
+            <a:pPr lvl="2"/>
+            <a:r>
+              <a:rPr lang="ko-KR" altLang="en-US" dirty="0"/>
+              <a:t>목적</a:t>
+            </a:r>
+            <a:endParaRPr lang="en-US" altLang="ko-KR" dirty="0"/>
+          </a:p>
+          <a:p>
+            <a:pPr lvl="3"/>
+            <a:r>
+              <a:rPr lang="ko-KR" altLang="en-US" dirty="0"/>
+              <a:t>생성</a:t>
+            </a:r>
+            <a:r>
+              <a:rPr lang="en-US" altLang="ko-KR" dirty="0"/>
+              <a:t>: </a:t>
+            </a:r>
+            <a:r>
+              <a:rPr lang="ko-KR" altLang="en-US" dirty="0"/>
+              <a:t>객체의 생성</a:t>
+            </a:r>
+            <a:endParaRPr lang="en-US" altLang="ko-KR" dirty="0"/>
+          </a:p>
+          <a:p>
+            <a:pPr lvl="3"/>
+            <a:r>
+              <a:rPr lang="ko-KR" altLang="en-US" dirty="0"/>
+              <a:t>구조</a:t>
+            </a:r>
+            <a:r>
+              <a:rPr lang="en-US" altLang="ko-KR" dirty="0"/>
+              <a:t>: </a:t>
+            </a:r>
+            <a:r>
+              <a:rPr lang="ko-KR" altLang="en-US" dirty="0"/>
+              <a:t>구조 형성</a:t>
+            </a:r>
+            <a:endParaRPr lang="en-US" altLang="ko-KR" dirty="0"/>
+          </a:p>
+          <a:p>
+            <a:pPr lvl="3"/>
+            <a:r>
+              <a:rPr lang="ko-KR" altLang="en-US" dirty="0"/>
+              <a:t>행위</a:t>
+            </a:r>
+            <a:r>
+              <a:rPr lang="en-US" altLang="ko-KR" dirty="0"/>
+              <a:t>: </a:t>
+            </a:r>
+            <a:r>
+              <a:rPr lang="ko-KR" altLang="en-US" dirty="0"/>
+              <a:t>행위</a:t>
+            </a:r>
+            <a:endParaRPr lang="en-US" altLang="ko-KR" dirty="0"/>
+          </a:p>
+          <a:p>
+            <a:pPr lvl="2"/>
+            <a:r>
+              <a:rPr lang="ko-KR" altLang="en-US" dirty="0"/>
+              <a:t>범위</a:t>
+            </a:r>
+            <a:endParaRPr lang="en-US" altLang="ko-KR" dirty="0"/>
+          </a:p>
+          <a:p>
+            <a:pPr lvl="3"/>
+            <a:r>
+              <a:rPr lang="ko-KR" altLang="en-US" dirty="0"/>
+              <a:t>클래스</a:t>
+            </a:r>
+            <a:endParaRPr lang="en-US" altLang="ko-KR" dirty="0"/>
+          </a:p>
+          <a:p>
+            <a:pPr lvl="3"/>
+            <a:r>
+              <a:rPr lang="ko-KR" altLang="en-US" dirty="0"/>
+              <a:t>객체</a:t>
+            </a:r>
+            <a:endParaRPr lang="en-US" altLang="ko-KR" dirty="0"/>
+          </a:p>
+          <a:p>
+            <a:pPr lvl="3"/>
+            <a:endParaRPr lang="ko-KR" altLang="en-US" dirty="0"/>
+          </a:p>
+        </p:txBody>
+      </p:sp>
+      <p:sp>
+        <p:nvSpPr>
+          <p:cNvPr id="3" name="제목 2">
+            <a:extLst>
+              <a:ext uri="{FF2B5EF4-FFF2-40B4-BE49-F238E27FC236}">
+                <a16:creationId xmlns:a16="http://schemas.microsoft.com/office/drawing/2014/main" id="{A154678C-7D54-43D7-BC0B-C812C0385F92}"/>
+              </a:ext>
+            </a:extLst>
+          </p:cNvPr>
+          <p:cNvSpPr>
+            <a:spLocks noGrp="1"/>
+          </p:cNvSpPr>
+          <p:nvPr>
+            <p:ph type="title"/>
+          </p:nvPr>
+        </p:nvSpPr>
+        <p:spPr/>
+        <p:txBody>
+          <a:bodyPr/>
+          <a:lstStyle/>
+          <a:p>
+            <a:r>
+              <a:rPr lang="ko-KR" altLang="en-US" dirty="0"/>
+              <a:t>디자인 패턴</a:t>
+            </a:r>
+          </a:p>
+        </p:txBody>
+      </p:sp>
+      <p:sp>
+        <p:nvSpPr>
+          <p:cNvPr id="4" name="내용 개체 틀 3">
+            <a:extLst>
+              <a:ext uri="{FF2B5EF4-FFF2-40B4-BE49-F238E27FC236}">
+                <a16:creationId xmlns:a16="http://schemas.microsoft.com/office/drawing/2014/main" id="{28DAB05F-5F83-409C-8F8D-5785A29C51D4}"/>
+              </a:ext>
+            </a:extLst>
+          </p:cNvPr>
+          <p:cNvSpPr>
+            <a:spLocks noGrp="1"/>
+          </p:cNvSpPr>
+          <p:nvPr>
+            <p:ph sz="half" idx="2"/>
+          </p:nvPr>
+        </p:nvSpPr>
+        <p:spPr/>
+        <p:txBody>
+          <a:bodyPr/>
+          <a:lstStyle/>
+          <a:p>
+            <a:pPr lvl="1"/>
+            <a:endParaRPr lang="ko-KR" altLang="en-US" dirty="0"/>
+          </a:p>
+        </p:txBody>
+      </p:sp>
+      <p:sp>
+        <p:nvSpPr>
+          <p:cNvPr id="5" name="슬라이드 번호 개체 틀 4">
+            <a:extLst>
+              <a:ext uri="{FF2B5EF4-FFF2-40B4-BE49-F238E27FC236}">
+                <a16:creationId xmlns:a16="http://schemas.microsoft.com/office/drawing/2014/main" id="{AFA7DE26-FEDC-4FA8-A8D8-7602BC06557F}"/>
+              </a:ext>
+            </a:extLst>
+          </p:cNvPr>
+          <p:cNvSpPr>
+            <a:spLocks noGrp="1"/>
+          </p:cNvSpPr>
+          <p:nvPr>
+            <p:ph type="sldNum" sz="quarter" idx="12"/>
+          </p:nvPr>
+        </p:nvSpPr>
+        <p:spPr/>
+        <p:txBody>
+          <a:bodyPr/>
+          <a:lstStyle/>
+          <a:p>
+            <a:fld id="{89BED30C-66D9-4104-96BC-081A506F0CF0}" type="slidenum">
+              <a:rPr lang="ko-KR" altLang="en-US" smtClean="0"/>
+              <a:t>33</a:t>
+            </a:fld>
+            <a:endParaRPr lang="ko-KR" altLang="en-US"/>
+          </a:p>
+        </p:txBody>
+      </p:sp>
+      <p:sp>
+        <p:nvSpPr>
+          <p:cNvPr id="6" name="바닥글 개체 틀 5">
+            <a:extLst>
+              <a:ext uri="{FF2B5EF4-FFF2-40B4-BE49-F238E27FC236}">
+                <a16:creationId xmlns:a16="http://schemas.microsoft.com/office/drawing/2014/main" id="{812FC6E4-53ED-434C-82D3-F7F0A39509B4}"/>
+              </a:ext>
+            </a:extLst>
+          </p:cNvPr>
+          <p:cNvSpPr>
+            <a:spLocks noGrp="1"/>
+          </p:cNvSpPr>
+          <p:nvPr>
+            <p:ph type="ftr" sz="quarter" idx="3"/>
+          </p:nvPr>
+        </p:nvSpPr>
+        <p:spPr/>
+        <p:txBody>
+          <a:bodyPr/>
+          <a:lstStyle/>
+          <a:p>
+            <a:pPr algn="l"/>
+            <a:r>
+              <a:rPr lang="en-US" altLang="ko-KR"/>
+              <a:t>Nibble</a:t>
+            </a:r>
+            <a:endParaRPr lang="ko-KR" altLang="en-US" dirty="0"/>
+          </a:p>
+        </p:txBody>
+      </p:sp>
+      <p:sp>
+        <p:nvSpPr>
+          <p:cNvPr id="7" name="날짜 개체 틀 6">
+            <a:extLst>
+              <a:ext uri="{FF2B5EF4-FFF2-40B4-BE49-F238E27FC236}">
+                <a16:creationId xmlns:a16="http://schemas.microsoft.com/office/drawing/2014/main" id="{E868852F-5F48-4CCE-A9EA-2584C228DC7D}"/>
+              </a:ext>
+            </a:extLst>
+          </p:cNvPr>
+          <p:cNvSpPr>
+            <a:spLocks noGrp="1"/>
+          </p:cNvSpPr>
+          <p:nvPr>
+            <p:ph type="dt" sz="half" idx="13"/>
+          </p:nvPr>
+        </p:nvSpPr>
+        <p:spPr/>
+        <p:txBody>
+          <a:bodyPr/>
+          <a:lstStyle/>
+          <a:p>
+            <a:fld id="{B226B4E6-2447-4D67-A511-B13A2182F919}" type="datetime5">
+              <a:rPr lang="ko-KR" altLang="en-US" smtClean="0"/>
+              <a:t>2021/7/28</a:t>
+            </a:fld>
+            <a:endParaRPr lang="ko-KR" altLang="en-US" dirty="0"/>
+          </a:p>
+        </p:txBody>
+      </p:sp>
+    </p:spTree>
+    <p:extLst>
+      <p:ext uri="{BB962C8B-B14F-4D97-AF65-F5344CB8AC3E}">
+        <p14:creationId xmlns:p14="http://schemas.microsoft.com/office/powerpoint/2010/main" val="2771753300"/>
+      </p:ext>
+    </p:extLst>
+  </p:cSld>
+  <p:clrMapOvr>
+    <a:masterClrMapping/>
+  </p:clrMapOvr>
+</p:sld>
+</file>
+
+<file path=ppt/slides/slide34.xml><?xml version="1.0" encoding="utf-8"?>
+<p:sld xmlns:a="http://schemas.openxmlformats.org/drawingml/2006/main" xmlns:r="http://schemas.openxmlformats.org/officeDocument/2006/relationships" xmlns:p="http://schemas.openxmlformats.org/presentationml/2006/main">
+  <p:cSld>
+    <p:spTree>
+      <p:nvGrpSpPr>
+        <p:cNvPr id="1" name=""/>
+        <p:cNvGrpSpPr/>
+        <p:nvPr/>
+      </p:nvGrpSpPr>
+      <p:grpSpPr>
+        <a:xfrm>
+          <a:off x="0" y="0"/>
+          <a:ext cx="0" cy="0"/>
+          <a:chOff x="0" y="0"/>
+          <a:chExt cx="0" cy="0"/>
+        </a:xfrm>
+      </p:grpSpPr>
+      <p:sp>
+        <p:nvSpPr>
+          <p:cNvPr id="2" name="내용 개체 틀 1">
+            <a:extLst>
+              <a:ext uri="{FF2B5EF4-FFF2-40B4-BE49-F238E27FC236}">
+                <a16:creationId xmlns:a16="http://schemas.microsoft.com/office/drawing/2014/main" id="{2726C965-261A-4F47-A77D-EC47CE1C25E5}"/>
+              </a:ext>
+            </a:extLst>
+          </p:cNvPr>
+          <p:cNvSpPr>
+            <a:spLocks noGrp="1"/>
+          </p:cNvSpPr>
+          <p:nvPr>
+            <p:ph sz="half" idx="14"/>
+          </p:nvPr>
+        </p:nvSpPr>
+        <p:spPr/>
+        <p:txBody>
+          <a:bodyPr>
+            <a:normAutofit fontScale="85000" lnSpcReduction="20000"/>
+          </a:bodyPr>
+          <a:lstStyle/>
+          <a:p>
+            <a:r>
+              <a:rPr lang="ko-KR" altLang="en-US" dirty="0"/>
+              <a:t>종류</a:t>
+            </a:r>
+            <a:endParaRPr lang="en-US" altLang="ko-KR" dirty="0"/>
+          </a:p>
+          <a:p>
+            <a:pPr lvl="1"/>
+            <a:r>
+              <a:rPr lang="ko-KR" altLang="en-US" dirty="0"/>
+              <a:t>생성</a:t>
+            </a:r>
+            <a:endParaRPr lang="en-US" altLang="ko-KR" dirty="0"/>
+          </a:p>
+          <a:p>
+            <a:pPr lvl="2"/>
+            <a:r>
+              <a:rPr lang="en-US" altLang="ko-KR" dirty="0"/>
+              <a:t>Builder</a:t>
+            </a:r>
+          </a:p>
+          <a:p>
+            <a:pPr lvl="3"/>
+            <a:r>
+              <a:rPr lang="ko-KR" altLang="en-US" dirty="0"/>
+              <a:t>객체 생성을 캡슐화 하여 사용</a:t>
+            </a:r>
+            <a:endParaRPr lang="en-US" altLang="ko-KR" dirty="0"/>
+          </a:p>
+          <a:p>
+            <a:pPr lvl="2"/>
+            <a:r>
+              <a:rPr lang="en-US" altLang="ko-KR" dirty="0"/>
+              <a:t>Prototype</a:t>
+            </a:r>
+          </a:p>
+          <a:p>
+            <a:pPr lvl="3"/>
+            <a:r>
+              <a:rPr lang="ko-KR" altLang="en-US" dirty="0"/>
+              <a:t>객체를 복사하여 새 객체를 만들 수 있게 함</a:t>
+            </a:r>
+            <a:endParaRPr lang="en-US" altLang="ko-KR" dirty="0"/>
+          </a:p>
+          <a:p>
+            <a:pPr lvl="2"/>
+            <a:r>
+              <a:rPr lang="en-US" altLang="ko-KR" dirty="0"/>
+              <a:t>Factory Method</a:t>
+            </a:r>
+          </a:p>
+          <a:p>
+            <a:pPr lvl="3"/>
+            <a:r>
+              <a:rPr lang="ko-KR" altLang="en-US" dirty="0"/>
+              <a:t>객체 생성 인터페이스를 선언</a:t>
+            </a:r>
+            <a:endParaRPr lang="en-US" altLang="ko-KR" dirty="0"/>
+          </a:p>
+          <a:p>
+            <a:pPr lvl="3"/>
+            <a:r>
+              <a:rPr lang="ko-KR" altLang="en-US" dirty="0"/>
+              <a:t>서브 클래스에서 구현하여 사용</a:t>
+            </a:r>
+            <a:endParaRPr lang="en-US" altLang="ko-KR" dirty="0"/>
+          </a:p>
+          <a:p>
+            <a:pPr lvl="2"/>
+            <a:r>
+              <a:rPr lang="en-US" altLang="ko-KR" dirty="0"/>
+              <a:t>Abstract Factory</a:t>
+            </a:r>
+          </a:p>
+          <a:p>
+            <a:pPr lvl="3"/>
+            <a:r>
+              <a:rPr lang="ko-KR" altLang="en-US" dirty="0"/>
+              <a:t>여러 </a:t>
+            </a:r>
+            <a:r>
+              <a:rPr lang="en-US" altLang="ko-KR" dirty="0"/>
+              <a:t>Factory </a:t>
+            </a:r>
+            <a:r>
+              <a:rPr lang="ko-KR" altLang="en-US" dirty="0"/>
+              <a:t>중 하나 선택 사용하게 함</a:t>
+            </a:r>
+            <a:endParaRPr lang="en-US" altLang="ko-KR" dirty="0"/>
+          </a:p>
+          <a:p>
+            <a:pPr lvl="2"/>
+            <a:r>
+              <a:rPr lang="en-US" altLang="ko-KR" dirty="0"/>
+              <a:t>Singleton</a:t>
+            </a:r>
+          </a:p>
+          <a:p>
+            <a:pPr lvl="3"/>
+            <a:r>
+              <a:rPr lang="ko-KR" altLang="en-US" dirty="0"/>
+              <a:t>유일한 하나의 객체를 보장</a:t>
+            </a:r>
+            <a:endParaRPr lang="en-US" altLang="ko-KR" dirty="0"/>
+          </a:p>
+          <a:p>
+            <a:pPr lvl="1"/>
+            <a:r>
+              <a:rPr lang="ko-KR" altLang="en-US" dirty="0"/>
+              <a:t>구조</a:t>
+            </a:r>
+            <a:endParaRPr lang="en-US" altLang="ko-KR" dirty="0"/>
+          </a:p>
+          <a:p>
+            <a:pPr lvl="2"/>
+            <a:r>
+              <a:rPr lang="en-US" altLang="ko-KR" dirty="0"/>
+              <a:t>Bridge</a:t>
+            </a:r>
+          </a:p>
+          <a:p>
+            <a:pPr lvl="3"/>
+            <a:r>
+              <a:rPr lang="ko-KR" altLang="en-US" dirty="0"/>
+              <a:t>추상과 구현을 분리하여 결합도를 낮춤</a:t>
+            </a:r>
+            <a:endParaRPr lang="en-US" altLang="ko-KR" dirty="0"/>
+          </a:p>
+          <a:p>
+            <a:pPr lvl="2"/>
+            <a:r>
+              <a:rPr lang="en-US" altLang="ko-KR" dirty="0"/>
+              <a:t>Decorator</a:t>
+            </a:r>
+          </a:p>
+          <a:p>
+            <a:pPr lvl="3"/>
+            <a:r>
+              <a:rPr lang="ko-KR" altLang="en-US" dirty="0"/>
+              <a:t>소스를 변경하지 않고 기능을 확장할 수 있게</a:t>
+            </a:r>
+            <a:endParaRPr lang="en-US" altLang="ko-KR" dirty="0"/>
+          </a:p>
+          <a:p>
+            <a:pPr lvl="2"/>
+            <a:r>
+              <a:rPr lang="en-US" altLang="ko-KR" dirty="0"/>
+              <a:t>Facade</a:t>
+            </a:r>
+          </a:p>
+          <a:p>
+            <a:pPr lvl="3"/>
+            <a:r>
+              <a:rPr lang="ko-KR" altLang="en-US" dirty="0"/>
+              <a:t>하나의 인터페이스를 통해 느슨한 연결 제공</a:t>
+            </a:r>
+            <a:endParaRPr lang="en-US" altLang="ko-KR" dirty="0"/>
+          </a:p>
+          <a:p>
+            <a:pPr lvl="2"/>
+            <a:r>
+              <a:rPr lang="en-US" altLang="ko-KR" dirty="0"/>
+              <a:t>Flyweight</a:t>
+            </a:r>
+          </a:p>
+          <a:p>
+            <a:pPr lvl="3"/>
+            <a:r>
+              <a:rPr lang="ko-KR" altLang="en-US" dirty="0"/>
+              <a:t>대량의 작은 객체들을 공유 사용</a:t>
+            </a:r>
+            <a:endParaRPr lang="en-US" altLang="ko-KR" dirty="0"/>
+          </a:p>
+          <a:p>
+            <a:pPr lvl="2"/>
+            <a:r>
+              <a:rPr lang="en-US" altLang="ko-KR" dirty="0"/>
+              <a:t>Proxy</a:t>
+            </a:r>
+          </a:p>
+          <a:p>
+            <a:pPr lvl="3"/>
+            <a:r>
+              <a:rPr lang="ko-KR" altLang="en-US" dirty="0"/>
+              <a:t>대리인이 일을 처리</a:t>
+            </a:r>
+            <a:endParaRPr lang="en-US" altLang="ko-KR" dirty="0"/>
+          </a:p>
+          <a:p>
+            <a:pPr lvl="2"/>
+            <a:r>
+              <a:rPr lang="en-US" altLang="ko-KR" dirty="0"/>
+              <a:t>Composite</a:t>
+            </a:r>
+          </a:p>
+          <a:p>
+            <a:pPr lvl="3"/>
+            <a:r>
+              <a:rPr lang="ko-KR" altLang="en-US" dirty="0"/>
+              <a:t>개별 객체와 복합 객체를 동일하게 사용</a:t>
+            </a:r>
+            <a:endParaRPr lang="en-US" altLang="ko-KR" dirty="0"/>
+          </a:p>
+          <a:p>
+            <a:pPr lvl="2"/>
+            <a:r>
+              <a:rPr lang="en-US" altLang="ko-KR" dirty="0"/>
+              <a:t>Adapter</a:t>
+            </a:r>
+          </a:p>
+          <a:p>
+            <a:pPr lvl="3"/>
+            <a:r>
+              <a:rPr lang="ko-KR" altLang="en-US" dirty="0"/>
+              <a:t>인터페이스로 함께 사용하지 못하는 클래스를 </a:t>
+            </a:r>
+            <a:endParaRPr lang="en-US" altLang="ko-KR" dirty="0"/>
+          </a:p>
+          <a:p>
+            <a:pPr lvl="3"/>
+            <a:r>
+              <a:rPr lang="ko-KR" altLang="en-US" dirty="0" err="1"/>
+              <a:t>사용가능하게</a:t>
+            </a:r>
+            <a:endParaRPr lang="en-US" altLang="ko-KR" dirty="0"/>
+          </a:p>
+          <a:p>
+            <a:endParaRPr lang="ko-KR" altLang="en-US" dirty="0"/>
+          </a:p>
+        </p:txBody>
+      </p:sp>
+      <p:sp>
+        <p:nvSpPr>
+          <p:cNvPr id="3" name="내용 개체 틀 2">
+            <a:extLst>
+              <a:ext uri="{FF2B5EF4-FFF2-40B4-BE49-F238E27FC236}">
+                <a16:creationId xmlns:a16="http://schemas.microsoft.com/office/drawing/2014/main" id="{C3B025E0-8233-4DCB-9BD8-CFF58CAF7E50}"/>
+              </a:ext>
+            </a:extLst>
+          </p:cNvPr>
+          <p:cNvSpPr>
+            <a:spLocks noGrp="1"/>
+          </p:cNvSpPr>
+          <p:nvPr>
+            <p:ph sz="half" idx="2"/>
+          </p:nvPr>
+        </p:nvSpPr>
+        <p:spPr/>
+        <p:txBody>
+          <a:bodyPr>
+            <a:normAutofit lnSpcReduction="10000"/>
+          </a:bodyPr>
+          <a:lstStyle/>
+          <a:p>
+            <a:endParaRPr lang="en-US" altLang="ko-KR" dirty="0"/>
+          </a:p>
+          <a:p>
+            <a:pPr lvl="1"/>
+            <a:r>
+              <a:rPr lang="ko-KR" altLang="en-US" dirty="0"/>
+              <a:t>행위</a:t>
+            </a:r>
+            <a:endParaRPr lang="en-US" altLang="ko-KR" dirty="0"/>
+          </a:p>
+          <a:p>
+            <a:pPr lvl="2"/>
+            <a:r>
+              <a:rPr lang="en-US" altLang="ko-KR" dirty="0"/>
+              <a:t>Interpreter</a:t>
+            </a:r>
+          </a:p>
+          <a:p>
+            <a:pPr lvl="3"/>
+            <a:r>
+              <a:rPr lang="ko-KR" altLang="en-US" dirty="0"/>
+              <a:t>언어 규칙 클래스를 이용하는 패턴</a:t>
+            </a:r>
+            <a:endParaRPr lang="en-US" altLang="ko-KR" dirty="0"/>
+          </a:p>
+          <a:p>
+            <a:pPr lvl="2"/>
+            <a:r>
+              <a:rPr lang="en-US" altLang="ko-KR" dirty="0"/>
+              <a:t>Template Method</a:t>
+            </a:r>
+          </a:p>
+          <a:p>
+            <a:pPr lvl="3"/>
+            <a:r>
+              <a:rPr lang="ko-KR" altLang="en-US" dirty="0"/>
+              <a:t>알고리즘 골격의 구조를 정의한 패턴</a:t>
+            </a:r>
+            <a:endParaRPr lang="en-US" altLang="ko-KR" dirty="0"/>
+          </a:p>
+          <a:p>
+            <a:pPr lvl="2"/>
+            <a:r>
+              <a:rPr lang="en-US" altLang="ko-KR" dirty="0"/>
+              <a:t>Chain of Responsibility</a:t>
+            </a:r>
+          </a:p>
+          <a:p>
+            <a:pPr lvl="3"/>
+            <a:r>
+              <a:rPr lang="ko-KR" altLang="en-US" dirty="0"/>
+              <a:t>객체 간 연결을 만들어 내부적으로 전달</a:t>
+            </a:r>
+            <a:endParaRPr lang="en-US" altLang="ko-KR" dirty="0"/>
+          </a:p>
+          <a:p>
+            <a:pPr lvl="2"/>
+            <a:r>
+              <a:rPr lang="en-US" altLang="ko-KR" dirty="0"/>
+              <a:t>Command</a:t>
+            </a:r>
+          </a:p>
+          <a:p>
+            <a:pPr lvl="3"/>
+            <a:r>
+              <a:rPr lang="ko-KR" altLang="en-US" dirty="0"/>
+              <a:t>요청을 캡슐화 하여 파라메터로 전달</a:t>
+            </a:r>
+            <a:endParaRPr lang="en-US" altLang="ko-KR" dirty="0"/>
+          </a:p>
+          <a:p>
+            <a:pPr lvl="2"/>
+            <a:r>
+              <a:rPr lang="en-US" altLang="ko-KR" dirty="0"/>
+              <a:t>Iterator</a:t>
+            </a:r>
+          </a:p>
+          <a:p>
+            <a:pPr lvl="3"/>
+            <a:r>
+              <a:rPr lang="ko-KR" altLang="en-US" dirty="0"/>
+              <a:t>내부는 보지 않고 순회</a:t>
+            </a:r>
+            <a:endParaRPr lang="en-US" altLang="ko-KR" dirty="0"/>
+          </a:p>
+          <a:p>
+            <a:pPr lvl="2"/>
+            <a:r>
+              <a:rPr lang="en-US" altLang="ko-KR" dirty="0"/>
+              <a:t>Mediator</a:t>
+            </a:r>
+          </a:p>
+          <a:p>
+            <a:pPr lvl="3"/>
+            <a:r>
+              <a:rPr lang="ko-KR" altLang="en-US" dirty="0"/>
+              <a:t>객체간 상호작용을 캡슐화</a:t>
+            </a:r>
+            <a:endParaRPr lang="en-US" altLang="ko-KR" dirty="0"/>
+          </a:p>
+          <a:p>
+            <a:pPr lvl="2"/>
+            <a:r>
+              <a:rPr lang="en-US" altLang="ko-KR" dirty="0"/>
+              <a:t>Memento</a:t>
+            </a:r>
+          </a:p>
+          <a:p>
+            <a:pPr lvl="3"/>
+            <a:r>
+              <a:rPr lang="ko-KR" altLang="en-US" dirty="0"/>
+              <a:t>상태 값을 저장해 두었다가 복구</a:t>
+            </a:r>
+            <a:endParaRPr lang="en-US" altLang="ko-KR" dirty="0"/>
+          </a:p>
+          <a:p>
+            <a:pPr lvl="2"/>
+            <a:r>
+              <a:rPr lang="en-US" altLang="ko-KR" dirty="0"/>
+              <a:t>Observer</a:t>
+            </a:r>
+          </a:p>
+          <a:p>
+            <a:pPr lvl="3"/>
+            <a:r>
+              <a:rPr lang="ko-KR" altLang="en-US" dirty="0"/>
+              <a:t>상태가 변할 때 의존자에게 알리고</a:t>
+            </a:r>
+            <a:r>
+              <a:rPr lang="en-US" altLang="ko-KR" dirty="0"/>
+              <a:t>, </a:t>
+            </a:r>
+            <a:r>
+              <a:rPr lang="ko-KR" altLang="en-US" dirty="0"/>
+              <a:t>업데이트</a:t>
+            </a:r>
+            <a:endParaRPr lang="en-US" altLang="ko-KR" dirty="0"/>
+          </a:p>
+          <a:p>
+            <a:pPr lvl="2"/>
+            <a:r>
+              <a:rPr lang="en-US" altLang="ko-KR" dirty="0"/>
+              <a:t>State</a:t>
+            </a:r>
+          </a:p>
+          <a:p>
+            <a:pPr lvl="3"/>
+            <a:r>
+              <a:rPr lang="ko-KR" altLang="en-US" dirty="0"/>
+              <a:t>객체 상태에 따라 행위를 변경</a:t>
+            </a:r>
+            <a:endParaRPr lang="en-US" altLang="ko-KR" dirty="0"/>
+          </a:p>
+          <a:p>
+            <a:pPr lvl="2"/>
+            <a:r>
+              <a:rPr lang="en-US" altLang="ko-KR" dirty="0"/>
+              <a:t>Strategy</a:t>
+            </a:r>
+          </a:p>
+          <a:p>
+            <a:pPr lvl="3"/>
+            <a:r>
+              <a:rPr lang="ko-KR" altLang="en-US" dirty="0"/>
+              <a:t>다양한 알고리즘을 캡슐화 하여 대체가 가능</a:t>
+            </a:r>
+            <a:endParaRPr lang="en-US" altLang="ko-KR" dirty="0"/>
+          </a:p>
+          <a:p>
+            <a:pPr lvl="2"/>
+            <a:r>
+              <a:rPr lang="en-US" altLang="ko-KR" dirty="0"/>
+              <a:t>Visitor</a:t>
+            </a:r>
+          </a:p>
+          <a:p>
+            <a:pPr lvl="3"/>
+            <a:r>
+              <a:rPr lang="ko-KR" altLang="en-US" dirty="0"/>
+              <a:t>오퍼레이션을 별도 클래스에 새로 정의</a:t>
+            </a:r>
+            <a:endParaRPr lang="en-US" altLang="ko-KR" dirty="0"/>
+          </a:p>
+          <a:p>
+            <a:pPr lvl="1"/>
+            <a:endParaRPr lang="ko-KR" altLang="en-US" dirty="0"/>
+          </a:p>
+        </p:txBody>
+      </p:sp>
+      <p:sp>
+        <p:nvSpPr>
+          <p:cNvPr id="4" name="슬라이드 번호 개체 틀 3">
+            <a:extLst>
+              <a:ext uri="{FF2B5EF4-FFF2-40B4-BE49-F238E27FC236}">
+                <a16:creationId xmlns:a16="http://schemas.microsoft.com/office/drawing/2014/main" id="{0A820EAA-45A3-44A6-9300-500EC16FE14F}"/>
+              </a:ext>
+            </a:extLst>
+          </p:cNvPr>
+          <p:cNvSpPr>
+            <a:spLocks noGrp="1"/>
+          </p:cNvSpPr>
+          <p:nvPr>
+            <p:ph type="sldNum" sz="quarter" idx="12"/>
+          </p:nvPr>
+        </p:nvSpPr>
+        <p:spPr/>
+        <p:txBody>
+          <a:bodyPr/>
+          <a:lstStyle/>
+          <a:p>
+            <a:fld id="{89BED30C-66D9-4104-96BC-081A506F0CF0}" type="slidenum">
+              <a:rPr lang="ko-KR" altLang="en-US" smtClean="0"/>
+              <a:t>34</a:t>
+            </a:fld>
+            <a:endParaRPr lang="ko-KR" altLang="en-US"/>
+          </a:p>
+        </p:txBody>
+      </p:sp>
+      <p:sp>
+        <p:nvSpPr>
+          <p:cNvPr id="5" name="바닥글 개체 틀 4">
+            <a:extLst>
+              <a:ext uri="{FF2B5EF4-FFF2-40B4-BE49-F238E27FC236}">
+                <a16:creationId xmlns:a16="http://schemas.microsoft.com/office/drawing/2014/main" id="{6EFF4B63-0F40-4B7D-8A8E-A0A9ACBC8C43}"/>
+              </a:ext>
+            </a:extLst>
+          </p:cNvPr>
+          <p:cNvSpPr>
+            <a:spLocks noGrp="1"/>
+          </p:cNvSpPr>
+          <p:nvPr>
+            <p:ph type="ftr" sz="quarter" idx="3"/>
+          </p:nvPr>
+        </p:nvSpPr>
+        <p:spPr/>
+        <p:txBody>
+          <a:bodyPr/>
+          <a:lstStyle/>
+          <a:p>
+            <a:pPr algn="l"/>
+            <a:r>
+              <a:rPr lang="en-US" altLang="ko-KR"/>
+              <a:t>Nibble</a:t>
+            </a:r>
+            <a:endParaRPr lang="ko-KR" altLang="en-US" dirty="0"/>
+          </a:p>
+        </p:txBody>
+      </p:sp>
+      <p:sp>
+        <p:nvSpPr>
+          <p:cNvPr id="6" name="날짜 개체 틀 5">
+            <a:extLst>
+              <a:ext uri="{FF2B5EF4-FFF2-40B4-BE49-F238E27FC236}">
+                <a16:creationId xmlns:a16="http://schemas.microsoft.com/office/drawing/2014/main" id="{E197E274-9290-43A6-8A9E-9DEB4740EC96}"/>
+              </a:ext>
+            </a:extLst>
+          </p:cNvPr>
+          <p:cNvSpPr>
+            <a:spLocks noGrp="1"/>
+          </p:cNvSpPr>
+          <p:nvPr>
+            <p:ph type="dt" sz="half" idx="13"/>
+          </p:nvPr>
+        </p:nvSpPr>
+        <p:spPr/>
+        <p:txBody>
+          <a:bodyPr/>
+          <a:lstStyle/>
+          <a:p>
+            <a:fld id="{B226B4E6-2447-4D67-A511-B13A2182F919}" type="datetime5">
+              <a:rPr lang="ko-KR" altLang="en-US" smtClean="0"/>
+              <a:t>2021/7/28</a:t>
+            </a:fld>
+            <a:endParaRPr lang="ko-KR" altLang="en-US" dirty="0"/>
+          </a:p>
+        </p:txBody>
+      </p:sp>
+    </p:spTree>
+    <p:extLst>
+      <p:ext uri="{BB962C8B-B14F-4D97-AF65-F5344CB8AC3E}">
+        <p14:creationId xmlns:p14="http://schemas.microsoft.com/office/powerpoint/2010/main" val="1386294289"/>
       </p:ext>
     </p:extLst>
   </p:cSld>
@@ -13640,7 +18201,7 @@
           <a:p>
             <a:fld id="{B226B4E6-2447-4D67-A511-B13A2182F919}" type="datetime5">
               <a:rPr lang="ko-KR" altLang="en-US" smtClean="0"/>
-              <a:t>2021/7/27</a:t>
+              <a:t>2021/7/28</a:t>
             </a:fld>
             <a:endParaRPr lang="ko-KR" altLang="en-US" dirty="0"/>
           </a:p>
@@ -14166,7 +18727,7 @@
           <a:p>
             <a:fld id="{B226B4E6-2447-4D67-A511-B13A2182F919}" type="datetime5">
               <a:rPr lang="ko-KR" altLang="en-US" smtClean="0"/>
-              <a:t>2021/7/27</a:t>
+              <a:t>2021/7/28</a:t>
             </a:fld>
             <a:endParaRPr lang="ko-KR" altLang="en-US" dirty="0"/>
           </a:p>
@@ -14477,7 +19038,7 @@
           <a:p>
             <a:fld id="{B226B4E6-2447-4D67-A511-B13A2182F919}" type="datetime5">
               <a:rPr lang="ko-KR" altLang="en-US" smtClean="0"/>
-              <a:t>2021/7/27</a:t>
+              <a:t>2021/7/28</a:t>
             </a:fld>
             <a:endParaRPr lang="ko-KR" altLang="en-US" dirty="0"/>
           </a:p>
@@ -14985,7 +19546,7 @@
           <a:p>
             <a:fld id="{B226B4E6-2447-4D67-A511-B13A2182F919}" type="datetime5">
               <a:rPr lang="ko-KR" altLang="en-US" smtClean="0"/>
-              <a:t>2021/7/27</a:t>
+              <a:t>2021/7/28</a:t>
             </a:fld>
             <a:endParaRPr lang="ko-KR" altLang="en-US" dirty="0"/>
           </a:p>
@@ -15439,7 +20000,7 @@
           <a:p>
             <a:fld id="{B226B4E6-2447-4D67-A511-B13A2182F919}" type="datetime5">
               <a:rPr lang="ko-KR" altLang="en-US" smtClean="0"/>
-              <a:t>2021/7/27</a:t>
+              <a:t>2021/7/28</a:t>
             </a:fld>
             <a:endParaRPr lang="ko-KR" altLang="en-US" dirty="0"/>
           </a:p>
@@ -16004,7 +20565,7 @@
           <a:p>
             <a:fld id="{B226B4E6-2447-4D67-A511-B13A2182F919}" type="datetime5">
               <a:rPr lang="ko-KR" altLang="en-US" smtClean="0"/>
-              <a:t>2021/7/27</a:t>
+              <a:t>2021/7/28</a:t>
             </a:fld>
             <a:endParaRPr lang="ko-KR" altLang="en-US" dirty="0"/>
           </a:p>

--- a/정보처리기사/정보처리기사.pptx
+++ b/정보처리기사/정보처리기사.pptx
@@ -5,10 +5,10 @@
     <p:sldMasterId id="2147483648" r:id="rId1"/>
   </p:sldMasterIdLst>
   <p:notesMasterIdLst>
-    <p:notesMasterId r:id="rId36"/>
+    <p:notesMasterId r:id="rId42"/>
   </p:notesMasterIdLst>
   <p:handoutMasterIdLst>
-    <p:handoutMasterId r:id="rId37"/>
+    <p:handoutMasterId r:id="rId43"/>
   </p:handoutMasterIdLst>
   <p:sldIdLst>
     <p:sldId id="259" r:id="rId2"/>
@@ -45,6 +45,12 @@
     <p:sldId id="291" r:id="rId33"/>
     <p:sldId id="292" r:id="rId34"/>
     <p:sldId id="293" r:id="rId35"/>
+    <p:sldId id="294" r:id="rId36"/>
+    <p:sldId id="295" r:id="rId37"/>
+    <p:sldId id="296" r:id="rId38"/>
+    <p:sldId id="297" r:id="rId39"/>
+    <p:sldId id="298" r:id="rId40"/>
+    <p:sldId id="300" r:id="rId41"/>
   </p:sldIdLst>
   <p:sldSz cx="12192000" cy="6858000"/>
   <p:notesSz cx="9144000" cy="6858000"/>
@@ -216,6 +222,24 @@
             <p14:sldId id="293"/>
           </p14:sldIdLst>
         </p14:section>
+        <p14:section name="인터페이스 설계 - 인터페이스 요구사항 확인" id="{7CE5FF65-607F-47B9-B0C3-746F4CC089CD}">
+          <p14:sldIdLst>
+            <p14:sldId id="294"/>
+            <p14:sldId id="295"/>
+          </p14:sldIdLst>
+        </p14:section>
+        <p14:section name="인터페이스 설계 - 인터페이스 대상 식별" id="{8E7AB3D0-D852-47FB-88D5-C1060452F170}">
+          <p14:sldIdLst>
+            <p14:sldId id="296"/>
+            <p14:sldId id="297"/>
+          </p14:sldIdLst>
+        </p14:section>
+        <p14:section name="인터페이스 설계 - 인터페이스 상세 설계" id="{0C77BF82-44D4-4386-8759-1F1021430BA8}">
+          <p14:sldIdLst>
+            <p14:sldId id="298"/>
+            <p14:sldId id="300"/>
+          </p14:sldIdLst>
+        </p14:section>
       </p14:sectionLst>
     </p:ext>
     <p:ext uri="{EFAFB233-063F-42B5-8137-9DF3F51BA10A}">
@@ -322,7 +346,7 @@
           <a:p>
             <a:fld id="{A4D0E862-B602-4F19-9CCB-DBEF680D281A}" type="datetimeFigureOut">
               <a:rPr lang="ko-KR" altLang="en-US" smtClean="0"/>
-              <a:t>2021-07-28</a:t>
+              <a:t>2021-07-29</a:t>
             </a:fld>
             <a:endParaRPr lang="ko-KR" altLang="en-US"/>
           </a:p>
@@ -499,7 +523,7 @@
           <a:p>
             <a:fld id="{44272663-55A4-40A7-950D-2D273278BFB3}" type="datetimeFigureOut">
               <a:rPr lang="ko-KR" altLang="en-US" smtClean="0"/>
-              <a:t>2021-07-28</a:t>
+              <a:t>2021-07-29</a:t>
             </a:fld>
             <a:endParaRPr lang="ko-KR" altLang="en-US"/>
           </a:p>
@@ -1606,7 +1630,7 @@
           <a:p>
             <a:fld id="{B226B4E6-2447-4D67-A511-B13A2182F919}" type="datetime5">
               <a:rPr lang="ko-KR" altLang="en-US" smtClean="0"/>
-              <a:t>2021/7/28</a:t>
+              <a:t>2021/7/29</a:t>
             </a:fld>
             <a:endParaRPr lang="ko-KR" altLang="en-US" dirty="0"/>
           </a:p>
@@ -1977,7 +2001,7 @@
           <a:p>
             <a:fld id="{B226B4E6-2447-4D67-A511-B13A2182F919}" type="datetime5">
               <a:rPr lang="ko-KR" altLang="en-US" smtClean="0"/>
-              <a:t>2021/7/28</a:t>
+              <a:t>2021/7/29</a:t>
             </a:fld>
             <a:endParaRPr lang="ko-KR" altLang="en-US" dirty="0"/>
           </a:p>
@@ -2271,7 +2295,7 @@
           <a:p>
             <a:fld id="{B226B4E6-2447-4D67-A511-B13A2182F919}" type="datetime5">
               <a:rPr lang="ko-KR" altLang="en-US" smtClean="0"/>
-              <a:t>2021/7/28</a:t>
+              <a:t>2021/7/29</a:t>
             </a:fld>
             <a:endParaRPr lang="ko-KR" altLang="en-US" dirty="0"/>
           </a:p>
@@ -2573,7 +2597,7 @@
           <a:p>
             <a:fld id="{B226B4E6-2447-4D67-A511-B13A2182F919}" type="datetime5">
               <a:rPr lang="ko-KR" altLang="en-US" smtClean="0"/>
-              <a:t>2021/7/28</a:t>
+              <a:t>2021/7/29</a:t>
             </a:fld>
             <a:endParaRPr lang="ko-KR" altLang="en-US" dirty="0"/>
           </a:p>
@@ -4014,7 +4038,7 @@
           <a:p>
             <a:fld id="{B226B4E6-2447-4D67-A511-B13A2182F919}" type="datetime5">
               <a:rPr lang="ko-KR" altLang="en-US" smtClean="0"/>
-              <a:t>2021/7/28</a:t>
+              <a:t>2021/7/29</a:t>
             </a:fld>
             <a:endParaRPr lang="ko-KR" altLang="en-US" dirty="0"/>
           </a:p>
@@ -4729,7 +4753,7 @@
           <a:p>
             <a:fld id="{B226B4E6-2447-4D67-A511-B13A2182F919}" type="datetime5">
               <a:rPr lang="ko-KR" altLang="en-US" smtClean="0"/>
-              <a:t>2021/7/28</a:t>
+              <a:t>2021/7/29</a:t>
             </a:fld>
             <a:endParaRPr lang="ko-KR" altLang="en-US" dirty="0"/>
           </a:p>
@@ -5208,7 +5232,7 @@
           <a:p>
             <a:fld id="{B226B4E6-2447-4D67-A511-B13A2182F919}" type="datetime5">
               <a:rPr lang="ko-KR" altLang="en-US" smtClean="0"/>
-              <a:t>2021/7/28</a:t>
+              <a:t>2021/7/29</a:t>
             </a:fld>
             <a:endParaRPr lang="ko-KR" altLang="en-US" dirty="0"/>
           </a:p>
@@ -5861,7 +5885,7 @@
           <a:p>
             <a:fld id="{B226B4E6-2447-4D67-A511-B13A2182F919}" type="datetime5">
               <a:rPr lang="ko-KR" altLang="en-US" smtClean="0"/>
-              <a:t>2021/7/28</a:t>
+              <a:t>2021/7/29</a:t>
             </a:fld>
             <a:endParaRPr lang="ko-KR" altLang="en-US" dirty="0"/>
           </a:p>
@@ -6626,7 +6650,7 @@
           <a:p>
             <a:fld id="{B226B4E6-2447-4D67-A511-B13A2182F919}" type="datetime5">
               <a:rPr lang="ko-KR" altLang="en-US" smtClean="0"/>
-              <a:t>2021/7/28</a:t>
+              <a:t>2021/7/29</a:t>
             </a:fld>
             <a:endParaRPr lang="ko-KR" altLang="en-US" dirty="0"/>
           </a:p>
@@ -7198,7 +7222,7 @@
           <a:p>
             <a:fld id="{B226B4E6-2447-4D67-A511-B13A2182F919}" type="datetime5">
               <a:rPr lang="ko-KR" altLang="en-US" smtClean="0"/>
-              <a:t>2021/7/28</a:t>
+              <a:t>2021/7/29</a:t>
             </a:fld>
             <a:endParaRPr lang="ko-KR" altLang="en-US" dirty="0"/>
           </a:p>
@@ -7818,7 +7842,7 @@
           <a:p>
             <a:fld id="{B226B4E6-2447-4D67-A511-B13A2182F919}" type="datetime5">
               <a:rPr lang="ko-KR" altLang="en-US" smtClean="0"/>
-              <a:t>2021/7/28</a:t>
+              <a:t>2021/7/29</a:t>
             </a:fld>
             <a:endParaRPr lang="ko-KR" altLang="en-US" dirty="0"/>
           </a:p>
@@ -8244,7 +8268,7 @@
           <a:p>
             <a:fld id="{B226B4E6-2447-4D67-A511-B13A2182F919}" type="datetime5">
               <a:rPr lang="ko-KR" altLang="en-US" smtClean="0"/>
-              <a:t>2021/7/28</a:t>
+              <a:t>2021/7/29</a:t>
             </a:fld>
             <a:endParaRPr lang="ko-KR" altLang="en-US" dirty="0"/>
           </a:p>
@@ -8578,7 +8602,7 @@
           <a:p>
             <a:fld id="{B226B4E6-2447-4D67-A511-B13A2182F919}" type="datetime5">
               <a:rPr lang="ko-KR" altLang="en-US" smtClean="0"/>
-              <a:t>2021/7/28</a:t>
+              <a:t>2021/7/29</a:t>
             </a:fld>
             <a:endParaRPr lang="ko-KR" altLang="en-US" dirty="0"/>
           </a:p>
@@ -8969,7 +8993,7 @@
           <a:p>
             <a:fld id="{B226B4E6-2447-4D67-A511-B13A2182F919}" type="datetime5">
               <a:rPr lang="ko-KR" altLang="en-US" smtClean="0"/>
-              <a:t>2021/7/28</a:t>
+              <a:t>2021/7/29</a:t>
             </a:fld>
             <a:endParaRPr lang="ko-KR" altLang="en-US" dirty="0"/>
           </a:p>
@@ -9186,7 +9210,7 @@
           <a:p>
             <a:fld id="{B226B4E6-2447-4D67-A511-B13A2182F919}" type="datetime5">
               <a:rPr lang="ko-KR" altLang="en-US" smtClean="0"/>
-              <a:t>2021/7/28</a:t>
+              <a:t>2021/7/29</a:t>
             </a:fld>
             <a:endParaRPr lang="ko-KR" altLang="en-US" dirty="0"/>
           </a:p>
@@ -9876,7 +9900,7 @@
           <a:p>
             <a:fld id="{B226B4E6-2447-4D67-A511-B13A2182F919}" type="datetime5">
               <a:rPr lang="ko-KR" altLang="en-US" smtClean="0"/>
-              <a:t>2021/7/28</a:t>
+              <a:t>2021/7/29</a:t>
             </a:fld>
             <a:endParaRPr lang="ko-KR" altLang="en-US" dirty="0"/>
           </a:p>
@@ -10266,7 +10290,7 @@
           <a:p>
             <a:fld id="{B226B4E6-2447-4D67-A511-B13A2182F919}" type="datetime5">
               <a:rPr lang="ko-KR" altLang="en-US" smtClean="0"/>
-              <a:t>2021/7/28</a:t>
+              <a:t>2021/7/29</a:t>
             </a:fld>
             <a:endParaRPr lang="ko-KR" altLang="en-US" dirty="0"/>
           </a:p>
@@ -10817,7 +10841,7 @@
           <a:p>
             <a:fld id="{B226B4E6-2447-4D67-A511-B13A2182F919}" type="datetime5">
               <a:rPr lang="ko-KR" altLang="en-US" smtClean="0"/>
-              <a:t>2021/7/28</a:t>
+              <a:t>2021/7/29</a:t>
             </a:fld>
             <a:endParaRPr lang="ko-KR" altLang="en-US" dirty="0"/>
           </a:p>
@@ -11251,7 +11275,7 @@
           <a:p>
             <a:fld id="{B226B4E6-2447-4D67-A511-B13A2182F919}" type="datetime5">
               <a:rPr lang="ko-KR" altLang="en-US" smtClean="0"/>
-              <a:t>2021/7/28</a:t>
+              <a:t>2021/7/29</a:t>
             </a:fld>
             <a:endParaRPr lang="ko-KR" altLang="en-US" dirty="0"/>
           </a:p>
@@ -11747,7 +11771,7 @@
           <a:p>
             <a:fld id="{B226B4E6-2447-4D67-A511-B13A2182F919}" type="datetime5">
               <a:rPr lang="ko-KR" altLang="en-US" smtClean="0"/>
-              <a:t>2021/7/28</a:t>
+              <a:t>2021/7/29</a:t>
             </a:fld>
             <a:endParaRPr lang="ko-KR" altLang="en-US" dirty="0"/>
           </a:p>
@@ -12256,7 +12280,7 @@
           <a:p>
             <a:fld id="{B226B4E6-2447-4D67-A511-B13A2182F919}" type="datetime5">
               <a:rPr lang="ko-KR" altLang="en-US" smtClean="0"/>
-              <a:t>2021/7/28</a:t>
+              <a:t>2021/7/29</a:t>
             </a:fld>
             <a:endParaRPr lang="ko-KR" altLang="en-US" dirty="0"/>
           </a:p>
@@ -12580,7 +12604,7 @@
           <a:p>
             <a:fld id="{B226B4E6-2447-4D67-A511-B13A2182F919}" type="datetime5">
               <a:rPr lang="ko-KR" altLang="en-US" smtClean="0"/>
-              <a:t>2021/7/28</a:t>
+              <a:t>2021/7/29</a:t>
             </a:fld>
             <a:endParaRPr lang="ko-KR" altLang="en-US" dirty="0"/>
           </a:p>
@@ -13172,7 +13196,7 @@
           <a:p>
             <a:fld id="{B226B4E6-2447-4D67-A511-B13A2182F919}" type="datetime5">
               <a:rPr lang="ko-KR" altLang="en-US" smtClean="0"/>
-              <a:t>2021/7/28</a:t>
+              <a:t>2021/7/29</a:t>
             </a:fld>
             <a:endParaRPr lang="ko-KR" altLang="en-US" dirty="0"/>
           </a:p>
@@ -14143,7 +14167,7 @@
           <a:p>
             <a:fld id="{B226B4E6-2447-4D67-A511-B13A2182F919}" type="datetime5">
               <a:rPr lang="ko-KR" altLang="en-US" smtClean="0"/>
-              <a:t>2021/7/28</a:t>
+              <a:t>2021/7/29</a:t>
             </a:fld>
             <a:endParaRPr lang="ko-KR" altLang="en-US" dirty="0"/>
           </a:p>
@@ -14804,7 +14828,7 @@
           <a:p>
             <a:fld id="{B226B4E6-2447-4D67-A511-B13A2182F919}" type="datetime5">
               <a:rPr lang="ko-KR" altLang="en-US" smtClean="0"/>
-              <a:t>2021/7/28</a:t>
+              <a:t>2021/7/29</a:t>
             </a:fld>
             <a:endParaRPr lang="ko-KR" altLang="en-US" dirty="0"/>
           </a:p>
@@ -15111,6 +15135,37 @@
               <a:rPr lang="ko-KR" altLang="en-US" dirty="0"/>
               <a:t>객체지향 설계</a:t>
             </a:r>
+            <a:endParaRPr lang="en-US" altLang="ko-KR" dirty="0"/>
+          </a:p>
+          <a:p>
+            <a:r>
+              <a:rPr lang="ko-KR" altLang="en-US" dirty="0"/>
+              <a:t>인터페이스 설계</a:t>
+            </a:r>
+            <a:endParaRPr lang="en-US" altLang="ko-KR" dirty="0"/>
+          </a:p>
+          <a:p>
+            <a:pPr lvl="1"/>
+            <a:r>
+              <a:rPr lang="ko-KR" altLang="en-US" dirty="0"/>
+              <a:t>인터페이스 요구사항 확인</a:t>
+            </a:r>
+            <a:endParaRPr lang="en-US" altLang="ko-KR" dirty="0"/>
+          </a:p>
+          <a:p>
+            <a:pPr lvl="1"/>
+            <a:r>
+              <a:rPr lang="ko-KR" altLang="en-US" dirty="0"/>
+              <a:t>인터페이스 대상 식별</a:t>
+            </a:r>
+            <a:endParaRPr lang="en-US" altLang="ko-KR" dirty="0"/>
+          </a:p>
+          <a:p>
+            <a:pPr lvl="1"/>
+            <a:r>
+              <a:rPr lang="ko-KR" altLang="en-US" dirty="0"/>
+              <a:t>인터페이스 상세 설계</a:t>
+            </a:r>
           </a:p>
         </p:txBody>
       </p:sp>
@@ -15196,7 +15251,7 @@
           <a:p>
             <a:fld id="{B226B4E6-2447-4D67-A511-B13A2182F919}" type="datetime5">
               <a:rPr lang="ko-KR" altLang="en-US" smtClean="0"/>
-              <a:t>2021/7/28</a:t>
+              <a:t>2021/7/29</a:t>
             </a:fld>
             <a:endParaRPr lang="ko-KR" altLang="en-US" dirty="0"/>
           </a:p>
@@ -15591,7 +15646,7 @@
           <a:p>
             <a:fld id="{B226B4E6-2447-4D67-A511-B13A2182F919}" type="datetime5">
               <a:rPr lang="ko-KR" altLang="en-US" smtClean="0"/>
-              <a:t>2021/7/28</a:t>
+              <a:t>2021/7/29</a:t>
             </a:fld>
             <a:endParaRPr lang="ko-KR" altLang="en-US" dirty="0"/>
           </a:p>
@@ -15727,7 +15782,43 @@
             <a:pPr lvl="2"/>
             <a:r>
               <a:rPr lang="en-US" altLang="ko-KR" dirty="0"/>
-              <a:t>Object: Memory</a:t>
+              <a:t>Object: Class</a:t>
+            </a:r>
+            <a:r>
+              <a:rPr lang="ko-KR" altLang="en-US" dirty="0"/>
+              <a:t>의 타입으로 선언됨</a:t>
+            </a:r>
+            <a:endParaRPr lang="en-US" altLang="ko-KR" dirty="0"/>
+          </a:p>
+          <a:p>
+            <a:pPr lvl="2"/>
+            <a:r>
+              <a:rPr lang="en-US" altLang="ko-KR" dirty="0"/>
+              <a:t>Method: </a:t>
+            </a:r>
+            <a:r>
+              <a:rPr lang="ko-KR" altLang="en-US" dirty="0"/>
+              <a:t>객체를 사용하는 방법</a:t>
+            </a:r>
+            <a:endParaRPr lang="en-US" altLang="ko-KR" dirty="0"/>
+          </a:p>
+          <a:p>
+            <a:pPr lvl="2"/>
+            <a:r>
+              <a:rPr lang="en-US" altLang="ko-KR" dirty="0"/>
+              <a:t>Message: </a:t>
+            </a:r>
+            <a:r>
+              <a:rPr lang="ko-KR" altLang="en-US" dirty="0"/>
+              <a:t>객체간 상호작용을 위한 수단</a:t>
+            </a:r>
+            <a:endParaRPr lang="en-US" altLang="ko-KR" dirty="0"/>
+          </a:p>
+          <a:p>
+            <a:pPr lvl="2"/>
+            <a:r>
+              <a:rPr lang="en-US" altLang="ko-KR" dirty="0"/>
+              <a:t>Instance: Memory</a:t>
             </a:r>
             <a:r>
               <a:rPr lang="ko-KR" altLang="en-US" dirty="0"/>
@@ -15735,44 +15826,8 @@
             </a:r>
             <a:r>
               <a:rPr lang="en-US" altLang="ko-KR" dirty="0"/>
-              <a:t>Class</a:t>
-            </a:r>
-          </a:p>
-          <a:p>
-            <a:pPr lvl="2"/>
-            <a:r>
-              <a:rPr lang="en-US" altLang="ko-KR" dirty="0"/>
-              <a:t>Method: </a:t>
-            </a:r>
-            <a:r>
-              <a:rPr lang="ko-KR" altLang="en-US" dirty="0"/>
-              <a:t>객체를 사용하는 방법</a:t>
-            </a:r>
-            <a:endParaRPr lang="en-US" altLang="ko-KR" dirty="0"/>
-          </a:p>
-          <a:p>
-            <a:pPr lvl="2"/>
-            <a:r>
-              <a:rPr lang="en-US" altLang="ko-KR" dirty="0"/>
-              <a:t>Message: </a:t>
-            </a:r>
-            <a:r>
-              <a:rPr lang="ko-KR" altLang="en-US" dirty="0"/>
-              <a:t>객체간 상호작용을 위한 수단</a:t>
-            </a:r>
-            <a:endParaRPr lang="en-US" altLang="ko-KR" dirty="0"/>
-          </a:p>
-          <a:p>
-            <a:pPr lvl="2"/>
-            <a:r>
-              <a:rPr lang="en-US" altLang="ko-KR" dirty="0"/>
-              <a:t>Instance: </a:t>
-            </a:r>
-            <a:r>
-              <a:rPr lang="ko-KR" altLang="en-US" dirty="0"/>
-              <a:t>각각의 객체</a:t>
-            </a:r>
-            <a:endParaRPr lang="en-US" altLang="ko-KR" dirty="0"/>
+              <a:t>Object</a:t>
+            </a:r>
           </a:p>
           <a:p>
             <a:pPr lvl="2"/>
@@ -16224,7 +16279,7 @@
           <a:p>
             <a:fld id="{B226B4E6-2447-4D67-A511-B13A2182F919}" type="datetime5">
               <a:rPr lang="ko-KR" altLang="en-US" smtClean="0"/>
-              <a:t>2021/7/28</a:t>
+              <a:t>2021/7/29</a:t>
             </a:fld>
             <a:endParaRPr lang="ko-KR" altLang="en-US" dirty="0"/>
           </a:p>
@@ -16577,7 +16632,7 @@
           <a:p>
             <a:fld id="{B226B4E6-2447-4D67-A511-B13A2182F919}" type="datetime5">
               <a:rPr lang="ko-KR" altLang="en-US" smtClean="0"/>
-              <a:t>2021/7/28</a:t>
+              <a:t>2021/7/29</a:t>
             </a:fld>
             <a:endParaRPr lang="ko-KR" altLang="en-US" dirty="0"/>
           </a:p>
@@ -16886,7 +16941,7 @@
           <a:p>
             <a:fld id="{B226B4E6-2447-4D67-A511-B13A2182F919}" type="datetime5">
               <a:rPr lang="ko-KR" altLang="en-US" smtClean="0"/>
-              <a:t>2021/7/28</a:t>
+              <a:t>2021/7/29</a:t>
             </a:fld>
             <a:endParaRPr lang="ko-KR" altLang="en-US" dirty="0"/>
           </a:p>
@@ -17470,7 +17525,7 @@
           <a:p>
             <a:fld id="{B226B4E6-2447-4D67-A511-B13A2182F919}" type="datetime5">
               <a:rPr lang="ko-KR" altLang="en-US" smtClean="0"/>
-              <a:t>2021/7/28</a:t>
+              <a:t>2021/7/29</a:t>
             </a:fld>
             <a:endParaRPr lang="ko-KR" altLang="en-US" dirty="0"/>
           </a:p>
@@ -17480,6 +17535,2245 @@
     <p:extLst>
       <p:ext uri="{BB962C8B-B14F-4D97-AF65-F5344CB8AC3E}">
         <p14:creationId xmlns:p14="http://schemas.microsoft.com/office/powerpoint/2010/main" val="1386294289"/>
+      </p:ext>
+    </p:extLst>
+  </p:cSld>
+  <p:clrMapOvr>
+    <a:masterClrMapping/>
+  </p:clrMapOvr>
+</p:sld>
+</file>
+
+<file path=ppt/slides/slide35.xml><?xml version="1.0" encoding="utf-8"?>
+<p:sld xmlns:a="http://schemas.openxmlformats.org/drawingml/2006/main" xmlns:r="http://schemas.openxmlformats.org/officeDocument/2006/relationships" xmlns:p="http://schemas.openxmlformats.org/presentationml/2006/main">
+  <p:cSld>
+    <p:spTree>
+      <p:nvGrpSpPr>
+        <p:cNvPr id="1" name=""/>
+        <p:cNvGrpSpPr/>
+        <p:nvPr/>
+      </p:nvGrpSpPr>
+      <p:grpSpPr>
+        <a:xfrm>
+          <a:off x="0" y="0"/>
+          <a:ext cx="0" cy="0"/>
+          <a:chOff x="0" y="0"/>
+          <a:chExt cx="0" cy="0"/>
+        </a:xfrm>
+      </p:grpSpPr>
+      <p:sp>
+        <p:nvSpPr>
+          <p:cNvPr id="9" name="내용 개체 틀 8">
+            <a:extLst>
+              <a:ext uri="{FF2B5EF4-FFF2-40B4-BE49-F238E27FC236}">
+                <a16:creationId xmlns:a16="http://schemas.microsoft.com/office/drawing/2014/main" id="{1FF5E6DA-2BD5-47A1-9EA8-2A8C48A87121}"/>
+              </a:ext>
+            </a:extLst>
+          </p:cNvPr>
+          <p:cNvSpPr>
+            <a:spLocks noGrp="1"/>
+          </p:cNvSpPr>
+          <p:nvPr>
+            <p:ph sz="half" idx="14"/>
+          </p:nvPr>
+        </p:nvSpPr>
+        <p:spPr/>
+        <p:txBody>
+          <a:bodyPr/>
+          <a:lstStyle/>
+          <a:p>
+            <a:r>
+              <a:rPr lang="ko-KR" altLang="en-US" dirty="0"/>
+              <a:t>내</a:t>
+            </a:r>
+            <a:r>
+              <a:rPr lang="en-US" altLang="ko-KR" dirty="0"/>
+              <a:t>-</a:t>
+            </a:r>
+            <a:r>
+              <a:rPr lang="ko-KR" altLang="en-US" dirty="0"/>
+              <a:t>외부 인터페이스 요구사항</a:t>
+            </a:r>
+            <a:endParaRPr lang="en-US" altLang="ko-KR" dirty="0"/>
+          </a:p>
+          <a:p>
+            <a:pPr lvl="1"/>
+            <a:r>
+              <a:rPr lang="ko-KR" altLang="en-US" dirty="0"/>
+              <a:t>정의</a:t>
+            </a:r>
+            <a:r>
+              <a:rPr lang="en-US" altLang="ko-KR" dirty="0"/>
+              <a:t>: </a:t>
+            </a:r>
+            <a:r>
+              <a:rPr lang="ko-KR" altLang="en-US" dirty="0"/>
+              <a:t>시스템 사용을 위한 방법</a:t>
+            </a:r>
+            <a:endParaRPr lang="en-US" altLang="ko-KR" dirty="0"/>
+          </a:p>
+          <a:p>
+            <a:pPr lvl="1"/>
+            <a:r>
+              <a:rPr lang="ko-KR" altLang="en-US" dirty="0"/>
+              <a:t>구성</a:t>
+            </a:r>
+            <a:r>
+              <a:rPr lang="en-US" altLang="ko-KR" dirty="0"/>
+              <a:t>: </a:t>
+            </a:r>
+            <a:r>
+              <a:rPr lang="ko-KR" altLang="en-US" dirty="0"/>
+              <a:t>이름</a:t>
+            </a:r>
+            <a:r>
+              <a:rPr lang="en-US" altLang="ko-KR" dirty="0"/>
+              <a:t>, </a:t>
+            </a:r>
+            <a:r>
+              <a:rPr lang="ko-KR" altLang="en-US" dirty="0"/>
+              <a:t>대상 시스템</a:t>
+            </a:r>
+            <a:r>
+              <a:rPr lang="en-US" altLang="ko-KR" dirty="0"/>
+              <a:t>, </a:t>
+            </a:r>
+            <a:r>
+              <a:rPr lang="ko-KR" altLang="en-US" dirty="0"/>
+              <a:t>방식</a:t>
+            </a:r>
+            <a:r>
+              <a:rPr lang="en-US" altLang="ko-KR" dirty="0"/>
+              <a:t>, </a:t>
+            </a:r>
+            <a:r>
+              <a:rPr lang="ko-KR" altLang="en-US" dirty="0"/>
+              <a:t>송신 데이터</a:t>
+            </a:r>
+            <a:r>
+              <a:rPr lang="en-US" altLang="ko-KR" dirty="0"/>
+              <a:t>…</a:t>
+            </a:r>
+          </a:p>
+          <a:p>
+            <a:pPr lvl="1"/>
+            <a:r>
+              <a:rPr lang="ko-KR" altLang="en-US" dirty="0"/>
+              <a:t>분류</a:t>
+            </a:r>
+            <a:endParaRPr lang="en-US" altLang="ko-KR" dirty="0"/>
+          </a:p>
+          <a:p>
+            <a:pPr lvl="2"/>
+            <a:r>
+              <a:rPr lang="ko-KR" altLang="en-US" dirty="0"/>
+              <a:t>기능적 요구사항</a:t>
+            </a:r>
+            <a:endParaRPr lang="en-US" altLang="ko-KR" dirty="0"/>
+          </a:p>
+          <a:p>
+            <a:pPr lvl="2"/>
+            <a:r>
+              <a:rPr lang="ko-KR" altLang="en-US" dirty="0"/>
+              <a:t>비기능적 요구사항</a:t>
+            </a:r>
+            <a:endParaRPr lang="en-US" altLang="ko-KR" dirty="0"/>
+          </a:p>
+        </p:txBody>
+      </p:sp>
+      <p:sp>
+        <p:nvSpPr>
+          <p:cNvPr id="7" name="제목 6">
+            <a:extLst>
+              <a:ext uri="{FF2B5EF4-FFF2-40B4-BE49-F238E27FC236}">
+                <a16:creationId xmlns:a16="http://schemas.microsoft.com/office/drawing/2014/main" id="{BAAB0A18-C41C-4727-AA21-5A156BAF476C}"/>
+              </a:ext>
+            </a:extLst>
+          </p:cNvPr>
+          <p:cNvSpPr>
+            <a:spLocks noGrp="1"/>
+          </p:cNvSpPr>
+          <p:nvPr>
+            <p:ph type="title"/>
+          </p:nvPr>
+        </p:nvSpPr>
+        <p:spPr/>
+        <p:txBody>
+          <a:bodyPr/>
+          <a:lstStyle/>
+          <a:p>
+            <a:r>
+              <a:rPr lang="ko-KR" altLang="en-US" dirty="0"/>
+              <a:t>내</a:t>
+            </a:r>
+            <a:r>
+              <a:rPr lang="en-US" altLang="ko-KR" dirty="0"/>
+              <a:t>-</a:t>
+            </a:r>
+            <a:r>
+              <a:rPr lang="ko-KR" altLang="en-US" dirty="0"/>
+              <a:t>외부 인터페이스 요구사항</a:t>
+            </a:r>
+          </a:p>
+        </p:txBody>
+      </p:sp>
+      <p:sp>
+        <p:nvSpPr>
+          <p:cNvPr id="8" name="내용 개체 틀 7">
+            <a:extLst>
+              <a:ext uri="{FF2B5EF4-FFF2-40B4-BE49-F238E27FC236}">
+                <a16:creationId xmlns:a16="http://schemas.microsoft.com/office/drawing/2014/main" id="{9C0B2211-D04D-448E-91AC-846F2EE960E5}"/>
+              </a:ext>
+            </a:extLst>
+          </p:cNvPr>
+          <p:cNvSpPr>
+            <a:spLocks noGrp="1"/>
+          </p:cNvSpPr>
+          <p:nvPr>
+            <p:ph sz="half" idx="2"/>
+          </p:nvPr>
+        </p:nvSpPr>
+        <p:spPr/>
+        <p:txBody>
+          <a:bodyPr/>
+          <a:lstStyle/>
+          <a:p>
+            <a:endParaRPr lang="ko-KR" altLang="en-US"/>
+          </a:p>
+        </p:txBody>
+      </p:sp>
+      <p:sp>
+        <p:nvSpPr>
+          <p:cNvPr id="4" name="슬라이드 번호 개체 틀 3">
+            <a:extLst>
+              <a:ext uri="{FF2B5EF4-FFF2-40B4-BE49-F238E27FC236}">
+                <a16:creationId xmlns:a16="http://schemas.microsoft.com/office/drawing/2014/main" id="{CE465CB0-0E80-44D4-AAA3-E99A50CC457D}"/>
+              </a:ext>
+            </a:extLst>
+          </p:cNvPr>
+          <p:cNvSpPr>
+            <a:spLocks noGrp="1"/>
+          </p:cNvSpPr>
+          <p:nvPr>
+            <p:ph type="sldNum" sz="quarter" idx="12"/>
+          </p:nvPr>
+        </p:nvSpPr>
+        <p:spPr/>
+        <p:txBody>
+          <a:bodyPr/>
+          <a:lstStyle/>
+          <a:p>
+            <a:fld id="{89BED30C-66D9-4104-96BC-081A506F0CF0}" type="slidenum">
+              <a:rPr lang="ko-KR" altLang="en-US" smtClean="0"/>
+              <a:t>35</a:t>
+            </a:fld>
+            <a:endParaRPr lang="ko-KR" altLang="en-US"/>
+          </a:p>
+        </p:txBody>
+      </p:sp>
+      <p:sp>
+        <p:nvSpPr>
+          <p:cNvPr id="5" name="바닥글 개체 틀 4">
+            <a:extLst>
+              <a:ext uri="{FF2B5EF4-FFF2-40B4-BE49-F238E27FC236}">
+                <a16:creationId xmlns:a16="http://schemas.microsoft.com/office/drawing/2014/main" id="{9F6A246A-86E3-4555-BCDB-64F42D5F9E18}"/>
+              </a:ext>
+            </a:extLst>
+          </p:cNvPr>
+          <p:cNvSpPr>
+            <a:spLocks noGrp="1"/>
+          </p:cNvSpPr>
+          <p:nvPr>
+            <p:ph type="ftr" sz="quarter" idx="3"/>
+          </p:nvPr>
+        </p:nvSpPr>
+        <p:spPr/>
+        <p:txBody>
+          <a:bodyPr/>
+          <a:lstStyle/>
+          <a:p>
+            <a:pPr algn="l"/>
+            <a:r>
+              <a:rPr lang="en-US" altLang="ko-KR"/>
+              <a:t>Nibble</a:t>
+            </a:r>
+            <a:endParaRPr lang="ko-KR" altLang="en-US" dirty="0"/>
+          </a:p>
+        </p:txBody>
+      </p:sp>
+      <p:sp>
+        <p:nvSpPr>
+          <p:cNvPr id="6" name="날짜 개체 틀 5">
+            <a:extLst>
+              <a:ext uri="{FF2B5EF4-FFF2-40B4-BE49-F238E27FC236}">
+                <a16:creationId xmlns:a16="http://schemas.microsoft.com/office/drawing/2014/main" id="{9398FEA6-A459-4393-966A-280E75AC4F24}"/>
+              </a:ext>
+            </a:extLst>
+          </p:cNvPr>
+          <p:cNvSpPr>
+            <a:spLocks noGrp="1"/>
+          </p:cNvSpPr>
+          <p:nvPr>
+            <p:ph type="dt" sz="half" idx="13"/>
+          </p:nvPr>
+        </p:nvSpPr>
+        <p:spPr/>
+        <p:txBody>
+          <a:bodyPr/>
+          <a:lstStyle/>
+          <a:p>
+            <a:fld id="{B226B4E6-2447-4D67-A511-B13A2182F919}" type="datetime5">
+              <a:rPr lang="ko-KR" altLang="en-US" smtClean="0"/>
+              <a:t>2021/7/29</a:t>
+            </a:fld>
+            <a:endParaRPr lang="ko-KR" altLang="en-US" dirty="0"/>
+          </a:p>
+        </p:txBody>
+      </p:sp>
+    </p:spTree>
+    <p:extLst>
+      <p:ext uri="{BB962C8B-B14F-4D97-AF65-F5344CB8AC3E}">
+        <p14:creationId xmlns:p14="http://schemas.microsoft.com/office/powerpoint/2010/main" val="3996111599"/>
+      </p:ext>
+    </p:extLst>
+  </p:cSld>
+  <p:clrMapOvr>
+    <a:masterClrMapping/>
+  </p:clrMapOvr>
+</p:sld>
+</file>
+
+<file path=ppt/slides/slide36.xml><?xml version="1.0" encoding="utf-8"?>
+<p:sld xmlns:a="http://schemas.openxmlformats.org/drawingml/2006/main" xmlns:r="http://schemas.openxmlformats.org/officeDocument/2006/relationships" xmlns:p="http://schemas.openxmlformats.org/presentationml/2006/main">
+  <p:cSld>
+    <p:spTree>
+      <p:nvGrpSpPr>
+        <p:cNvPr id="1" name=""/>
+        <p:cNvGrpSpPr/>
+        <p:nvPr/>
+      </p:nvGrpSpPr>
+      <p:grpSpPr>
+        <a:xfrm>
+          <a:off x="0" y="0"/>
+          <a:ext cx="0" cy="0"/>
+          <a:chOff x="0" y="0"/>
+          <a:chExt cx="0" cy="0"/>
+        </a:xfrm>
+      </p:grpSpPr>
+      <p:sp>
+        <p:nvSpPr>
+          <p:cNvPr id="2" name="내용 개체 틀 1">
+            <a:extLst>
+              <a:ext uri="{FF2B5EF4-FFF2-40B4-BE49-F238E27FC236}">
+                <a16:creationId xmlns:a16="http://schemas.microsoft.com/office/drawing/2014/main" id="{7283C4A3-9356-4F33-B778-D8ABDD8681EA}"/>
+              </a:ext>
+            </a:extLst>
+          </p:cNvPr>
+          <p:cNvSpPr>
+            <a:spLocks noGrp="1"/>
+          </p:cNvSpPr>
+          <p:nvPr>
+            <p:ph sz="half" idx="14"/>
+          </p:nvPr>
+        </p:nvSpPr>
+        <p:spPr/>
+        <p:txBody>
+          <a:bodyPr/>
+          <a:lstStyle/>
+          <a:p>
+            <a:r>
+              <a:rPr lang="ko-KR" altLang="en-US" dirty="0"/>
+              <a:t>요구공학</a:t>
+            </a:r>
+            <a:endParaRPr lang="en-US" altLang="ko-KR" dirty="0"/>
+          </a:p>
+          <a:p>
+            <a:pPr lvl="1"/>
+            <a:r>
+              <a:rPr lang="ko-KR" altLang="en-US" dirty="0"/>
+              <a:t>정의</a:t>
+            </a:r>
+            <a:r>
+              <a:rPr lang="en-US" altLang="ko-KR" dirty="0"/>
+              <a:t>: </a:t>
+            </a:r>
+            <a:r>
+              <a:rPr lang="ko-KR" altLang="en-US" dirty="0"/>
+              <a:t>사용자 요구사항 도출</a:t>
+            </a:r>
+            <a:r>
+              <a:rPr lang="en-US" altLang="ko-KR" dirty="0"/>
+              <a:t>, </a:t>
+            </a:r>
+            <a:r>
+              <a:rPr lang="ko-KR" altLang="en-US" dirty="0"/>
+              <a:t>분석</a:t>
+            </a:r>
+            <a:r>
+              <a:rPr lang="en-US" altLang="ko-KR" dirty="0"/>
+              <a:t>, </a:t>
+            </a:r>
+            <a:r>
+              <a:rPr lang="ko-KR" altLang="en-US" dirty="0"/>
+              <a:t>명세</a:t>
+            </a:r>
+            <a:r>
+              <a:rPr lang="en-US" altLang="ko-KR" dirty="0"/>
+              <a:t>, </a:t>
+            </a:r>
+            <a:r>
+              <a:rPr lang="ko-KR" altLang="en-US" dirty="0"/>
+              <a:t>확인하는 활동</a:t>
+            </a:r>
+            <a:endParaRPr lang="en-US" altLang="ko-KR" dirty="0"/>
+          </a:p>
+          <a:p>
+            <a:r>
+              <a:rPr lang="ko-KR" altLang="en-US" dirty="0"/>
+              <a:t>요구사항 도출</a:t>
+            </a:r>
+            <a:endParaRPr lang="en-US" altLang="ko-KR" dirty="0"/>
+          </a:p>
+          <a:p>
+            <a:pPr lvl="1"/>
+            <a:r>
+              <a:rPr lang="ko-KR" altLang="en-US" dirty="0"/>
+              <a:t>인터뷰</a:t>
+            </a:r>
+            <a:r>
+              <a:rPr lang="en-US" altLang="ko-KR" dirty="0"/>
+              <a:t>, </a:t>
+            </a:r>
+            <a:r>
+              <a:rPr lang="ko-KR" altLang="en-US" dirty="0"/>
+              <a:t>브레인스토밍</a:t>
+            </a:r>
+            <a:r>
+              <a:rPr lang="en-US" altLang="ko-KR" dirty="0"/>
+              <a:t>, </a:t>
+            </a:r>
+            <a:r>
+              <a:rPr lang="ko-KR" altLang="en-US" dirty="0"/>
+              <a:t>워크숍</a:t>
+            </a:r>
+            <a:r>
+              <a:rPr lang="en-US" altLang="ko-KR" dirty="0"/>
+              <a:t>, </a:t>
+            </a:r>
+            <a:r>
+              <a:rPr lang="ko-KR" altLang="en-US" dirty="0"/>
+              <a:t>설문조사</a:t>
+            </a:r>
+            <a:endParaRPr lang="en-US" altLang="ko-KR" dirty="0"/>
+          </a:p>
+          <a:p>
+            <a:pPr lvl="1"/>
+            <a:r>
+              <a:rPr lang="ko-KR" altLang="en-US" dirty="0"/>
+              <a:t>델파이</a:t>
+            </a:r>
+            <a:r>
+              <a:rPr lang="en-US" altLang="ko-KR" dirty="0"/>
+              <a:t>: </a:t>
+            </a:r>
+            <a:r>
+              <a:rPr lang="ko-KR" altLang="en-US" dirty="0"/>
+              <a:t>전문가의 지식을 통해 요구사항 도출</a:t>
+            </a:r>
+            <a:endParaRPr lang="en-US" altLang="ko-KR" dirty="0"/>
+          </a:p>
+          <a:p>
+            <a:pPr lvl="1"/>
+            <a:r>
+              <a:rPr lang="ko-KR" altLang="en-US" dirty="0"/>
+              <a:t>롤 플레잉</a:t>
+            </a:r>
+            <a:r>
+              <a:rPr lang="en-US" altLang="ko-KR" dirty="0"/>
+              <a:t>: </a:t>
+            </a:r>
+            <a:r>
+              <a:rPr lang="ko-KR" altLang="en-US" dirty="0"/>
+              <a:t>직접 연기하며 요구사항 도출</a:t>
+            </a:r>
+            <a:endParaRPr lang="en-US" altLang="ko-KR" dirty="0"/>
+          </a:p>
+          <a:p>
+            <a:r>
+              <a:rPr lang="ko-KR" altLang="en-US" dirty="0"/>
+              <a:t>요구사항 분석</a:t>
+            </a:r>
+            <a:endParaRPr lang="en-US" altLang="ko-KR" dirty="0"/>
+          </a:p>
+          <a:p>
+            <a:pPr lvl="1"/>
+            <a:r>
+              <a:rPr lang="en-US" altLang="ko-KR" dirty="0"/>
+              <a:t>Process</a:t>
+            </a:r>
+          </a:p>
+          <a:p>
+            <a:pPr lvl="2"/>
+            <a:r>
+              <a:rPr lang="en-US" altLang="ko-KR" dirty="0"/>
+              <a:t>1. </a:t>
+            </a:r>
+            <a:r>
+              <a:rPr lang="ko-KR" altLang="en-US" dirty="0"/>
+              <a:t>요구사항 분류</a:t>
+            </a:r>
+            <a:endParaRPr lang="en-US" altLang="ko-KR" dirty="0"/>
+          </a:p>
+          <a:p>
+            <a:pPr lvl="2"/>
+            <a:r>
+              <a:rPr lang="en-US" altLang="ko-KR" dirty="0"/>
+              <a:t>2. </a:t>
+            </a:r>
+            <a:r>
+              <a:rPr lang="ko-KR" altLang="en-US" dirty="0"/>
+              <a:t>개념 모델링 생성 및 분석</a:t>
+            </a:r>
+            <a:endParaRPr lang="en-US" altLang="ko-KR" dirty="0"/>
+          </a:p>
+          <a:p>
+            <a:pPr lvl="2"/>
+            <a:r>
+              <a:rPr lang="en-US" altLang="ko-KR" dirty="0"/>
+              <a:t>3. </a:t>
+            </a:r>
+            <a:r>
+              <a:rPr lang="ko-KR" altLang="en-US" dirty="0"/>
+              <a:t>요구사항 할당</a:t>
+            </a:r>
+            <a:endParaRPr lang="en-US" altLang="ko-KR" dirty="0"/>
+          </a:p>
+          <a:p>
+            <a:pPr lvl="2"/>
+            <a:r>
+              <a:rPr lang="en-US" altLang="ko-KR" dirty="0"/>
+              <a:t>4. </a:t>
+            </a:r>
+            <a:r>
+              <a:rPr lang="ko-KR" altLang="en-US" dirty="0"/>
+              <a:t>요구사항 협상</a:t>
+            </a:r>
+            <a:endParaRPr lang="en-US" altLang="ko-KR" dirty="0"/>
+          </a:p>
+          <a:p>
+            <a:pPr lvl="2"/>
+            <a:r>
+              <a:rPr lang="en-US" altLang="ko-KR" dirty="0"/>
+              <a:t>5. </a:t>
+            </a:r>
+            <a:r>
+              <a:rPr lang="ko-KR" altLang="en-US" dirty="0"/>
+              <a:t>정형 분석</a:t>
+            </a:r>
+            <a:endParaRPr lang="en-US" altLang="ko-KR" dirty="0"/>
+          </a:p>
+          <a:p>
+            <a:pPr lvl="1"/>
+            <a:r>
+              <a:rPr lang="ko-KR" altLang="en-US" dirty="0"/>
+              <a:t>기법</a:t>
+            </a:r>
+            <a:endParaRPr lang="en-US" altLang="ko-KR" dirty="0"/>
+          </a:p>
+          <a:p>
+            <a:pPr lvl="2"/>
+            <a:r>
+              <a:rPr lang="ko-KR" altLang="en-US" dirty="0"/>
+              <a:t>자료 흐름 지향 분석</a:t>
+            </a:r>
+            <a:r>
+              <a:rPr lang="en-US" altLang="ko-KR" dirty="0"/>
+              <a:t>: DFD, DD</a:t>
+            </a:r>
+            <a:r>
+              <a:rPr lang="ko-KR" altLang="en-US" dirty="0"/>
+              <a:t>로 분석</a:t>
+            </a:r>
+            <a:endParaRPr lang="en-US" altLang="ko-KR" dirty="0"/>
+          </a:p>
+          <a:p>
+            <a:pPr lvl="2"/>
+            <a:r>
+              <a:rPr lang="ko-KR" altLang="en-US" dirty="0"/>
+              <a:t>객체지향 분석</a:t>
+            </a:r>
+            <a:r>
+              <a:rPr lang="en-US" altLang="ko-KR" dirty="0"/>
+              <a:t>: UML</a:t>
+            </a:r>
+            <a:r>
+              <a:rPr lang="ko-KR" altLang="en-US" dirty="0"/>
+              <a:t>로 분석</a:t>
+            </a:r>
+            <a:endParaRPr lang="en-US" altLang="ko-KR" dirty="0"/>
+          </a:p>
+          <a:p>
+            <a:pPr lvl="1"/>
+            <a:endParaRPr lang="en-US" altLang="ko-KR" dirty="0"/>
+          </a:p>
+          <a:p>
+            <a:pPr lvl="2"/>
+            <a:endParaRPr lang="en-US" altLang="ko-KR" dirty="0"/>
+          </a:p>
+          <a:p>
+            <a:pPr lvl="2"/>
+            <a:endParaRPr lang="en-US" altLang="ko-KR" dirty="0"/>
+          </a:p>
+        </p:txBody>
+      </p:sp>
+      <p:sp>
+        <p:nvSpPr>
+          <p:cNvPr id="3" name="제목 2">
+            <a:extLst>
+              <a:ext uri="{FF2B5EF4-FFF2-40B4-BE49-F238E27FC236}">
+                <a16:creationId xmlns:a16="http://schemas.microsoft.com/office/drawing/2014/main" id="{203FFD15-04E3-47CB-8E9A-17E4B069F236}"/>
+              </a:ext>
+            </a:extLst>
+          </p:cNvPr>
+          <p:cNvSpPr>
+            <a:spLocks noGrp="1"/>
+          </p:cNvSpPr>
+          <p:nvPr>
+            <p:ph type="title"/>
+          </p:nvPr>
+        </p:nvSpPr>
+        <p:spPr/>
+        <p:txBody>
+          <a:bodyPr/>
+          <a:lstStyle/>
+          <a:p>
+            <a:r>
+              <a:rPr lang="ko-KR" altLang="en-US" dirty="0"/>
+              <a:t>요구공학</a:t>
+            </a:r>
+          </a:p>
+        </p:txBody>
+      </p:sp>
+      <p:sp>
+        <p:nvSpPr>
+          <p:cNvPr id="4" name="내용 개체 틀 3">
+            <a:extLst>
+              <a:ext uri="{FF2B5EF4-FFF2-40B4-BE49-F238E27FC236}">
+                <a16:creationId xmlns:a16="http://schemas.microsoft.com/office/drawing/2014/main" id="{4FB9D036-C25A-4EB1-A09D-085BAB7F7A53}"/>
+              </a:ext>
+            </a:extLst>
+          </p:cNvPr>
+          <p:cNvSpPr>
+            <a:spLocks noGrp="1"/>
+          </p:cNvSpPr>
+          <p:nvPr>
+            <p:ph sz="half" idx="2"/>
+          </p:nvPr>
+        </p:nvSpPr>
+        <p:spPr>
+          <a:xfrm>
+            <a:off x="6172200" y="1210480"/>
+            <a:ext cx="5798890" cy="5007619"/>
+          </a:xfrm>
+        </p:spPr>
+        <p:txBody>
+          <a:bodyPr/>
+          <a:lstStyle/>
+          <a:p>
+            <a:r>
+              <a:rPr lang="ko-KR" altLang="en-US" dirty="0"/>
+              <a:t>요구사항 명세</a:t>
+            </a:r>
+            <a:endParaRPr lang="en-US" altLang="ko-KR" dirty="0"/>
+          </a:p>
+          <a:p>
+            <a:pPr lvl="1"/>
+            <a:r>
+              <a:rPr lang="ko-KR" altLang="en-US" dirty="0"/>
+              <a:t>비정형 명세</a:t>
+            </a:r>
+            <a:r>
+              <a:rPr lang="en-US" altLang="ko-KR" dirty="0"/>
+              <a:t>: </a:t>
+            </a:r>
+            <a:r>
+              <a:rPr lang="ko-KR" altLang="en-US" dirty="0"/>
+              <a:t>자연어를 사용하여 명세</a:t>
+            </a:r>
+            <a:endParaRPr lang="en-US" altLang="ko-KR" dirty="0"/>
+          </a:p>
+          <a:p>
+            <a:pPr lvl="1"/>
+            <a:r>
+              <a:rPr lang="ko-KR" altLang="en-US" dirty="0"/>
+              <a:t>정형 명세</a:t>
+            </a:r>
+            <a:r>
+              <a:rPr lang="en-US" altLang="ko-KR" dirty="0"/>
+              <a:t>: </a:t>
+            </a:r>
+            <a:r>
+              <a:rPr lang="ko-KR" altLang="en-US" dirty="0"/>
+              <a:t>객관적 표기 이용</a:t>
+            </a:r>
+            <a:r>
+              <a:rPr lang="en-US" altLang="ko-KR" dirty="0"/>
+              <a:t>. Z-</a:t>
+            </a:r>
+            <a:r>
+              <a:rPr lang="ko-KR" altLang="en-US" dirty="0"/>
+              <a:t>스키마</a:t>
+            </a:r>
+            <a:r>
+              <a:rPr lang="en-US" altLang="ko-KR" dirty="0"/>
+              <a:t>, Petri, Nets </a:t>
+            </a:r>
+            <a:r>
+              <a:rPr lang="ko-KR" altLang="en-US" dirty="0"/>
+              <a:t>등 사용</a:t>
+            </a:r>
+            <a:endParaRPr lang="en-US" altLang="ko-KR" dirty="0"/>
+          </a:p>
+          <a:p>
+            <a:r>
+              <a:rPr lang="ko-KR" altLang="en-US" dirty="0"/>
+              <a:t>요구사항</a:t>
+            </a:r>
+            <a:r>
+              <a:rPr lang="en-US" altLang="ko-KR" dirty="0"/>
+              <a:t> </a:t>
+            </a:r>
+            <a:r>
+              <a:rPr lang="ko-KR" altLang="en-US" dirty="0"/>
+              <a:t>확인 및 검증</a:t>
+            </a:r>
+            <a:endParaRPr lang="en-US" altLang="ko-KR" dirty="0"/>
+          </a:p>
+          <a:p>
+            <a:pPr lvl="1"/>
+            <a:r>
+              <a:rPr lang="ko-KR" altLang="en-US" dirty="0"/>
+              <a:t>요구사항 검토</a:t>
+            </a:r>
+            <a:endParaRPr lang="en-US" altLang="ko-KR" dirty="0"/>
+          </a:p>
+          <a:p>
+            <a:pPr lvl="1"/>
+            <a:r>
+              <a:rPr lang="ko-KR" altLang="en-US" dirty="0"/>
+              <a:t>정형 기술 검토</a:t>
+            </a:r>
+            <a:endParaRPr lang="en-US" altLang="ko-KR" dirty="0"/>
+          </a:p>
+          <a:p>
+            <a:pPr lvl="2"/>
+            <a:r>
+              <a:rPr lang="ko-KR" altLang="en-US" dirty="0"/>
+              <a:t>동료 검토</a:t>
+            </a:r>
+            <a:r>
+              <a:rPr lang="en-US" altLang="ko-KR" dirty="0"/>
+              <a:t>: </a:t>
+            </a:r>
+            <a:r>
+              <a:rPr lang="ko-KR" altLang="en-US" dirty="0"/>
+              <a:t>작성자가 설명하고</a:t>
+            </a:r>
+            <a:r>
+              <a:rPr lang="en-US" altLang="ko-KR" dirty="0"/>
+              <a:t>, </a:t>
+            </a:r>
+            <a:r>
+              <a:rPr lang="ko-KR" altLang="en-US" dirty="0"/>
+              <a:t>이해관계자가 들으며 확인</a:t>
+            </a:r>
+            <a:endParaRPr lang="en-US" altLang="ko-KR" dirty="0"/>
+          </a:p>
+          <a:p>
+            <a:pPr lvl="2"/>
+            <a:r>
+              <a:rPr lang="ko-KR" altLang="en-US" dirty="0"/>
+              <a:t>워크 </a:t>
+            </a:r>
+            <a:r>
+              <a:rPr lang="ko-KR" altLang="en-US" dirty="0" err="1"/>
+              <a:t>스루</a:t>
+            </a:r>
+            <a:r>
+              <a:rPr lang="en-US" altLang="ko-KR" dirty="0"/>
+              <a:t>: </a:t>
+            </a:r>
+            <a:r>
+              <a:rPr lang="ko-KR" altLang="en-US" dirty="0"/>
+              <a:t>검토 자료를 회의 전 배포</a:t>
+            </a:r>
+            <a:r>
+              <a:rPr lang="en-US" altLang="ko-KR" dirty="0"/>
+              <a:t>. </a:t>
+            </a:r>
+            <a:r>
+              <a:rPr lang="ko-KR" altLang="en-US" dirty="0"/>
+              <a:t>짧은 회의동안 확인</a:t>
+            </a:r>
+            <a:endParaRPr lang="en-US" altLang="ko-KR" dirty="0"/>
+          </a:p>
+          <a:p>
+            <a:pPr lvl="2"/>
+            <a:r>
+              <a:rPr lang="ko-KR" altLang="en-US" dirty="0" err="1"/>
+              <a:t>인스펙션</a:t>
+            </a:r>
+            <a:r>
+              <a:rPr lang="en-US" altLang="ko-KR" dirty="0"/>
+              <a:t>: </a:t>
+            </a:r>
+            <a:r>
+              <a:rPr lang="ko-KR" altLang="en-US" dirty="0"/>
+              <a:t>다른 전문가에게 확인</a:t>
+            </a:r>
+            <a:endParaRPr lang="en-US" altLang="ko-KR" dirty="0"/>
+          </a:p>
+          <a:p>
+            <a:pPr lvl="1"/>
+            <a:r>
+              <a:rPr lang="ko-KR" altLang="en-US" dirty="0"/>
+              <a:t>프로토타이핑</a:t>
+            </a:r>
+            <a:r>
+              <a:rPr lang="en-US" altLang="ko-KR" dirty="0"/>
+              <a:t>: </a:t>
+            </a:r>
+            <a:r>
+              <a:rPr lang="ko-KR" altLang="en-US" dirty="0"/>
+              <a:t>프로토타입을 고객에게 시연하여 확인</a:t>
+            </a:r>
+            <a:endParaRPr lang="en-US" altLang="ko-KR" dirty="0"/>
+          </a:p>
+          <a:p>
+            <a:pPr lvl="1"/>
+            <a:r>
+              <a:rPr lang="ko-KR" altLang="en-US" dirty="0"/>
+              <a:t>모델 검증</a:t>
+            </a:r>
+            <a:endParaRPr lang="en-US" altLang="ko-KR" dirty="0"/>
+          </a:p>
+          <a:p>
+            <a:pPr lvl="1"/>
+            <a:r>
+              <a:rPr lang="ko-KR" altLang="en-US" dirty="0"/>
+              <a:t>테스트를 통한 확인</a:t>
+            </a:r>
+            <a:endParaRPr lang="en-US" altLang="ko-KR" dirty="0"/>
+          </a:p>
+          <a:p>
+            <a:pPr lvl="1"/>
+            <a:r>
+              <a:rPr lang="en-US" altLang="ko-KR" dirty="0"/>
+              <a:t>CASE</a:t>
+            </a:r>
+            <a:r>
+              <a:rPr lang="ko-KR" altLang="en-US" dirty="0"/>
+              <a:t>를 통한 확인</a:t>
+            </a:r>
+            <a:r>
+              <a:rPr lang="en-US" altLang="ko-KR" dirty="0"/>
+              <a:t>: </a:t>
+            </a:r>
+            <a:r>
+              <a:rPr lang="ko-KR" altLang="en-US" dirty="0"/>
+              <a:t>자동화 도구로 확인</a:t>
+            </a:r>
+            <a:endParaRPr lang="en-US" altLang="ko-KR" dirty="0"/>
+          </a:p>
+          <a:p>
+            <a:pPr lvl="1"/>
+            <a:r>
+              <a:rPr lang="ko-KR" altLang="en-US" dirty="0"/>
+              <a:t>베이스라인 통한 확인</a:t>
+            </a:r>
+            <a:r>
+              <a:rPr lang="en-US" altLang="ko-KR" dirty="0"/>
+              <a:t>: </a:t>
+            </a:r>
+            <a:r>
+              <a:rPr lang="ko-KR" altLang="en-US" dirty="0"/>
+              <a:t>요구사항 변경 추적하는 베이스라인 활용</a:t>
+            </a:r>
+            <a:endParaRPr lang="en-US" altLang="ko-KR" dirty="0"/>
+          </a:p>
+          <a:p>
+            <a:pPr lvl="1"/>
+            <a:r>
+              <a:rPr lang="ko-KR" altLang="en-US" dirty="0"/>
+              <a:t>요구사항 </a:t>
+            </a:r>
+            <a:r>
+              <a:rPr lang="ko-KR" altLang="en-US" dirty="0" err="1"/>
+              <a:t>추적표</a:t>
+            </a:r>
+            <a:r>
+              <a:rPr lang="ko-KR" altLang="en-US" dirty="0"/>
+              <a:t> </a:t>
+            </a:r>
+            <a:r>
+              <a:rPr lang="en-US" altLang="ko-KR" dirty="0"/>
+              <a:t>(RTM)</a:t>
+            </a:r>
+            <a:r>
+              <a:rPr lang="ko-KR" altLang="en-US" dirty="0"/>
+              <a:t>을 통한 확인</a:t>
+            </a:r>
+          </a:p>
+        </p:txBody>
+      </p:sp>
+      <p:sp>
+        <p:nvSpPr>
+          <p:cNvPr id="5" name="슬라이드 번호 개체 틀 4">
+            <a:extLst>
+              <a:ext uri="{FF2B5EF4-FFF2-40B4-BE49-F238E27FC236}">
+                <a16:creationId xmlns:a16="http://schemas.microsoft.com/office/drawing/2014/main" id="{60C4ED7D-8E45-4D2F-9D66-86D6D39FFF04}"/>
+              </a:ext>
+            </a:extLst>
+          </p:cNvPr>
+          <p:cNvSpPr>
+            <a:spLocks noGrp="1"/>
+          </p:cNvSpPr>
+          <p:nvPr>
+            <p:ph type="sldNum" sz="quarter" idx="12"/>
+          </p:nvPr>
+        </p:nvSpPr>
+        <p:spPr/>
+        <p:txBody>
+          <a:bodyPr/>
+          <a:lstStyle/>
+          <a:p>
+            <a:fld id="{89BED30C-66D9-4104-96BC-081A506F0CF0}" type="slidenum">
+              <a:rPr lang="ko-KR" altLang="en-US" smtClean="0"/>
+              <a:t>36</a:t>
+            </a:fld>
+            <a:endParaRPr lang="ko-KR" altLang="en-US"/>
+          </a:p>
+        </p:txBody>
+      </p:sp>
+      <p:sp>
+        <p:nvSpPr>
+          <p:cNvPr id="6" name="바닥글 개체 틀 5">
+            <a:extLst>
+              <a:ext uri="{FF2B5EF4-FFF2-40B4-BE49-F238E27FC236}">
+                <a16:creationId xmlns:a16="http://schemas.microsoft.com/office/drawing/2014/main" id="{76E63C7A-1114-4AA3-AAE1-F06595481E03}"/>
+              </a:ext>
+            </a:extLst>
+          </p:cNvPr>
+          <p:cNvSpPr>
+            <a:spLocks noGrp="1"/>
+          </p:cNvSpPr>
+          <p:nvPr>
+            <p:ph type="ftr" sz="quarter" idx="3"/>
+          </p:nvPr>
+        </p:nvSpPr>
+        <p:spPr/>
+        <p:txBody>
+          <a:bodyPr/>
+          <a:lstStyle/>
+          <a:p>
+            <a:pPr algn="l"/>
+            <a:r>
+              <a:rPr lang="en-US" altLang="ko-KR"/>
+              <a:t>Nibble</a:t>
+            </a:r>
+            <a:endParaRPr lang="ko-KR" altLang="en-US" dirty="0"/>
+          </a:p>
+        </p:txBody>
+      </p:sp>
+      <p:sp>
+        <p:nvSpPr>
+          <p:cNvPr id="7" name="날짜 개체 틀 6">
+            <a:extLst>
+              <a:ext uri="{FF2B5EF4-FFF2-40B4-BE49-F238E27FC236}">
+                <a16:creationId xmlns:a16="http://schemas.microsoft.com/office/drawing/2014/main" id="{22325751-6E45-4434-BB8B-A2B0A3E2DACE}"/>
+              </a:ext>
+            </a:extLst>
+          </p:cNvPr>
+          <p:cNvSpPr>
+            <a:spLocks noGrp="1"/>
+          </p:cNvSpPr>
+          <p:nvPr>
+            <p:ph type="dt" sz="half" idx="13"/>
+          </p:nvPr>
+        </p:nvSpPr>
+        <p:spPr/>
+        <p:txBody>
+          <a:bodyPr/>
+          <a:lstStyle/>
+          <a:p>
+            <a:fld id="{B226B4E6-2447-4D67-A511-B13A2182F919}" type="datetime5">
+              <a:rPr lang="ko-KR" altLang="en-US" smtClean="0"/>
+              <a:t>2021/7/29</a:t>
+            </a:fld>
+            <a:endParaRPr lang="ko-KR" altLang="en-US" dirty="0"/>
+          </a:p>
+        </p:txBody>
+      </p:sp>
+    </p:spTree>
+    <p:extLst>
+      <p:ext uri="{BB962C8B-B14F-4D97-AF65-F5344CB8AC3E}">
+        <p14:creationId xmlns:p14="http://schemas.microsoft.com/office/powerpoint/2010/main" val="551118571"/>
+      </p:ext>
+    </p:extLst>
+  </p:cSld>
+  <p:clrMapOvr>
+    <a:masterClrMapping/>
+  </p:clrMapOvr>
+</p:sld>
+</file>
+
+<file path=ppt/slides/slide37.xml><?xml version="1.0" encoding="utf-8"?>
+<p:sld xmlns:a="http://schemas.openxmlformats.org/drawingml/2006/main" xmlns:r="http://schemas.openxmlformats.org/officeDocument/2006/relationships" xmlns:p="http://schemas.openxmlformats.org/presentationml/2006/main">
+  <p:cSld>
+    <p:spTree>
+      <p:nvGrpSpPr>
+        <p:cNvPr id="1" name=""/>
+        <p:cNvGrpSpPr/>
+        <p:nvPr/>
+      </p:nvGrpSpPr>
+      <p:grpSpPr>
+        <a:xfrm>
+          <a:off x="0" y="0"/>
+          <a:ext cx="0" cy="0"/>
+          <a:chOff x="0" y="0"/>
+          <a:chExt cx="0" cy="0"/>
+        </a:xfrm>
+      </p:grpSpPr>
+      <p:sp>
+        <p:nvSpPr>
+          <p:cNvPr id="2" name="내용 개체 틀 1">
+            <a:extLst>
+              <a:ext uri="{FF2B5EF4-FFF2-40B4-BE49-F238E27FC236}">
+                <a16:creationId xmlns:a16="http://schemas.microsoft.com/office/drawing/2014/main" id="{ED4F51E7-614A-4DC3-8CBB-77E3B87C32F0}"/>
+              </a:ext>
+            </a:extLst>
+          </p:cNvPr>
+          <p:cNvSpPr>
+            <a:spLocks noGrp="1"/>
+          </p:cNvSpPr>
+          <p:nvPr>
+            <p:ph sz="half" idx="14"/>
+          </p:nvPr>
+        </p:nvSpPr>
+        <p:spPr/>
+        <p:txBody>
+          <a:bodyPr/>
+          <a:lstStyle/>
+          <a:p>
+            <a:r>
+              <a:rPr lang="ko-KR" altLang="en-US" dirty="0"/>
+              <a:t>시스템 아키텍처</a:t>
+            </a:r>
+            <a:endParaRPr lang="en-US" altLang="ko-KR" dirty="0"/>
+          </a:p>
+          <a:p>
+            <a:pPr lvl="1"/>
+            <a:r>
+              <a:rPr lang="ko-KR" altLang="en-US" dirty="0"/>
+              <a:t>정의</a:t>
+            </a:r>
+            <a:r>
+              <a:rPr lang="en-US" altLang="ko-KR" dirty="0"/>
+              <a:t>: </a:t>
+            </a:r>
+            <a:r>
+              <a:rPr lang="ko-KR" altLang="en-US" dirty="0"/>
+              <a:t>시스템의 구조</a:t>
+            </a:r>
+            <a:r>
+              <a:rPr lang="en-US" altLang="ko-KR" dirty="0"/>
+              <a:t>, </a:t>
+            </a:r>
+            <a:r>
+              <a:rPr lang="ko-KR" altLang="en-US" dirty="0"/>
+              <a:t>행위</a:t>
+            </a:r>
+            <a:r>
+              <a:rPr lang="en-US" altLang="ko-KR" dirty="0"/>
+              <a:t>, </a:t>
+            </a:r>
+            <a:r>
+              <a:rPr lang="ko-KR" altLang="en-US" dirty="0"/>
+              <a:t>원리를 설명</a:t>
+            </a:r>
+            <a:endParaRPr lang="en-US" altLang="ko-KR" dirty="0"/>
+          </a:p>
+          <a:p>
+            <a:pPr lvl="1"/>
+            <a:r>
+              <a:rPr lang="ko-KR" altLang="en-US" dirty="0"/>
+              <a:t>요구사항</a:t>
+            </a:r>
+            <a:endParaRPr lang="en-US" altLang="ko-KR" dirty="0"/>
+          </a:p>
+          <a:p>
+            <a:pPr lvl="2"/>
+            <a:r>
+              <a:rPr lang="ko-KR" altLang="en-US" dirty="0"/>
+              <a:t>구성 및 동작 원리 포함</a:t>
+            </a:r>
+            <a:endParaRPr lang="en-US" altLang="ko-KR" dirty="0"/>
+          </a:p>
+          <a:p>
+            <a:pPr lvl="2"/>
+            <a:r>
+              <a:rPr lang="ko-KR" altLang="en-US" dirty="0"/>
+              <a:t>설계 및 구현을 할 수 있는 수준으로 기술</a:t>
+            </a:r>
+            <a:endParaRPr lang="en-US" altLang="ko-KR" dirty="0"/>
+          </a:p>
+          <a:p>
+            <a:pPr lvl="2"/>
+            <a:r>
+              <a:rPr lang="ko-KR" altLang="en-US" dirty="0"/>
+              <a:t>전체적 최적화 고려</a:t>
+            </a:r>
+            <a:endParaRPr lang="en-US" altLang="ko-KR" dirty="0"/>
+          </a:p>
+          <a:p>
+            <a:pPr lvl="1"/>
+            <a:r>
+              <a:rPr lang="ko-KR" altLang="en-US" dirty="0"/>
+              <a:t>설계 원칙</a:t>
+            </a:r>
+            <a:endParaRPr lang="en-US" altLang="ko-KR" dirty="0"/>
+          </a:p>
+          <a:p>
+            <a:pPr lvl="2"/>
+            <a:r>
+              <a:rPr lang="ko-KR" altLang="en-US" dirty="0"/>
+              <a:t>대규모 처리 성능 보장</a:t>
+            </a:r>
+            <a:endParaRPr lang="en-US" altLang="ko-KR" dirty="0"/>
+          </a:p>
+          <a:p>
+            <a:pPr lvl="2"/>
+            <a:r>
+              <a:rPr lang="ko-KR" altLang="en-US" dirty="0"/>
+              <a:t>확장성 보장</a:t>
+            </a:r>
+            <a:endParaRPr lang="en-US" altLang="ko-KR" dirty="0"/>
+          </a:p>
+          <a:p>
+            <a:pPr lvl="2"/>
+            <a:r>
+              <a:rPr lang="ko-KR" altLang="en-US" dirty="0"/>
+              <a:t>서비스 고가용성 보장</a:t>
+            </a:r>
+            <a:endParaRPr lang="en-US" altLang="ko-KR" dirty="0"/>
+          </a:p>
+          <a:p>
+            <a:pPr lvl="2"/>
+            <a:r>
+              <a:rPr lang="ko-KR" altLang="en-US" dirty="0"/>
+              <a:t>운영관리 효율성 보장</a:t>
+            </a:r>
+            <a:endParaRPr lang="en-US" altLang="ko-KR" dirty="0"/>
+          </a:p>
+          <a:p>
+            <a:pPr lvl="2"/>
+            <a:r>
+              <a:rPr lang="ko-KR" altLang="en-US" dirty="0"/>
+              <a:t>보안 보장</a:t>
+            </a:r>
+          </a:p>
+        </p:txBody>
+      </p:sp>
+      <p:sp>
+        <p:nvSpPr>
+          <p:cNvPr id="3" name="제목 2">
+            <a:extLst>
+              <a:ext uri="{FF2B5EF4-FFF2-40B4-BE49-F238E27FC236}">
+                <a16:creationId xmlns:a16="http://schemas.microsoft.com/office/drawing/2014/main" id="{AABC9C95-895F-47F5-9D7A-52283613C247}"/>
+              </a:ext>
+            </a:extLst>
+          </p:cNvPr>
+          <p:cNvSpPr>
+            <a:spLocks noGrp="1"/>
+          </p:cNvSpPr>
+          <p:nvPr>
+            <p:ph type="title"/>
+          </p:nvPr>
+        </p:nvSpPr>
+        <p:spPr/>
+        <p:txBody>
+          <a:bodyPr/>
+          <a:lstStyle/>
+          <a:p>
+            <a:r>
+              <a:rPr lang="ko-KR" altLang="en-US" dirty="0"/>
+              <a:t>시스템 아키텍처</a:t>
+            </a:r>
+          </a:p>
+        </p:txBody>
+      </p:sp>
+      <p:sp>
+        <p:nvSpPr>
+          <p:cNvPr id="4" name="내용 개체 틀 3">
+            <a:extLst>
+              <a:ext uri="{FF2B5EF4-FFF2-40B4-BE49-F238E27FC236}">
+                <a16:creationId xmlns:a16="http://schemas.microsoft.com/office/drawing/2014/main" id="{AC1AFA41-BB13-4FE3-86EF-23AE4A398C63}"/>
+              </a:ext>
+            </a:extLst>
+          </p:cNvPr>
+          <p:cNvSpPr>
+            <a:spLocks noGrp="1"/>
+          </p:cNvSpPr>
+          <p:nvPr>
+            <p:ph sz="half" idx="2"/>
+          </p:nvPr>
+        </p:nvSpPr>
+        <p:spPr/>
+        <p:txBody>
+          <a:bodyPr/>
+          <a:lstStyle/>
+          <a:p>
+            <a:r>
+              <a:rPr lang="ko-KR" altLang="en-US" dirty="0"/>
+              <a:t>물리 설계</a:t>
+            </a:r>
+            <a:endParaRPr lang="en-US" altLang="ko-KR" dirty="0"/>
+          </a:p>
+          <a:p>
+            <a:pPr lvl="1"/>
+            <a:r>
+              <a:rPr lang="en-US" altLang="ko-KR" dirty="0"/>
+              <a:t>1 Tier</a:t>
+            </a:r>
+          </a:p>
+          <a:p>
+            <a:pPr lvl="2"/>
+            <a:r>
+              <a:rPr lang="en-US" altLang="ko-KR" dirty="0"/>
+              <a:t>View, Model </a:t>
+            </a:r>
+            <a:r>
+              <a:rPr lang="ko-KR" altLang="en-US" dirty="0"/>
+              <a:t>없이 서버 </a:t>
+            </a:r>
+            <a:r>
+              <a:rPr lang="en-US" altLang="ko-KR" dirty="0"/>
+              <a:t>1</a:t>
+            </a:r>
+            <a:r>
+              <a:rPr lang="ko-KR" altLang="en-US" dirty="0"/>
+              <a:t>대 이상으로 구성</a:t>
+            </a:r>
+            <a:endParaRPr lang="en-US" altLang="ko-KR" dirty="0"/>
+          </a:p>
+          <a:p>
+            <a:pPr lvl="2"/>
+            <a:r>
+              <a:rPr lang="ko-KR" altLang="en-US" dirty="0"/>
+              <a:t>인터페이스 게이트웨이 업무</a:t>
+            </a:r>
+            <a:endParaRPr lang="en-US" altLang="ko-KR" dirty="0"/>
+          </a:p>
+          <a:p>
+            <a:pPr lvl="1"/>
+            <a:r>
+              <a:rPr lang="en-US" altLang="ko-KR" dirty="0"/>
+              <a:t>2 Tier</a:t>
+            </a:r>
+          </a:p>
+          <a:p>
+            <a:pPr lvl="2"/>
+            <a:r>
+              <a:rPr lang="en-US" altLang="ko-KR" dirty="0"/>
+              <a:t>View</a:t>
+            </a:r>
+            <a:r>
+              <a:rPr lang="ko-KR" altLang="en-US" dirty="0"/>
+              <a:t>와 서버 </a:t>
+            </a:r>
+            <a:r>
+              <a:rPr lang="en-US" altLang="ko-KR" dirty="0"/>
+              <a:t>1</a:t>
+            </a:r>
+            <a:r>
+              <a:rPr lang="ko-KR" altLang="en-US" dirty="0"/>
+              <a:t>대 이상으로 구성</a:t>
+            </a:r>
+            <a:r>
+              <a:rPr lang="en-US" altLang="ko-KR" dirty="0"/>
+              <a:t>. Model </a:t>
+            </a:r>
+            <a:r>
+              <a:rPr lang="ko-KR" altLang="en-US" dirty="0"/>
+              <a:t>없이</a:t>
+            </a:r>
+            <a:endParaRPr lang="en-US" altLang="ko-KR" dirty="0"/>
+          </a:p>
+          <a:p>
+            <a:pPr lvl="2"/>
+            <a:r>
+              <a:rPr lang="ko-KR" altLang="en-US" dirty="0"/>
+              <a:t>일반 </a:t>
+            </a:r>
+            <a:r>
+              <a:rPr lang="en-US" altLang="ko-KR" dirty="0"/>
+              <a:t>OLTP(Online Transaction Processing) </a:t>
+            </a:r>
+            <a:r>
+              <a:rPr lang="ko-KR" altLang="en-US" dirty="0"/>
+              <a:t>업무</a:t>
+            </a:r>
+            <a:endParaRPr lang="en-US" altLang="ko-KR" dirty="0"/>
+          </a:p>
+          <a:p>
+            <a:pPr lvl="1"/>
+            <a:r>
+              <a:rPr lang="en-US" altLang="ko-KR" dirty="0"/>
+              <a:t>3 Tier</a:t>
+            </a:r>
+          </a:p>
+          <a:p>
+            <a:pPr lvl="2"/>
+            <a:r>
+              <a:rPr lang="en-US" altLang="ko-KR" dirty="0"/>
+              <a:t>View, Model, Control</a:t>
+            </a:r>
+            <a:r>
+              <a:rPr lang="ko-KR" altLang="en-US" dirty="0"/>
+              <a:t>로 구성</a:t>
+            </a:r>
+            <a:endParaRPr lang="en-US" altLang="ko-KR" dirty="0"/>
+          </a:p>
+          <a:p>
+            <a:pPr lvl="2"/>
+            <a:r>
+              <a:rPr lang="ko-KR" altLang="en-US" dirty="0"/>
+              <a:t>대용량 </a:t>
+            </a:r>
+            <a:r>
+              <a:rPr lang="en-US" altLang="ko-KR" dirty="0"/>
+              <a:t>OLTP </a:t>
+            </a:r>
+            <a:r>
+              <a:rPr lang="ko-KR" altLang="en-US" dirty="0"/>
+              <a:t>업무</a:t>
+            </a:r>
+            <a:endParaRPr lang="en-US" altLang="ko-KR" dirty="0"/>
+          </a:p>
+          <a:p>
+            <a:pPr lvl="2"/>
+            <a:r>
+              <a:rPr lang="ko-KR" altLang="en-US" dirty="0"/>
+              <a:t>데이터 및 로직 유출 방지 용이</a:t>
+            </a:r>
+          </a:p>
+        </p:txBody>
+      </p:sp>
+      <p:sp>
+        <p:nvSpPr>
+          <p:cNvPr id="5" name="슬라이드 번호 개체 틀 4">
+            <a:extLst>
+              <a:ext uri="{FF2B5EF4-FFF2-40B4-BE49-F238E27FC236}">
+                <a16:creationId xmlns:a16="http://schemas.microsoft.com/office/drawing/2014/main" id="{C9C7155F-3BA8-4A14-847C-26215DDEAE82}"/>
+              </a:ext>
+            </a:extLst>
+          </p:cNvPr>
+          <p:cNvSpPr>
+            <a:spLocks noGrp="1"/>
+          </p:cNvSpPr>
+          <p:nvPr>
+            <p:ph type="sldNum" sz="quarter" idx="12"/>
+          </p:nvPr>
+        </p:nvSpPr>
+        <p:spPr/>
+        <p:txBody>
+          <a:bodyPr/>
+          <a:lstStyle/>
+          <a:p>
+            <a:fld id="{89BED30C-66D9-4104-96BC-081A506F0CF0}" type="slidenum">
+              <a:rPr lang="ko-KR" altLang="en-US" smtClean="0"/>
+              <a:t>37</a:t>
+            </a:fld>
+            <a:endParaRPr lang="ko-KR" altLang="en-US"/>
+          </a:p>
+        </p:txBody>
+      </p:sp>
+      <p:sp>
+        <p:nvSpPr>
+          <p:cNvPr id="6" name="바닥글 개체 틀 5">
+            <a:extLst>
+              <a:ext uri="{FF2B5EF4-FFF2-40B4-BE49-F238E27FC236}">
+                <a16:creationId xmlns:a16="http://schemas.microsoft.com/office/drawing/2014/main" id="{85E70DAE-80ED-4E74-9F82-4711BC94C797}"/>
+              </a:ext>
+            </a:extLst>
+          </p:cNvPr>
+          <p:cNvSpPr>
+            <a:spLocks noGrp="1"/>
+          </p:cNvSpPr>
+          <p:nvPr>
+            <p:ph type="ftr" sz="quarter" idx="3"/>
+          </p:nvPr>
+        </p:nvSpPr>
+        <p:spPr/>
+        <p:txBody>
+          <a:bodyPr/>
+          <a:lstStyle/>
+          <a:p>
+            <a:pPr algn="l"/>
+            <a:r>
+              <a:rPr lang="en-US" altLang="ko-KR"/>
+              <a:t>Nibble</a:t>
+            </a:r>
+            <a:endParaRPr lang="ko-KR" altLang="en-US" dirty="0"/>
+          </a:p>
+        </p:txBody>
+      </p:sp>
+      <p:sp>
+        <p:nvSpPr>
+          <p:cNvPr id="7" name="날짜 개체 틀 6">
+            <a:extLst>
+              <a:ext uri="{FF2B5EF4-FFF2-40B4-BE49-F238E27FC236}">
+                <a16:creationId xmlns:a16="http://schemas.microsoft.com/office/drawing/2014/main" id="{E2CC0988-AE05-405D-94A0-E3E4F3511414}"/>
+              </a:ext>
+            </a:extLst>
+          </p:cNvPr>
+          <p:cNvSpPr>
+            <a:spLocks noGrp="1"/>
+          </p:cNvSpPr>
+          <p:nvPr>
+            <p:ph type="dt" sz="half" idx="13"/>
+          </p:nvPr>
+        </p:nvSpPr>
+        <p:spPr/>
+        <p:txBody>
+          <a:bodyPr/>
+          <a:lstStyle/>
+          <a:p>
+            <a:fld id="{B226B4E6-2447-4D67-A511-B13A2182F919}" type="datetime5">
+              <a:rPr lang="ko-KR" altLang="en-US" smtClean="0"/>
+              <a:t>2021/7/29</a:t>
+            </a:fld>
+            <a:endParaRPr lang="ko-KR" altLang="en-US" dirty="0"/>
+          </a:p>
+        </p:txBody>
+      </p:sp>
+    </p:spTree>
+    <p:extLst>
+      <p:ext uri="{BB962C8B-B14F-4D97-AF65-F5344CB8AC3E}">
+        <p14:creationId xmlns:p14="http://schemas.microsoft.com/office/powerpoint/2010/main" val="95754394"/>
+      </p:ext>
+    </p:extLst>
+  </p:cSld>
+  <p:clrMapOvr>
+    <a:masterClrMapping/>
+  </p:clrMapOvr>
+</p:sld>
+</file>
+
+<file path=ppt/slides/slide38.xml><?xml version="1.0" encoding="utf-8"?>
+<p:sld xmlns:a="http://schemas.openxmlformats.org/drawingml/2006/main" xmlns:r="http://schemas.openxmlformats.org/officeDocument/2006/relationships" xmlns:p="http://schemas.openxmlformats.org/presentationml/2006/main">
+  <p:cSld>
+    <p:spTree>
+      <p:nvGrpSpPr>
+        <p:cNvPr id="1" name=""/>
+        <p:cNvGrpSpPr/>
+        <p:nvPr/>
+      </p:nvGrpSpPr>
+      <p:grpSpPr>
+        <a:xfrm>
+          <a:off x="0" y="0"/>
+          <a:ext cx="0" cy="0"/>
+          <a:chOff x="0" y="0"/>
+          <a:chExt cx="0" cy="0"/>
+        </a:xfrm>
+      </p:grpSpPr>
+      <p:sp>
+        <p:nvSpPr>
+          <p:cNvPr id="2" name="내용 개체 틀 1">
+            <a:extLst>
+              <a:ext uri="{FF2B5EF4-FFF2-40B4-BE49-F238E27FC236}">
+                <a16:creationId xmlns:a16="http://schemas.microsoft.com/office/drawing/2014/main" id="{58FCE636-C441-46DA-997D-CF1484EBC9BB}"/>
+              </a:ext>
+            </a:extLst>
+          </p:cNvPr>
+          <p:cNvSpPr>
+            <a:spLocks noGrp="1"/>
+          </p:cNvSpPr>
+          <p:nvPr>
+            <p:ph sz="half" idx="14"/>
+          </p:nvPr>
+        </p:nvSpPr>
+        <p:spPr/>
+        <p:txBody>
+          <a:bodyPr/>
+          <a:lstStyle/>
+          <a:p>
+            <a:r>
+              <a:rPr lang="ko-KR" altLang="en-US" dirty="0"/>
+              <a:t>인터페이스 시스템 </a:t>
+            </a:r>
+            <a:r>
+              <a:rPr lang="en-US" altLang="ko-KR" dirty="0"/>
+              <a:t>(IS)</a:t>
+            </a:r>
+          </a:p>
+          <a:p>
+            <a:pPr lvl="1"/>
+            <a:r>
+              <a:rPr lang="ko-KR" altLang="en-US" dirty="0"/>
+              <a:t>정의</a:t>
+            </a:r>
+            <a:r>
+              <a:rPr lang="en-US" altLang="ko-KR" dirty="0"/>
+              <a:t>: </a:t>
+            </a:r>
+            <a:r>
+              <a:rPr lang="ko-KR" altLang="en-US" dirty="0"/>
+              <a:t>서로 다른 두 시스템을 이어주는 중계 시스템</a:t>
+            </a:r>
+            <a:endParaRPr lang="en-US" altLang="ko-KR" dirty="0"/>
+          </a:p>
+          <a:p>
+            <a:pPr lvl="1"/>
+            <a:r>
+              <a:rPr lang="ko-KR" altLang="en-US" dirty="0"/>
+              <a:t>구성</a:t>
+            </a:r>
+            <a:endParaRPr lang="en-US" altLang="ko-KR" dirty="0"/>
+          </a:p>
+          <a:p>
+            <a:pPr lvl="2"/>
+            <a:r>
+              <a:rPr lang="ko-KR" altLang="en-US" dirty="0"/>
+              <a:t>송신 시스템</a:t>
+            </a:r>
+            <a:r>
+              <a:rPr lang="en-US" altLang="ko-KR" dirty="0"/>
+              <a:t>: </a:t>
+            </a:r>
+            <a:r>
+              <a:rPr lang="ko-KR" altLang="en-US" dirty="0"/>
+              <a:t>데이터 적당하게 가공하여 전달</a:t>
+            </a:r>
+            <a:endParaRPr lang="en-US" altLang="ko-KR" dirty="0"/>
+          </a:p>
+          <a:p>
+            <a:pPr lvl="2"/>
+            <a:r>
+              <a:rPr lang="ko-KR" altLang="en-US" dirty="0"/>
+              <a:t>수신 시스템</a:t>
+            </a:r>
+            <a:r>
+              <a:rPr lang="en-US" altLang="ko-KR" dirty="0"/>
+              <a:t>: </a:t>
+            </a:r>
+            <a:r>
+              <a:rPr lang="ko-KR" altLang="en-US" dirty="0"/>
+              <a:t>데이터 수신하여 가공해 저장</a:t>
+            </a:r>
+            <a:endParaRPr lang="en-US" altLang="ko-KR" dirty="0"/>
+          </a:p>
+          <a:p>
+            <a:pPr lvl="2"/>
+            <a:r>
+              <a:rPr lang="ko-KR" altLang="en-US" dirty="0"/>
+              <a:t>중계 서버</a:t>
+            </a:r>
+            <a:r>
+              <a:rPr lang="en-US" altLang="ko-KR" dirty="0"/>
+              <a:t>: </a:t>
+            </a:r>
+            <a:r>
+              <a:rPr lang="ko-KR" altLang="en-US" dirty="0"/>
+              <a:t>송</a:t>
+            </a:r>
+            <a:r>
+              <a:rPr lang="en-US" altLang="ko-KR" dirty="0"/>
+              <a:t>-</a:t>
+            </a:r>
+            <a:r>
+              <a:rPr lang="ko-KR" altLang="en-US" dirty="0"/>
+              <a:t>수신 시스템 사이 연결</a:t>
+            </a:r>
+            <a:endParaRPr lang="en-US" altLang="ko-KR" dirty="0"/>
+          </a:p>
+          <a:p>
+            <a:pPr lvl="1"/>
+            <a:r>
+              <a:rPr lang="ko-KR" altLang="en-US" dirty="0"/>
+              <a:t>데이터 표준</a:t>
+            </a:r>
+            <a:endParaRPr lang="en-US" altLang="ko-KR" dirty="0"/>
+          </a:p>
+          <a:p>
+            <a:pPr lvl="2"/>
+            <a:r>
+              <a:rPr lang="ko-KR" altLang="en-US" dirty="0"/>
+              <a:t>정의</a:t>
+            </a:r>
+            <a:r>
+              <a:rPr lang="en-US" altLang="ko-KR" dirty="0"/>
+              <a:t>: IS</a:t>
+            </a:r>
+            <a:r>
+              <a:rPr lang="ko-KR" altLang="en-US" dirty="0"/>
+              <a:t>사이에서 교환되는 데이터의 표준</a:t>
+            </a:r>
+            <a:endParaRPr lang="en-US" altLang="ko-KR" dirty="0"/>
+          </a:p>
+          <a:p>
+            <a:pPr lvl="2"/>
+            <a:r>
+              <a:rPr lang="ko-KR" altLang="en-US" dirty="0"/>
+              <a:t>구성</a:t>
+            </a:r>
+            <a:endParaRPr lang="en-US" altLang="ko-KR" dirty="0"/>
+          </a:p>
+          <a:p>
+            <a:pPr lvl="3"/>
+            <a:r>
+              <a:rPr lang="ko-KR" altLang="en-US" dirty="0"/>
+              <a:t>인터페이스 데이터 공통부</a:t>
+            </a:r>
+            <a:endParaRPr lang="en-US" altLang="ko-KR" dirty="0"/>
+          </a:p>
+          <a:p>
+            <a:pPr lvl="4"/>
+            <a:r>
+              <a:rPr lang="ko-KR" altLang="en-US" dirty="0"/>
+              <a:t>인터페이스 표준 데이터</a:t>
+            </a:r>
+            <a:endParaRPr lang="en-US" altLang="ko-KR" dirty="0"/>
+          </a:p>
+          <a:p>
+            <a:pPr lvl="5"/>
+            <a:r>
+              <a:rPr lang="ko-KR" altLang="en-US" dirty="0"/>
+              <a:t>전체 몇 바이트</a:t>
+            </a:r>
+            <a:r>
+              <a:rPr lang="en-US" altLang="ko-KR" dirty="0"/>
+              <a:t>…</a:t>
+            </a:r>
+          </a:p>
+          <a:p>
+            <a:pPr lvl="3"/>
+            <a:r>
+              <a:rPr lang="ko-KR" altLang="en-US" dirty="0"/>
+              <a:t>인터페이스 데이터 개별부</a:t>
+            </a:r>
+            <a:endParaRPr lang="en-US" altLang="ko-KR" dirty="0"/>
+          </a:p>
+          <a:p>
+            <a:pPr lvl="4"/>
+            <a:r>
+              <a:rPr lang="ko-KR" altLang="en-US" dirty="0"/>
+              <a:t>업무 처리에 필요한 개별 데이터</a:t>
+            </a:r>
+          </a:p>
+          <a:p>
+            <a:pPr lvl="3"/>
+            <a:r>
+              <a:rPr lang="ko-KR" altLang="en-US" dirty="0"/>
+              <a:t>인터페이스 데이터 종료부</a:t>
+            </a:r>
+            <a:endParaRPr lang="en-US" altLang="ko-KR" dirty="0"/>
+          </a:p>
+          <a:p>
+            <a:pPr lvl="4"/>
+            <a:r>
+              <a:rPr lang="ko-KR" altLang="en-US" dirty="0"/>
+              <a:t>데이터 종료 표시</a:t>
+            </a:r>
+          </a:p>
+          <a:p>
+            <a:pPr lvl="3"/>
+            <a:endParaRPr lang="ko-KR" altLang="en-US" dirty="0"/>
+          </a:p>
+        </p:txBody>
+      </p:sp>
+      <p:sp>
+        <p:nvSpPr>
+          <p:cNvPr id="3" name="제목 2">
+            <a:extLst>
+              <a:ext uri="{FF2B5EF4-FFF2-40B4-BE49-F238E27FC236}">
+                <a16:creationId xmlns:a16="http://schemas.microsoft.com/office/drawing/2014/main" id="{1338E14E-D0FE-46B0-AEA0-17840CED0855}"/>
+              </a:ext>
+            </a:extLst>
+          </p:cNvPr>
+          <p:cNvSpPr>
+            <a:spLocks noGrp="1"/>
+          </p:cNvSpPr>
+          <p:nvPr>
+            <p:ph type="title"/>
+          </p:nvPr>
+        </p:nvSpPr>
+        <p:spPr/>
+        <p:txBody>
+          <a:bodyPr/>
+          <a:lstStyle/>
+          <a:p>
+            <a:r>
+              <a:rPr lang="ko-KR" altLang="en-US" dirty="0"/>
+              <a:t>인터페이스 시스템</a:t>
+            </a:r>
+          </a:p>
+        </p:txBody>
+      </p:sp>
+      <p:sp>
+        <p:nvSpPr>
+          <p:cNvPr id="4" name="내용 개체 틀 3">
+            <a:extLst>
+              <a:ext uri="{FF2B5EF4-FFF2-40B4-BE49-F238E27FC236}">
+                <a16:creationId xmlns:a16="http://schemas.microsoft.com/office/drawing/2014/main" id="{65474E0A-C780-4C4F-AA3A-6945BC3C5627}"/>
+              </a:ext>
+            </a:extLst>
+          </p:cNvPr>
+          <p:cNvSpPr>
+            <a:spLocks noGrp="1"/>
+          </p:cNvSpPr>
+          <p:nvPr>
+            <p:ph sz="half" idx="2"/>
+          </p:nvPr>
+        </p:nvSpPr>
+        <p:spPr/>
+        <p:txBody>
+          <a:bodyPr/>
+          <a:lstStyle/>
+          <a:p>
+            <a:endParaRPr lang="ko-KR" altLang="en-US"/>
+          </a:p>
+        </p:txBody>
+      </p:sp>
+      <p:sp>
+        <p:nvSpPr>
+          <p:cNvPr id="5" name="슬라이드 번호 개체 틀 4">
+            <a:extLst>
+              <a:ext uri="{FF2B5EF4-FFF2-40B4-BE49-F238E27FC236}">
+                <a16:creationId xmlns:a16="http://schemas.microsoft.com/office/drawing/2014/main" id="{06E5F0EA-D2AA-4E80-BB29-A9EA6E007E42}"/>
+              </a:ext>
+            </a:extLst>
+          </p:cNvPr>
+          <p:cNvSpPr>
+            <a:spLocks noGrp="1"/>
+          </p:cNvSpPr>
+          <p:nvPr>
+            <p:ph type="sldNum" sz="quarter" idx="12"/>
+          </p:nvPr>
+        </p:nvSpPr>
+        <p:spPr/>
+        <p:txBody>
+          <a:bodyPr/>
+          <a:lstStyle/>
+          <a:p>
+            <a:fld id="{89BED30C-66D9-4104-96BC-081A506F0CF0}" type="slidenum">
+              <a:rPr lang="ko-KR" altLang="en-US" smtClean="0"/>
+              <a:t>38</a:t>
+            </a:fld>
+            <a:endParaRPr lang="ko-KR" altLang="en-US"/>
+          </a:p>
+        </p:txBody>
+      </p:sp>
+      <p:sp>
+        <p:nvSpPr>
+          <p:cNvPr id="6" name="바닥글 개체 틀 5">
+            <a:extLst>
+              <a:ext uri="{FF2B5EF4-FFF2-40B4-BE49-F238E27FC236}">
+                <a16:creationId xmlns:a16="http://schemas.microsoft.com/office/drawing/2014/main" id="{C4F705DB-5207-4D1E-A65C-5982BB61ED49}"/>
+              </a:ext>
+            </a:extLst>
+          </p:cNvPr>
+          <p:cNvSpPr>
+            <a:spLocks noGrp="1"/>
+          </p:cNvSpPr>
+          <p:nvPr>
+            <p:ph type="ftr" sz="quarter" idx="3"/>
+          </p:nvPr>
+        </p:nvSpPr>
+        <p:spPr/>
+        <p:txBody>
+          <a:bodyPr/>
+          <a:lstStyle/>
+          <a:p>
+            <a:pPr algn="l"/>
+            <a:r>
+              <a:rPr lang="en-US" altLang="ko-KR"/>
+              <a:t>Nibble</a:t>
+            </a:r>
+            <a:endParaRPr lang="ko-KR" altLang="en-US" dirty="0"/>
+          </a:p>
+        </p:txBody>
+      </p:sp>
+      <p:sp>
+        <p:nvSpPr>
+          <p:cNvPr id="7" name="날짜 개체 틀 6">
+            <a:extLst>
+              <a:ext uri="{FF2B5EF4-FFF2-40B4-BE49-F238E27FC236}">
+                <a16:creationId xmlns:a16="http://schemas.microsoft.com/office/drawing/2014/main" id="{DFF86398-2F58-473C-8CF8-1C33FB28BA02}"/>
+              </a:ext>
+            </a:extLst>
+          </p:cNvPr>
+          <p:cNvSpPr>
+            <a:spLocks noGrp="1"/>
+          </p:cNvSpPr>
+          <p:nvPr>
+            <p:ph type="dt" sz="half" idx="13"/>
+          </p:nvPr>
+        </p:nvSpPr>
+        <p:spPr/>
+        <p:txBody>
+          <a:bodyPr/>
+          <a:lstStyle/>
+          <a:p>
+            <a:fld id="{B226B4E6-2447-4D67-A511-B13A2182F919}" type="datetime5">
+              <a:rPr lang="ko-KR" altLang="en-US" smtClean="0"/>
+              <a:t>2021/7/29</a:t>
+            </a:fld>
+            <a:endParaRPr lang="ko-KR" altLang="en-US" dirty="0"/>
+          </a:p>
+        </p:txBody>
+      </p:sp>
+    </p:spTree>
+    <p:extLst>
+      <p:ext uri="{BB962C8B-B14F-4D97-AF65-F5344CB8AC3E}">
+        <p14:creationId xmlns:p14="http://schemas.microsoft.com/office/powerpoint/2010/main" val="3363224638"/>
+      </p:ext>
+    </p:extLst>
+  </p:cSld>
+  <p:clrMapOvr>
+    <a:masterClrMapping/>
+  </p:clrMapOvr>
+</p:sld>
+</file>
+
+<file path=ppt/slides/slide39.xml><?xml version="1.0" encoding="utf-8"?>
+<p:sld xmlns:a="http://schemas.openxmlformats.org/drawingml/2006/main" xmlns:r="http://schemas.openxmlformats.org/officeDocument/2006/relationships" xmlns:p="http://schemas.openxmlformats.org/presentationml/2006/main">
+  <p:cSld>
+    <p:spTree>
+      <p:nvGrpSpPr>
+        <p:cNvPr id="1" name=""/>
+        <p:cNvGrpSpPr/>
+        <p:nvPr/>
+      </p:nvGrpSpPr>
+      <p:grpSpPr>
+        <a:xfrm>
+          <a:off x="0" y="0"/>
+          <a:ext cx="0" cy="0"/>
+          <a:chOff x="0" y="0"/>
+          <a:chExt cx="0" cy="0"/>
+        </a:xfrm>
+      </p:grpSpPr>
+      <p:sp>
+        <p:nvSpPr>
+          <p:cNvPr id="2" name="내용 개체 틀 1">
+            <a:extLst>
+              <a:ext uri="{FF2B5EF4-FFF2-40B4-BE49-F238E27FC236}">
+                <a16:creationId xmlns:a16="http://schemas.microsoft.com/office/drawing/2014/main" id="{A4F701DA-64A3-45B1-BCE2-F19831FD9322}"/>
+              </a:ext>
+            </a:extLst>
+          </p:cNvPr>
+          <p:cNvSpPr>
+            <a:spLocks noGrp="1"/>
+          </p:cNvSpPr>
+          <p:nvPr>
+            <p:ph sz="half" idx="14"/>
+          </p:nvPr>
+        </p:nvSpPr>
+        <p:spPr/>
+        <p:txBody>
+          <a:bodyPr/>
+          <a:lstStyle/>
+          <a:p>
+            <a:r>
+              <a:rPr lang="ko-KR" altLang="en-US" dirty="0"/>
+              <a:t>내</a:t>
+            </a:r>
+            <a:r>
+              <a:rPr lang="en-US" altLang="ko-KR" dirty="0"/>
+              <a:t>-</a:t>
+            </a:r>
+            <a:r>
+              <a:rPr lang="ko-KR" altLang="en-US" dirty="0"/>
+              <a:t>외부 송</a:t>
+            </a:r>
+            <a:r>
+              <a:rPr lang="en-US" altLang="ko-KR" dirty="0"/>
+              <a:t>-</a:t>
+            </a:r>
+            <a:r>
+              <a:rPr lang="ko-KR" altLang="en-US" dirty="0"/>
+              <a:t>수신</a:t>
+            </a:r>
+            <a:endParaRPr lang="en-US" altLang="ko-KR" dirty="0"/>
+          </a:p>
+          <a:p>
+            <a:pPr lvl="1"/>
+            <a:r>
+              <a:rPr lang="ko-KR" altLang="en-US" dirty="0"/>
+              <a:t>방식</a:t>
+            </a:r>
+            <a:endParaRPr lang="en-US" altLang="ko-KR" dirty="0"/>
+          </a:p>
+          <a:p>
+            <a:pPr lvl="2"/>
+            <a:r>
+              <a:rPr lang="ko-KR" altLang="en-US" dirty="0"/>
+              <a:t>직접 연계 방식</a:t>
+            </a:r>
+            <a:r>
+              <a:rPr lang="en-US" altLang="ko-KR" dirty="0"/>
+              <a:t>	</a:t>
+            </a:r>
+          </a:p>
+          <a:p>
+            <a:pPr lvl="3"/>
+            <a:r>
+              <a:rPr lang="ko-KR" altLang="en-US" dirty="0"/>
+              <a:t>내</a:t>
+            </a:r>
+            <a:r>
+              <a:rPr lang="en-US" altLang="ko-KR" dirty="0"/>
+              <a:t>-</a:t>
+            </a:r>
+            <a:r>
+              <a:rPr lang="ko-KR" altLang="en-US" dirty="0"/>
+              <a:t>외부 사이 직접 연결</a:t>
+            </a:r>
+            <a:endParaRPr lang="en-US" altLang="ko-KR" dirty="0"/>
+          </a:p>
+          <a:p>
+            <a:pPr lvl="3"/>
+            <a:r>
+              <a:rPr lang="ko-KR" altLang="en-US" dirty="0"/>
+              <a:t>중간 매개체가 없어 빠르고 단순</a:t>
+            </a:r>
+            <a:endParaRPr lang="en-US" altLang="ko-KR" dirty="0"/>
+          </a:p>
+          <a:p>
+            <a:pPr lvl="3"/>
+            <a:r>
+              <a:rPr lang="ko-KR" altLang="en-US" dirty="0"/>
+              <a:t>다만 결합도가 높아져 수정에 어려움</a:t>
+            </a:r>
+            <a:endParaRPr lang="en-US" altLang="ko-KR" dirty="0"/>
+          </a:p>
+          <a:p>
+            <a:pPr lvl="2"/>
+            <a:r>
+              <a:rPr lang="ko-KR" altLang="en-US" dirty="0"/>
+              <a:t>간접 연계 방식</a:t>
+            </a:r>
+            <a:endParaRPr lang="en-US" altLang="ko-KR" dirty="0"/>
+          </a:p>
+          <a:p>
+            <a:pPr lvl="3"/>
+            <a:r>
+              <a:rPr lang="ko-KR" altLang="en-US" dirty="0"/>
+              <a:t>내</a:t>
+            </a:r>
+            <a:r>
+              <a:rPr lang="en-US" altLang="ko-KR" dirty="0"/>
+              <a:t>-</a:t>
+            </a:r>
+            <a:r>
+              <a:rPr lang="ko-KR" altLang="en-US" dirty="0"/>
+              <a:t>외부 사이 연계 서버를 통해 연결</a:t>
+            </a:r>
+            <a:endParaRPr lang="en-US" altLang="ko-KR" dirty="0"/>
+          </a:p>
+          <a:p>
+            <a:pPr lvl="3"/>
+            <a:r>
+              <a:rPr lang="ko-KR" altLang="en-US" dirty="0"/>
+              <a:t>직접 연계 방식보다는 느리고 복잡</a:t>
+            </a:r>
+            <a:endParaRPr lang="en-US" altLang="ko-KR" dirty="0"/>
+          </a:p>
+          <a:p>
+            <a:pPr lvl="3"/>
+            <a:r>
+              <a:rPr lang="ko-KR" altLang="en-US" dirty="0"/>
+              <a:t>여러 환경을 연계할 수 있음</a:t>
+            </a:r>
+            <a:endParaRPr lang="en-US" altLang="ko-KR" dirty="0"/>
+          </a:p>
+          <a:p>
+            <a:pPr lvl="1"/>
+            <a:r>
+              <a:rPr lang="ko-KR" altLang="en-US" dirty="0"/>
+              <a:t>연결 기술</a:t>
+            </a:r>
+            <a:endParaRPr lang="en-US" altLang="ko-KR" dirty="0"/>
+          </a:p>
+          <a:p>
+            <a:pPr lvl="2"/>
+            <a:r>
+              <a:rPr lang="en-US" altLang="ko-KR" dirty="0"/>
+              <a:t>DB Link</a:t>
+            </a:r>
+          </a:p>
+          <a:p>
+            <a:pPr lvl="2"/>
+            <a:r>
+              <a:rPr lang="en-US" altLang="ko-KR" dirty="0"/>
+              <a:t>DB Connection</a:t>
+            </a:r>
+          </a:p>
+          <a:p>
+            <a:pPr lvl="2"/>
+            <a:r>
+              <a:rPr lang="en-US" altLang="ko-KR" dirty="0"/>
+              <a:t>API</a:t>
+            </a:r>
+          </a:p>
+          <a:p>
+            <a:pPr lvl="2"/>
+            <a:r>
+              <a:rPr lang="en-US" altLang="ko-KR" dirty="0"/>
+              <a:t>JDBC (Java DB Connect)</a:t>
+            </a:r>
+          </a:p>
+          <a:p>
+            <a:pPr lvl="2"/>
+            <a:r>
+              <a:rPr lang="en-US" altLang="ko-KR" dirty="0"/>
+              <a:t>Hyper Link</a:t>
+            </a:r>
+          </a:p>
+          <a:p>
+            <a:pPr lvl="2"/>
+            <a:r>
+              <a:rPr lang="en-US" altLang="ko-KR" dirty="0"/>
+              <a:t>Socket</a:t>
+            </a:r>
+            <a:endParaRPr lang="ko-KR" altLang="en-US" dirty="0"/>
+          </a:p>
+        </p:txBody>
+      </p:sp>
+      <p:sp>
+        <p:nvSpPr>
+          <p:cNvPr id="3" name="제목 2">
+            <a:extLst>
+              <a:ext uri="{FF2B5EF4-FFF2-40B4-BE49-F238E27FC236}">
+                <a16:creationId xmlns:a16="http://schemas.microsoft.com/office/drawing/2014/main" id="{ACE5879F-28AB-4A61-966B-02F3C63A5ECA}"/>
+              </a:ext>
+            </a:extLst>
+          </p:cNvPr>
+          <p:cNvSpPr>
+            <a:spLocks noGrp="1"/>
+          </p:cNvSpPr>
+          <p:nvPr>
+            <p:ph type="title"/>
+          </p:nvPr>
+        </p:nvSpPr>
+        <p:spPr/>
+        <p:txBody>
+          <a:bodyPr/>
+          <a:lstStyle/>
+          <a:p>
+            <a:r>
+              <a:rPr lang="ko-KR" altLang="en-US" dirty="0"/>
+              <a:t>내</a:t>
+            </a:r>
+            <a:r>
+              <a:rPr lang="en-US" altLang="ko-KR" dirty="0"/>
+              <a:t>-</a:t>
+            </a:r>
+            <a:r>
+              <a:rPr lang="ko-KR" altLang="en-US" dirty="0"/>
+              <a:t>외부 송</a:t>
+            </a:r>
+            <a:r>
+              <a:rPr lang="en-US" altLang="ko-KR" dirty="0"/>
+              <a:t>-</a:t>
+            </a:r>
+            <a:r>
+              <a:rPr lang="ko-KR" altLang="en-US" dirty="0"/>
+              <a:t>수신</a:t>
+            </a:r>
+          </a:p>
+        </p:txBody>
+      </p:sp>
+      <p:sp>
+        <p:nvSpPr>
+          <p:cNvPr id="4" name="내용 개체 틀 3">
+            <a:extLst>
+              <a:ext uri="{FF2B5EF4-FFF2-40B4-BE49-F238E27FC236}">
+                <a16:creationId xmlns:a16="http://schemas.microsoft.com/office/drawing/2014/main" id="{F074147E-16ED-4A86-BA8A-3CE12C6D090C}"/>
+              </a:ext>
+            </a:extLst>
+          </p:cNvPr>
+          <p:cNvSpPr>
+            <a:spLocks noGrp="1"/>
+          </p:cNvSpPr>
+          <p:nvPr>
+            <p:ph sz="half" idx="2"/>
+          </p:nvPr>
+        </p:nvSpPr>
+        <p:spPr/>
+        <p:txBody>
+          <a:bodyPr/>
+          <a:lstStyle/>
+          <a:p>
+            <a:endParaRPr lang="en-US" altLang="ko-KR" dirty="0"/>
+          </a:p>
+          <a:p>
+            <a:pPr lvl="1"/>
+            <a:r>
+              <a:rPr lang="ko-KR" altLang="en-US" dirty="0"/>
+              <a:t>통신 유형</a:t>
+            </a:r>
+            <a:endParaRPr lang="en-US" altLang="ko-KR" dirty="0"/>
+          </a:p>
+          <a:p>
+            <a:pPr lvl="2"/>
+            <a:r>
+              <a:rPr lang="ko-KR" altLang="en-US" dirty="0"/>
+              <a:t>실시간</a:t>
+            </a:r>
+            <a:endParaRPr lang="en-US" altLang="ko-KR" dirty="0"/>
+          </a:p>
+          <a:p>
+            <a:pPr lvl="3"/>
+            <a:r>
+              <a:rPr lang="ko-KR" altLang="en-US" dirty="0"/>
+              <a:t>단방향</a:t>
+            </a:r>
+            <a:r>
+              <a:rPr lang="en-US" altLang="ko-KR" dirty="0"/>
+              <a:t>, </a:t>
+            </a:r>
+            <a:r>
+              <a:rPr lang="ko-KR" altLang="en-US" dirty="0"/>
+              <a:t>양방향</a:t>
+            </a:r>
+            <a:endParaRPr lang="en-US" altLang="ko-KR" dirty="0"/>
+          </a:p>
+          <a:p>
+            <a:pPr lvl="3"/>
+            <a:r>
+              <a:rPr lang="ko-KR" altLang="en-US" dirty="0"/>
+              <a:t>동기</a:t>
+            </a:r>
+            <a:r>
+              <a:rPr lang="en-US" altLang="ko-KR" dirty="0"/>
+              <a:t>, </a:t>
+            </a:r>
+            <a:r>
+              <a:rPr lang="ko-KR" altLang="en-US" dirty="0"/>
+              <a:t>비동기</a:t>
+            </a:r>
+            <a:endParaRPr lang="en-US" altLang="ko-KR" dirty="0"/>
+          </a:p>
+          <a:p>
+            <a:pPr lvl="3"/>
+            <a:r>
+              <a:rPr lang="ko-KR" altLang="en-US" dirty="0"/>
+              <a:t>지연 처리</a:t>
+            </a:r>
+            <a:endParaRPr lang="en-US" altLang="ko-KR" dirty="0"/>
+          </a:p>
+          <a:p>
+            <a:pPr lvl="2"/>
+            <a:r>
+              <a:rPr lang="ko-KR" altLang="en-US" dirty="0"/>
+              <a:t>배치</a:t>
+            </a:r>
+          </a:p>
+        </p:txBody>
+      </p:sp>
+      <p:sp>
+        <p:nvSpPr>
+          <p:cNvPr id="5" name="슬라이드 번호 개체 틀 4">
+            <a:extLst>
+              <a:ext uri="{FF2B5EF4-FFF2-40B4-BE49-F238E27FC236}">
+                <a16:creationId xmlns:a16="http://schemas.microsoft.com/office/drawing/2014/main" id="{5475A1B7-410B-4206-9BC4-90FDAE5CD39D}"/>
+              </a:ext>
+            </a:extLst>
+          </p:cNvPr>
+          <p:cNvSpPr>
+            <a:spLocks noGrp="1"/>
+          </p:cNvSpPr>
+          <p:nvPr>
+            <p:ph type="sldNum" sz="quarter" idx="12"/>
+          </p:nvPr>
+        </p:nvSpPr>
+        <p:spPr/>
+        <p:txBody>
+          <a:bodyPr/>
+          <a:lstStyle/>
+          <a:p>
+            <a:fld id="{89BED30C-66D9-4104-96BC-081A506F0CF0}" type="slidenum">
+              <a:rPr lang="ko-KR" altLang="en-US" smtClean="0"/>
+              <a:t>39</a:t>
+            </a:fld>
+            <a:endParaRPr lang="ko-KR" altLang="en-US"/>
+          </a:p>
+        </p:txBody>
+      </p:sp>
+      <p:sp>
+        <p:nvSpPr>
+          <p:cNvPr id="6" name="바닥글 개체 틀 5">
+            <a:extLst>
+              <a:ext uri="{FF2B5EF4-FFF2-40B4-BE49-F238E27FC236}">
+                <a16:creationId xmlns:a16="http://schemas.microsoft.com/office/drawing/2014/main" id="{0AC6D54B-A6DE-44AA-98BB-ECD201080DD3}"/>
+              </a:ext>
+            </a:extLst>
+          </p:cNvPr>
+          <p:cNvSpPr>
+            <a:spLocks noGrp="1"/>
+          </p:cNvSpPr>
+          <p:nvPr>
+            <p:ph type="ftr" sz="quarter" idx="3"/>
+          </p:nvPr>
+        </p:nvSpPr>
+        <p:spPr/>
+        <p:txBody>
+          <a:bodyPr/>
+          <a:lstStyle/>
+          <a:p>
+            <a:pPr algn="l"/>
+            <a:r>
+              <a:rPr lang="en-US" altLang="ko-KR"/>
+              <a:t>Nibble</a:t>
+            </a:r>
+            <a:endParaRPr lang="ko-KR" altLang="en-US" dirty="0"/>
+          </a:p>
+        </p:txBody>
+      </p:sp>
+      <p:sp>
+        <p:nvSpPr>
+          <p:cNvPr id="7" name="날짜 개체 틀 6">
+            <a:extLst>
+              <a:ext uri="{FF2B5EF4-FFF2-40B4-BE49-F238E27FC236}">
+                <a16:creationId xmlns:a16="http://schemas.microsoft.com/office/drawing/2014/main" id="{8C96A15D-8174-4711-91E2-827F8B66B03D}"/>
+              </a:ext>
+            </a:extLst>
+          </p:cNvPr>
+          <p:cNvSpPr>
+            <a:spLocks noGrp="1"/>
+          </p:cNvSpPr>
+          <p:nvPr>
+            <p:ph type="dt" sz="half" idx="13"/>
+          </p:nvPr>
+        </p:nvSpPr>
+        <p:spPr/>
+        <p:txBody>
+          <a:bodyPr/>
+          <a:lstStyle/>
+          <a:p>
+            <a:fld id="{B226B4E6-2447-4D67-A511-B13A2182F919}" type="datetime5">
+              <a:rPr lang="ko-KR" altLang="en-US" smtClean="0"/>
+              <a:t>2021/7/29</a:t>
+            </a:fld>
+            <a:endParaRPr lang="ko-KR" altLang="en-US" dirty="0"/>
+          </a:p>
+        </p:txBody>
+      </p:sp>
+    </p:spTree>
+    <p:extLst>
+      <p:ext uri="{BB962C8B-B14F-4D97-AF65-F5344CB8AC3E}">
+        <p14:creationId xmlns:p14="http://schemas.microsoft.com/office/powerpoint/2010/main" val="1544161551"/>
       </p:ext>
     </p:extLst>
   </p:cSld>
@@ -18201,7 +20495,7 @@
           <a:p>
             <a:fld id="{B226B4E6-2447-4D67-A511-B13A2182F919}" type="datetime5">
               <a:rPr lang="ko-KR" altLang="en-US" smtClean="0"/>
-              <a:t>2021/7/28</a:t>
+              <a:t>2021/7/29</a:t>
             </a:fld>
             <a:endParaRPr lang="ko-KR" altLang="en-US" dirty="0"/>
           </a:p>
@@ -18211,6 +20505,569 @@
     <p:extLst>
       <p:ext uri="{BB962C8B-B14F-4D97-AF65-F5344CB8AC3E}">
         <p14:creationId xmlns:p14="http://schemas.microsoft.com/office/powerpoint/2010/main" val="1834598831"/>
+      </p:ext>
+    </p:extLst>
+  </p:cSld>
+  <p:clrMapOvr>
+    <a:masterClrMapping/>
+  </p:clrMapOvr>
+</p:sld>
+</file>
+
+<file path=ppt/slides/slide40.xml><?xml version="1.0" encoding="utf-8"?>
+<p:sld xmlns:a="http://schemas.openxmlformats.org/drawingml/2006/main" xmlns:r="http://schemas.openxmlformats.org/officeDocument/2006/relationships" xmlns:p="http://schemas.openxmlformats.org/presentationml/2006/main">
+  <p:cSld>
+    <p:spTree>
+      <p:nvGrpSpPr>
+        <p:cNvPr id="1" name=""/>
+        <p:cNvGrpSpPr/>
+        <p:nvPr/>
+      </p:nvGrpSpPr>
+      <p:grpSpPr>
+        <a:xfrm>
+          <a:off x="0" y="0"/>
+          <a:ext cx="0" cy="0"/>
+          <a:chOff x="0" y="0"/>
+          <a:chExt cx="0" cy="0"/>
+        </a:xfrm>
+      </p:grpSpPr>
+      <p:sp>
+        <p:nvSpPr>
+          <p:cNvPr id="2" name="내용 개체 틀 1">
+            <a:extLst>
+              <a:ext uri="{FF2B5EF4-FFF2-40B4-BE49-F238E27FC236}">
+                <a16:creationId xmlns:a16="http://schemas.microsoft.com/office/drawing/2014/main" id="{35993597-1F13-40D8-A50C-DFDF53CFDAB8}"/>
+              </a:ext>
+            </a:extLst>
+          </p:cNvPr>
+          <p:cNvSpPr>
+            <a:spLocks noGrp="1"/>
+          </p:cNvSpPr>
+          <p:nvPr>
+            <p:ph sz="half" idx="14"/>
+          </p:nvPr>
+        </p:nvSpPr>
+        <p:spPr/>
+        <p:txBody>
+          <a:bodyPr/>
+          <a:lstStyle/>
+          <a:p>
+            <a:r>
+              <a:rPr lang="ko-KR" altLang="en-US" dirty="0"/>
+              <a:t>미들웨어 솔루션</a:t>
+            </a:r>
+            <a:endParaRPr lang="en-US" altLang="ko-KR" dirty="0"/>
+          </a:p>
+          <a:p>
+            <a:pPr lvl="1"/>
+            <a:r>
+              <a:rPr lang="ko-KR" altLang="en-US" dirty="0"/>
+              <a:t>정의</a:t>
+            </a:r>
+            <a:endParaRPr lang="en-US" altLang="ko-KR" dirty="0"/>
+          </a:p>
+          <a:p>
+            <a:pPr lvl="2"/>
+            <a:r>
+              <a:rPr lang="ko-KR" altLang="en-US" dirty="0"/>
+              <a:t>컴퓨터 간 연결을 관리해주는 </a:t>
+            </a:r>
+            <a:r>
+              <a:rPr lang="en-US" altLang="ko-KR" dirty="0"/>
+              <a:t>SW</a:t>
+            </a:r>
+          </a:p>
+          <a:p>
+            <a:pPr lvl="2"/>
+            <a:r>
+              <a:rPr lang="ko-KR" altLang="en-US" dirty="0"/>
+              <a:t>각</a:t>
+            </a:r>
+            <a:r>
+              <a:rPr lang="en-US" altLang="ko-KR" dirty="0"/>
+              <a:t> </a:t>
+            </a:r>
+            <a:r>
+              <a:rPr lang="ko-KR" altLang="en-US" dirty="0"/>
+              <a:t>컴퓨터의 환경에 상관없이 연결할 수 있게 지원</a:t>
+            </a:r>
+            <a:endParaRPr lang="en-US" altLang="ko-KR" dirty="0"/>
+          </a:p>
+          <a:p>
+            <a:pPr lvl="1"/>
+            <a:r>
+              <a:rPr lang="ko-KR" altLang="en-US" dirty="0"/>
+              <a:t>유형</a:t>
+            </a:r>
+            <a:endParaRPr lang="en-US" altLang="ko-KR" dirty="0"/>
+          </a:p>
+          <a:p>
+            <a:pPr lvl="2"/>
+            <a:r>
+              <a:rPr lang="en-US" altLang="ko-KR" dirty="0"/>
+              <a:t>DB </a:t>
+            </a:r>
+            <a:r>
+              <a:rPr lang="ko-KR" altLang="en-US" dirty="0"/>
+              <a:t>미들웨어</a:t>
+            </a:r>
+            <a:endParaRPr lang="en-US" altLang="ko-KR" dirty="0"/>
+          </a:p>
+          <a:p>
+            <a:pPr lvl="3"/>
+            <a:r>
+              <a:rPr lang="en-US" altLang="ko-KR" dirty="0"/>
+              <a:t>DB</a:t>
+            </a:r>
+            <a:r>
+              <a:rPr lang="ko-KR" altLang="en-US" dirty="0"/>
+              <a:t>와 </a:t>
+            </a:r>
+            <a:r>
+              <a:rPr lang="en-US" altLang="ko-KR" dirty="0"/>
+              <a:t>Application </a:t>
+            </a:r>
+            <a:r>
+              <a:rPr lang="ko-KR" altLang="en-US" dirty="0"/>
+              <a:t>간의 통신을 위함</a:t>
+            </a:r>
+            <a:endParaRPr lang="en-US" altLang="ko-KR" dirty="0"/>
+          </a:p>
+          <a:p>
+            <a:pPr lvl="2"/>
+            <a:r>
+              <a:rPr lang="ko-KR" altLang="en-US" dirty="0"/>
+              <a:t>원격 프로시저 호출 </a:t>
+            </a:r>
+            <a:r>
+              <a:rPr lang="en-US" altLang="ko-KR" dirty="0"/>
+              <a:t>(RPC. Remote Procedure Call)</a:t>
+            </a:r>
+          </a:p>
+          <a:p>
+            <a:pPr lvl="3"/>
+            <a:r>
+              <a:rPr lang="ko-KR" altLang="en-US" dirty="0"/>
+              <a:t>원격 프로시저를 로컬 프로시저처럼 호출</a:t>
+            </a:r>
+            <a:endParaRPr lang="en-US" altLang="ko-KR" dirty="0"/>
+          </a:p>
+          <a:p>
+            <a:pPr lvl="2"/>
+            <a:r>
+              <a:rPr lang="ko-KR" altLang="en-US" dirty="0"/>
+              <a:t>메시지 지향 미들웨어 </a:t>
+            </a:r>
+            <a:r>
+              <a:rPr lang="en-US" altLang="ko-KR" dirty="0"/>
+              <a:t>(MOM. MSG Oriented MW)</a:t>
+            </a:r>
+          </a:p>
+          <a:p>
+            <a:pPr lvl="3"/>
+            <a:r>
+              <a:rPr lang="ko-KR" altLang="en-US" dirty="0"/>
+              <a:t>메시지 기반 비동기형 전달</a:t>
+            </a:r>
+            <a:endParaRPr lang="en-US" altLang="ko-KR" dirty="0"/>
+          </a:p>
+          <a:p>
+            <a:pPr lvl="2"/>
+            <a:r>
+              <a:rPr lang="ko-KR" altLang="en-US" dirty="0"/>
+              <a:t>트랜젝션 처리 </a:t>
+            </a:r>
+            <a:r>
+              <a:rPr lang="en-US" altLang="ko-KR" dirty="0"/>
+              <a:t>(Transaction Processing)</a:t>
+            </a:r>
+          </a:p>
+          <a:p>
+            <a:pPr lvl="2"/>
+            <a:r>
+              <a:rPr lang="ko-KR" altLang="en-US" dirty="0"/>
+              <a:t>레거시웨어 </a:t>
+            </a:r>
+            <a:r>
+              <a:rPr lang="en-US" altLang="ko-KR" dirty="0"/>
+              <a:t>(Legacyware)</a:t>
+            </a:r>
+          </a:p>
+          <a:p>
+            <a:pPr lvl="3"/>
+            <a:r>
+              <a:rPr lang="ko-KR" altLang="en-US" dirty="0"/>
+              <a:t>새 기능을 추가할 때 사용되는 </a:t>
+            </a:r>
+            <a:r>
+              <a:rPr lang="en-US" altLang="ko-KR" dirty="0"/>
+              <a:t>MW</a:t>
+            </a:r>
+          </a:p>
+          <a:p>
+            <a:pPr lvl="2"/>
+            <a:r>
+              <a:rPr lang="ko-KR" altLang="en-US" dirty="0"/>
+              <a:t>객체 기반 미들웨어</a:t>
+            </a:r>
+            <a:endParaRPr lang="en-US" altLang="ko-KR" dirty="0"/>
+          </a:p>
+          <a:p>
+            <a:pPr lvl="2"/>
+            <a:r>
+              <a:rPr lang="en-US" altLang="ko-KR" dirty="0"/>
+              <a:t>WAS (Web Application Server)</a:t>
+            </a:r>
+          </a:p>
+          <a:p>
+            <a:pPr lvl="3"/>
+            <a:r>
+              <a:rPr lang="ko-KR" altLang="en-US" dirty="0"/>
+              <a:t>서버에서</a:t>
+            </a:r>
+            <a:r>
+              <a:rPr lang="en-US" altLang="ko-KR" dirty="0"/>
+              <a:t> App</a:t>
+            </a:r>
+            <a:r>
+              <a:rPr lang="ko-KR" altLang="en-US" dirty="0"/>
+              <a:t>이 동작하는 환경 제공</a:t>
+            </a:r>
+          </a:p>
+        </p:txBody>
+      </p:sp>
+      <p:sp>
+        <p:nvSpPr>
+          <p:cNvPr id="3" name="제목 2">
+            <a:extLst>
+              <a:ext uri="{FF2B5EF4-FFF2-40B4-BE49-F238E27FC236}">
+                <a16:creationId xmlns:a16="http://schemas.microsoft.com/office/drawing/2014/main" id="{DB930133-CA18-4151-9181-7FAF35C4D52E}"/>
+              </a:ext>
+            </a:extLst>
+          </p:cNvPr>
+          <p:cNvSpPr>
+            <a:spLocks noGrp="1"/>
+          </p:cNvSpPr>
+          <p:nvPr>
+            <p:ph type="title"/>
+          </p:nvPr>
+        </p:nvSpPr>
+        <p:spPr/>
+        <p:txBody>
+          <a:bodyPr/>
+          <a:lstStyle/>
+          <a:p>
+            <a:r>
+              <a:rPr lang="ko-KR" altLang="en-US" dirty="0"/>
+              <a:t>미들웨어 솔루션</a:t>
+            </a:r>
+          </a:p>
+        </p:txBody>
+      </p:sp>
+      <p:sp>
+        <p:nvSpPr>
+          <p:cNvPr id="4" name="내용 개체 틀 3">
+            <a:extLst>
+              <a:ext uri="{FF2B5EF4-FFF2-40B4-BE49-F238E27FC236}">
+                <a16:creationId xmlns:a16="http://schemas.microsoft.com/office/drawing/2014/main" id="{83A5D2A4-62F1-4E2C-B4E0-EC721338FCC6}"/>
+              </a:ext>
+            </a:extLst>
+          </p:cNvPr>
+          <p:cNvSpPr>
+            <a:spLocks noGrp="1"/>
+          </p:cNvSpPr>
+          <p:nvPr>
+            <p:ph sz="half" idx="2"/>
+          </p:nvPr>
+        </p:nvSpPr>
+        <p:spPr/>
+        <p:txBody>
+          <a:bodyPr/>
+          <a:lstStyle/>
+          <a:p>
+            <a:r>
+              <a:rPr lang="ko-KR" altLang="en-US" dirty="0"/>
+              <a:t>웹 서버와 </a:t>
+            </a:r>
+            <a:r>
+              <a:rPr lang="en-US" altLang="ko-KR" dirty="0"/>
+              <a:t>WAS </a:t>
+            </a:r>
+          </a:p>
+          <a:p>
+            <a:pPr lvl="1"/>
+            <a:r>
+              <a:rPr lang="ko-KR" altLang="en-US" dirty="0"/>
+              <a:t>처리 프로세스</a:t>
+            </a:r>
+            <a:endParaRPr lang="en-US" altLang="ko-KR" dirty="0"/>
+          </a:p>
+          <a:p>
+            <a:pPr lvl="2"/>
+            <a:r>
+              <a:rPr lang="en-US" altLang="ko-KR" dirty="0"/>
+              <a:t>1. </a:t>
+            </a:r>
+            <a:r>
+              <a:rPr lang="ko-KR" altLang="en-US" dirty="0"/>
+              <a:t>웹 브라우저가 웹 서버에 페이지 요청</a:t>
+            </a:r>
+            <a:endParaRPr lang="en-US" altLang="ko-KR" dirty="0"/>
+          </a:p>
+          <a:p>
+            <a:pPr lvl="2"/>
+            <a:r>
+              <a:rPr lang="en-US" altLang="ko-KR" dirty="0"/>
+              <a:t>2. </a:t>
+            </a:r>
+            <a:r>
+              <a:rPr lang="ko-KR" altLang="en-US" dirty="0"/>
+              <a:t>웹 서버는 요청을 받아 요청 처리를 </a:t>
+            </a:r>
+            <a:r>
+              <a:rPr lang="en-US" altLang="ko-KR" dirty="0"/>
+              <a:t>WAS</a:t>
+            </a:r>
+            <a:r>
+              <a:rPr lang="ko-KR" altLang="en-US" dirty="0"/>
+              <a:t>에 요청</a:t>
+            </a:r>
+            <a:endParaRPr lang="en-US" altLang="ko-KR" dirty="0"/>
+          </a:p>
+          <a:p>
+            <a:pPr lvl="2"/>
+            <a:r>
+              <a:rPr lang="en-US" altLang="ko-KR" dirty="0"/>
+              <a:t>3. WAS</a:t>
+            </a:r>
+            <a:r>
+              <a:rPr lang="ko-KR" altLang="en-US" dirty="0"/>
+              <a:t>는 요청 처리 웹 서버에 전달</a:t>
+            </a:r>
+            <a:endParaRPr lang="en-US" altLang="ko-KR" dirty="0"/>
+          </a:p>
+          <a:p>
+            <a:pPr lvl="2"/>
+            <a:r>
+              <a:rPr lang="en-US" altLang="ko-KR" dirty="0"/>
+              <a:t>4. </a:t>
+            </a:r>
+            <a:r>
+              <a:rPr lang="ko-KR" altLang="en-US" dirty="0"/>
+              <a:t>웹 서버는 웹 브라우저에 전달</a:t>
+            </a:r>
+            <a:endParaRPr lang="en-US" altLang="ko-KR" dirty="0"/>
+          </a:p>
+          <a:p>
+            <a:pPr lvl="1"/>
+            <a:r>
+              <a:rPr lang="ko-KR" altLang="en-US" dirty="0"/>
+              <a:t>개념</a:t>
+            </a:r>
+            <a:endParaRPr lang="en-US" altLang="ko-KR" dirty="0"/>
+          </a:p>
+          <a:p>
+            <a:pPr lvl="2"/>
+            <a:r>
+              <a:rPr lang="ko-KR" altLang="en-US" dirty="0"/>
+              <a:t>웹</a:t>
+            </a:r>
+            <a:r>
+              <a:rPr lang="en-US" altLang="ko-KR" dirty="0"/>
+              <a:t> </a:t>
+            </a:r>
+            <a:r>
+              <a:rPr lang="ko-KR" altLang="en-US" dirty="0"/>
+              <a:t>서버</a:t>
+            </a:r>
+            <a:r>
+              <a:rPr lang="en-US" altLang="ko-KR" dirty="0"/>
+              <a:t>: HW</a:t>
+            </a:r>
+            <a:r>
+              <a:rPr lang="ko-KR" altLang="en-US" dirty="0"/>
+              <a:t> </a:t>
+            </a:r>
+            <a:r>
+              <a:rPr lang="en-US" altLang="ko-KR" dirty="0"/>
+              <a:t>+</a:t>
+            </a:r>
+            <a:r>
+              <a:rPr lang="ko-KR" altLang="en-US" dirty="0"/>
+              <a:t> 정적 콘텐츠 전달</a:t>
+            </a:r>
+            <a:endParaRPr lang="en-US" altLang="ko-KR" dirty="0"/>
+          </a:p>
+          <a:p>
+            <a:pPr lvl="2"/>
+            <a:r>
+              <a:rPr lang="en-US" altLang="ko-KR" dirty="0"/>
+              <a:t>WAS: </a:t>
+            </a:r>
+            <a:r>
+              <a:rPr lang="ko-KR" altLang="en-US" dirty="0"/>
+              <a:t>코드 실행</a:t>
+            </a:r>
+            <a:endParaRPr lang="en-US" altLang="ko-KR" dirty="0"/>
+          </a:p>
+          <a:p>
+            <a:r>
+              <a:rPr lang="en-US" altLang="ko-KR" dirty="0"/>
+              <a:t>EAI</a:t>
+            </a:r>
+            <a:r>
+              <a:rPr lang="ko-KR" altLang="en-US" dirty="0"/>
+              <a:t>와 </a:t>
+            </a:r>
+            <a:r>
+              <a:rPr lang="en-US" altLang="ko-KR" dirty="0"/>
+              <a:t>ESB</a:t>
+            </a:r>
+          </a:p>
+          <a:p>
+            <a:pPr lvl="1"/>
+            <a:r>
+              <a:rPr lang="en-US" altLang="ko-KR" dirty="0"/>
+              <a:t>EAI (Enterprise Application Integration)</a:t>
+            </a:r>
+          </a:p>
+          <a:p>
+            <a:pPr lvl="2"/>
+            <a:r>
+              <a:rPr lang="ko-KR" altLang="en-US" dirty="0"/>
+              <a:t>기업 내 </a:t>
+            </a:r>
+            <a:r>
+              <a:rPr lang="en-US" altLang="ko-KR" dirty="0"/>
+              <a:t>App </a:t>
+            </a:r>
+            <a:r>
+              <a:rPr lang="ko-KR" altLang="en-US" dirty="0"/>
+              <a:t>상호 연동을 위해 통합하는 방법</a:t>
+            </a:r>
+            <a:endParaRPr lang="en-US" altLang="ko-KR" dirty="0"/>
+          </a:p>
+          <a:p>
+            <a:pPr lvl="1"/>
+            <a:r>
+              <a:rPr lang="en-US" altLang="ko-KR" dirty="0"/>
+              <a:t>ESB (Enterprise Service Bus)</a:t>
+            </a:r>
+          </a:p>
+          <a:p>
+            <a:pPr lvl="2"/>
+            <a:r>
+              <a:rPr lang="ko-KR" altLang="en-US" dirty="0"/>
+              <a:t>기업 간 </a:t>
+            </a:r>
+            <a:r>
+              <a:rPr lang="en-US" altLang="ko-KR" dirty="0"/>
+              <a:t>App</a:t>
+            </a:r>
+            <a:r>
+              <a:rPr lang="ko-KR" altLang="en-US" dirty="0"/>
+              <a:t>을 통합하는 방법</a:t>
+            </a:r>
+            <a:endParaRPr lang="en-US" altLang="ko-KR" dirty="0"/>
+          </a:p>
+          <a:p>
+            <a:pPr lvl="2"/>
+            <a:endParaRPr lang="ko-KR" altLang="en-US" dirty="0"/>
+          </a:p>
+        </p:txBody>
+      </p:sp>
+      <p:sp>
+        <p:nvSpPr>
+          <p:cNvPr id="5" name="슬라이드 번호 개체 틀 4">
+            <a:extLst>
+              <a:ext uri="{FF2B5EF4-FFF2-40B4-BE49-F238E27FC236}">
+                <a16:creationId xmlns:a16="http://schemas.microsoft.com/office/drawing/2014/main" id="{C9B6A45E-ABC3-4ABB-ABFC-03A9C7381648}"/>
+              </a:ext>
+            </a:extLst>
+          </p:cNvPr>
+          <p:cNvSpPr>
+            <a:spLocks noGrp="1"/>
+          </p:cNvSpPr>
+          <p:nvPr>
+            <p:ph type="sldNum" sz="quarter" idx="12"/>
+          </p:nvPr>
+        </p:nvSpPr>
+        <p:spPr/>
+        <p:txBody>
+          <a:bodyPr/>
+          <a:lstStyle/>
+          <a:p>
+            <a:fld id="{89BED30C-66D9-4104-96BC-081A506F0CF0}" type="slidenum">
+              <a:rPr lang="ko-KR" altLang="en-US" smtClean="0"/>
+              <a:t>40</a:t>
+            </a:fld>
+            <a:endParaRPr lang="ko-KR" altLang="en-US"/>
+          </a:p>
+        </p:txBody>
+      </p:sp>
+      <p:sp>
+        <p:nvSpPr>
+          <p:cNvPr id="6" name="바닥글 개체 틀 5">
+            <a:extLst>
+              <a:ext uri="{FF2B5EF4-FFF2-40B4-BE49-F238E27FC236}">
+                <a16:creationId xmlns:a16="http://schemas.microsoft.com/office/drawing/2014/main" id="{106386D9-D5F9-4293-93E8-29B6D19B8110}"/>
+              </a:ext>
+            </a:extLst>
+          </p:cNvPr>
+          <p:cNvSpPr>
+            <a:spLocks noGrp="1"/>
+          </p:cNvSpPr>
+          <p:nvPr>
+            <p:ph type="ftr" sz="quarter" idx="3"/>
+          </p:nvPr>
+        </p:nvSpPr>
+        <p:spPr/>
+        <p:txBody>
+          <a:bodyPr/>
+          <a:lstStyle/>
+          <a:p>
+            <a:pPr algn="l"/>
+            <a:r>
+              <a:rPr lang="en-US" altLang="ko-KR"/>
+              <a:t>Nibble</a:t>
+            </a:r>
+            <a:endParaRPr lang="ko-KR" altLang="en-US" dirty="0"/>
+          </a:p>
+        </p:txBody>
+      </p:sp>
+      <p:sp>
+        <p:nvSpPr>
+          <p:cNvPr id="7" name="날짜 개체 틀 6">
+            <a:extLst>
+              <a:ext uri="{FF2B5EF4-FFF2-40B4-BE49-F238E27FC236}">
+                <a16:creationId xmlns:a16="http://schemas.microsoft.com/office/drawing/2014/main" id="{14FA6DA0-07E2-422D-9950-419E380AE8B6}"/>
+              </a:ext>
+            </a:extLst>
+          </p:cNvPr>
+          <p:cNvSpPr>
+            <a:spLocks noGrp="1"/>
+          </p:cNvSpPr>
+          <p:nvPr>
+            <p:ph type="dt" sz="half" idx="13"/>
+          </p:nvPr>
+        </p:nvSpPr>
+        <p:spPr/>
+        <p:txBody>
+          <a:bodyPr/>
+          <a:lstStyle/>
+          <a:p>
+            <a:fld id="{B226B4E6-2447-4D67-A511-B13A2182F919}" type="datetime5">
+              <a:rPr lang="ko-KR" altLang="en-US" smtClean="0"/>
+              <a:t>2021/7/29</a:t>
+            </a:fld>
+            <a:endParaRPr lang="ko-KR" altLang="en-US" dirty="0"/>
+          </a:p>
+        </p:txBody>
+      </p:sp>
+    </p:spTree>
+    <p:extLst>
+      <p:ext uri="{BB962C8B-B14F-4D97-AF65-F5344CB8AC3E}">
+        <p14:creationId xmlns:p14="http://schemas.microsoft.com/office/powerpoint/2010/main" val="728235986"/>
       </p:ext>
     </p:extLst>
   </p:cSld>
@@ -18727,7 +21584,7 @@
           <a:p>
             <a:fld id="{B226B4E6-2447-4D67-A511-B13A2182F919}" type="datetime5">
               <a:rPr lang="ko-KR" altLang="en-US" smtClean="0"/>
-              <a:t>2021/7/28</a:t>
+              <a:t>2021/7/29</a:t>
             </a:fld>
             <a:endParaRPr lang="ko-KR" altLang="en-US" dirty="0"/>
           </a:p>
@@ -19038,7 +21895,7 @@
           <a:p>
             <a:fld id="{B226B4E6-2447-4D67-A511-B13A2182F919}" type="datetime5">
               <a:rPr lang="ko-KR" altLang="en-US" smtClean="0"/>
-              <a:t>2021/7/28</a:t>
+              <a:t>2021/7/29</a:t>
             </a:fld>
             <a:endParaRPr lang="ko-KR" altLang="en-US" dirty="0"/>
           </a:p>
@@ -19546,7 +22403,7 @@
           <a:p>
             <a:fld id="{B226B4E6-2447-4D67-A511-B13A2182F919}" type="datetime5">
               <a:rPr lang="ko-KR" altLang="en-US" smtClean="0"/>
-              <a:t>2021/7/28</a:t>
+              <a:t>2021/7/29</a:t>
             </a:fld>
             <a:endParaRPr lang="ko-KR" altLang="en-US" dirty="0"/>
           </a:p>
@@ -20000,7 +22857,7 @@
           <a:p>
             <a:fld id="{B226B4E6-2447-4D67-A511-B13A2182F919}" type="datetime5">
               <a:rPr lang="ko-KR" altLang="en-US" smtClean="0"/>
-              <a:t>2021/7/28</a:t>
+              <a:t>2021/7/29</a:t>
             </a:fld>
             <a:endParaRPr lang="ko-KR" altLang="en-US" dirty="0"/>
           </a:p>
@@ -20565,7 +23422,7 @@
           <a:p>
             <a:fld id="{B226B4E6-2447-4D67-A511-B13A2182F919}" type="datetime5">
               <a:rPr lang="ko-KR" altLang="en-US" smtClean="0"/>
-              <a:t>2021/7/28</a:t>
+              <a:t>2021/7/29</a:t>
             </a:fld>
             <a:endParaRPr lang="ko-KR" altLang="en-US" dirty="0"/>
           </a:p>
